--- a/SE Presentation Alpha.pptx
+++ b/SE Presentation Alpha.pptx
@@ -63,7 +63,7 @@
       </p:grpSpPr>
       <p:sp>
         <p:nvSpPr>
-          <p:cNvPr id="36" name="PlaceHolder 1"/>
+          <p:cNvPr id="33" name="PlaceHolder 1"/>
           <p:cNvSpPr>
             <a:spLocks noGrp="1"/>
           </p:cNvSpPr>
@@ -74,7 +74,7 @@
         <p:spPr>
           <a:xfrm>
             <a:off x="677160" y="609480"/>
-            <a:ext cx="8596440" cy="1320480"/>
+            <a:ext cx="8596080" cy="1320120"/>
           </a:xfrm>
           <a:prstGeom prst="rect">
             <a:avLst/>
@@ -83,23 +83,24 @@
         <p:txBody>
           <a:bodyPr lIns="0" rIns="0" tIns="0" bIns="0" anchor="ctr"/>
           <a:p>
-            <a:endParaRPr b="0" lang="en-US" sz="1800" spc="-1" strike="noStrike">
-              <a:solidFill>
-                <a:srgbClr val="ffffff"/>
-              </a:solidFill>
-              <a:uFill>
-                <a:solidFill>
-                  <a:srgbClr val="ffffff"/>
-                </a:solidFill>
-              </a:uFill>
-              <a:latin typeface="Trebuchet MS"/>
-            </a:endParaRPr>
-          </a:p>
-        </p:txBody>
-      </p:sp>
-      <p:sp>
-        <p:nvSpPr>
-          <p:cNvPr id="37" name="PlaceHolder 2"/>
+            <a:pPr algn="ctr"/>
+            <a:endParaRPr b="0" lang="en-US" sz="4400" spc="-1" strike="noStrike">
+              <a:solidFill>
+                <a:srgbClr val="ffffff"/>
+              </a:solidFill>
+              <a:uFill>
+                <a:solidFill>
+                  <a:srgbClr val="ffffff"/>
+                </a:solidFill>
+              </a:uFill>
+              <a:latin typeface="Arial"/>
+            </a:endParaRPr>
+          </a:p>
+        </p:txBody>
+      </p:sp>
+      <p:sp>
+        <p:nvSpPr>
+          <p:cNvPr id="34" name="PlaceHolder 2"/>
           <p:cNvSpPr>
             <a:spLocks noGrp="1"/>
           </p:cNvSpPr>
@@ -119,23 +120,23 @@
         <p:txBody>
           <a:bodyPr lIns="0" rIns="0" tIns="0" bIns="0"/>
           <a:p>
-            <a:endParaRPr b="0" lang="en-US" sz="1800" spc="-1" strike="noStrike">
-              <a:solidFill>
-                <a:srgbClr val="ffffff"/>
-              </a:solidFill>
-              <a:uFill>
-                <a:solidFill>
-                  <a:srgbClr val="ffffff"/>
-                </a:solidFill>
-              </a:uFill>
-              <a:latin typeface="Trebuchet MS"/>
-            </a:endParaRPr>
-          </a:p>
-        </p:txBody>
-      </p:sp>
-      <p:sp>
-        <p:nvSpPr>
-          <p:cNvPr id="38" name="PlaceHolder 3"/>
+            <a:endParaRPr b="0" lang="en-US" sz="3200" spc="-1" strike="noStrike">
+              <a:solidFill>
+                <a:srgbClr val="ffffff"/>
+              </a:solidFill>
+              <a:uFill>
+                <a:solidFill>
+                  <a:srgbClr val="ffffff"/>
+                </a:solidFill>
+              </a:uFill>
+              <a:latin typeface="Arial"/>
+            </a:endParaRPr>
+          </a:p>
+        </p:txBody>
+      </p:sp>
+      <p:sp>
+        <p:nvSpPr>
+          <p:cNvPr id="35" name="PlaceHolder 3"/>
           <p:cNvSpPr>
             <a:spLocks noGrp="1"/>
           </p:cNvSpPr>
@@ -155,16 +156,16 @@
         <p:txBody>
           <a:bodyPr lIns="0" rIns="0" tIns="0" bIns="0"/>
           <a:p>
-            <a:endParaRPr b="0" lang="en-US" sz="1800" spc="-1" strike="noStrike">
-              <a:solidFill>
-                <a:srgbClr val="ffffff"/>
-              </a:solidFill>
-              <a:uFill>
-                <a:solidFill>
-                  <a:srgbClr val="ffffff"/>
-                </a:solidFill>
-              </a:uFill>
-              <a:latin typeface="Trebuchet MS"/>
+            <a:endParaRPr b="0" lang="en-US" sz="3200" spc="-1" strike="noStrike">
+              <a:solidFill>
+                <a:srgbClr val="ffffff"/>
+              </a:solidFill>
+              <a:uFill>
+                <a:solidFill>
+                  <a:srgbClr val="ffffff"/>
+                </a:solidFill>
+              </a:uFill>
+              <a:latin typeface="Arial"/>
             </a:endParaRPr>
           </a:p>
         </p:txBody>
@@ -193,7 +194,7 @@
       </p:grpSpPr>
       <p:sp>
         <p:nvSpPr>
-          <p:cNvPr id="39" name="PlaceHolder 1"/>
+          <p:cNvPr id="36" name="PlaceHolder 1"/>
           <p:cNvSpPr>
             <a:spLocks noGrp="1"/>
           </p:cNvSpPr>
@@ -204,7 +205,7 @@
         <p:spPr>
           <a:xfrm>
             <a:off x="677160" y="609480"/>
-            <a:ext cx="8596440" cy="1320480"/>
+            <a:ext cx="8596080" cy="1320120"/>
           </a:xfrm>
           <a:prstGeom prst="rect">
             <a:avLst/>
@@ -213,23 +214,24 @@
         <p:txBody>
           <a:bodyPr lIns="0" rIns="0" tIns="0" bIns="0" anchor="ctr"/>
           <a:p>
-            <a:endParaRPr b="0" lang="en-US" sz="1800" spc="-1" strike="noStrike">
-              <a:solidFill>
-                <a:srgbClr val="ffffff"/>
-              </a:solidFill>
-              <a:uFill>
-                <a:solidFill>
-                  <a:srgbClr val="ffffff"/>
-                </a:solidFill>
-              </a:uFill>
-              <a:latin typeface="Trebuchet MS"/>
-            </a:endParaRPr>
-          </a:p>
-        </p:txBody>
-      </p:sp>
-      <p:sp>
-        <p:nvSpPr>
-          <p:cNvPr id="40" name="PlaceHolder 2"/>
+            <a:pPr algn="ctr"/>
+            <a:endParaRPr b="0" lang="en-US" sz="4400" spc="-1" strike="noStrike">
+              <a:solidFill>
+                <a:srgbClr val="ffffff"/>
+              </a:solidFill>
+              <a:uFill>
+                <a:solidFill>
+                  <a:srgbClr val="ffffff"/>
+                </a:solidFill>
+              </a:uFill>
+              <a:latin typeface="Arial"/>
+            </a:endParaRPr>
+          </a:p>
+        </p:txBody>
+      </p:sp>
+      <p:sp>
+        <p:nvSpPr>
+          <p:cNvPr id="37" name="PlaceHolder 2"/>
           <p:cNvSpPr>
             <a:spLocks noGrp="1"/>
           </p:cNvSpPr>
@@ -249,23 +251,23 @@
         <p:txBody>
           <a:bodyPr lIns="0" rIns="0" tIns="0" bIns="0"/>
           <a:p>
-            <a:endParaRPr b="0" lang="en-US" sz="1800" spc="-1" strike="noStrike">
-              <a:solidFill>
-                <a:srgbClr val="ffffff"/>
-              </a:solidFill>
-              <a:uFill>
-                <a:solidFill>
-                  <a:srgbClr val="ffffff"/>
-                </a:solidFill>
-              </a:uFill>
-              <a:latin typeface="Trebuchet MS"/>
-            </a:endParaRPr>
-          </a:p>
-        </p:txBody>
-      </p:sp>
-      <p:sp>
-        <p:nvSpPr>
-          <p:cNvPr id="41" name="PlaceHolder 3"/>
+            <a:endParaRPr b="0" lang="en-US" sz="3200" spc="-1" strike="noStrike">
+              <a:solidFill>
+                <a:srgbClr val="ffffff"/>
+              </a:solidFill>
+              <a:uFill>
+                <a:solidFill>
+                  <a:srgbClr val="ffffff"/>
+                </a:solidFill>
+              </a:uFill>
+              <a:latin typeface="Arial"/>
+            </a:endParaRPr>
+          </a:p>
+        </p:txBody>
+      </p:sp>
+      <p:sp>
+        <p:nvSpPr>
+          <p:cNvPr id="38" name="PlaceHolder 3"/>
           <p:cNvSpPr>
             <a:spLocks noGrp="1"/>
           </p:cNvSpPr>
@@ -285,23 +287,23 @@
         <p:txBody>
           <a:bodyPr lIns="0" rIns="0" tIns="0" bIns="0"/>
           <a:p>
-            <a:endParaRPr b="0" lang="en-US" sz="1800" spc="-1" strike="noStrike">
-              <a:solidFill>
-                <a:srgbClr val="ffffff"/>
-              </a:solidFill>
-              <a:uFill>
-                <a:solidFill>
-                  <a:srgbClr val="ffffff"/>
-                </a:solidFill>
-              </a:uFill>
-              <a:latin typeface="Trebuchet MS"/>
-            </a:endParaRPr>
-          </a:p>
-        </p:txBody>
-      </p:sp>
-      <p:sp>
-        <p:nvSpPr>
-          <p:cNvPr id="42" name="PlaceHolder 4"/>
+            <a:endParaRPr b="0" lang="en-US" sz="3200" spc="-1" strike="noStrike">
+              <a:solidFill>
+                <a:srgbClr val="ffffff"/>
+              </a:solidFill>
+              <a:uFill>
+                <a:solidFill>
+                  <a:srgbClr val="ffffff"/>
+                </a:solidFill>
+              </a:uFill>
+              <a:latin typeface="Arial"/>
+            </a:endParaRPr>
+          </a:p>
+        </p:txBody>
+      </p:sp>
+      <p:sp>
+        <p:nvSpPr>
+          <p:cNvPr id="39" name="PlaceHolder 4"/>
           <p:cNvSpPr>
             <a:spLocks noGrp="1"/>
           </p:cNvSpPr>
@@ -321,23 +323,23 @@
         <p:txBody>
           <a:bodyPr lIns="0" rIns="0" tIns="0" bIns="0"/>
           <a:p>
-            <a:endParaRPr b="0" lang="en-US" sz="1800" spc="-1" strike="noStrike">
-              <a:solidFill>
-                <a:srgbClr val="ffffff"/>
-              </a:solidFill>
-              <a:uFill>
-                <a:solidFill>
-                  <a:srgbClr val="ffffff"/>
-                </a:solidFill>
-              </a:uFill>
-              <a:latin typeface="Trebuchet MS"/>
-            </a:endParaRPr>
-          </a:p>
-        </p:txBody>
-      </p:sp>
-      <p:sp>
-        <p:nvSpPr>
-          <p:cNvPr id="43" name="PlaceHolder 5"/>
+            <a:endParaRPr b="0" lang="en-US" sz="3200" spc="-1" strike="noStrike">
+              <a:solidFill>
+                <a:srgbClr val="ffffff"/>
+              </a:solidFill>
+              <a:uFill>
+                <a:solidFill>
+                  <a:srgbClr val="ffffff"/>
+                </a:solidFill>
+              </a:uFill>
+              <a:latin typeface="Arial"/>
+            </a:endParaRPr>
+          </a:p>
+        </p:txBody>
+      </p:sp>
+      <p:sp>
+        <p:nvSpPr>
+          <p:cNvPr id="40" name="PlaceHolder 5"/>
           <p:cNvSpPr>
             <a:spLocks noGrp="1"/>
           </p:cNvSpPr>
@@ -357,16 +359,16 @@
         <p:txBody>
           <a:bodyPr lIns="0" rIns="0" tIns="0" bIns="0"/>
           <a:p>
-            <a:endParaRPr b="0" lang="en-US" sz="1800" spc="-1" strike="noStrike">
-              <a:solidFill>
-                <a:srgbClr val="ffffff"/>
-              </a:solidFill>
-              <a:uFill>
-                <a:solidFill>
-                  <a:srgbClr val="ffffff"/>
-                </a:solidFill>
-              </a:uFill>
-              <a:latin typeface="Trebuchet MS"/>
+            <a:endParaRPr b="0" lang="en-US" sz="3200" spc="-1" strike="noStrike">
+              <a:solidFill>
+                <a:srgbClr val="ffffff"/>
+              </a:solidFill>
+              <a:uFill>
+                <a:solidFill>
+                  <a:srgbClr val="ffffff"/>
+                </a:solidFill>
+              </a:uFill>
+              <a:latin typeface="Arial"/>
             </a:endParaRPr>
           </a:p>
         </p:txBody>
@@ -395,7 +397,7 @@
       </p:grpSpPr>
       <p:sp>
         <p:nvSpPr>
-          <p:cNvPr id="44" name="PlaceHolder 1"/>
+          <p:cNvPr id="41" name="PlaceHolder 1"/>
           <p:cNvSpPr>
             <a:spLocks noGrp="1"/>
           </p:cNvSpPr>
@@ -406,7 +408,7 @@
         <p:spPr>
           <a:xfrm>
             <a:off x="677160" y="609480"/>
-            <a:ext cx="8596440" cy="1320480"/>
+            <a:ext cx="8596080" cy="1320120"/>
           </a:xfrm>
           <a:prstGeom prst="rect">
             <a:avLst/>
@@ -415,23 +417,24 @@
         <p:txBody>
           <a:bodyPr lIns="0" rIns="0" tIns="0" bIns="0" anchor="ctr"/>
           <a:p>
-            <a:endParaRPr b="0" lang="en-US" sz="1800" spc="-1" strike="noStrike">
-              <a:solidFill>
-                <a:srgbClr val="ffffff"/>
-              </a:solidFill>
-              <a:uFill>
-                <a:solidFill>
-                  <a:srgbClr val="ffffff"/>
-                </a:solidFill>
-              </a:uFill>
-              <a:latin typeface="Trebuchet MS"/>
-            </a:endParaRPr>
-          </a:p>
-        </p:txBody>
-      </p:sp>
-      <p:sp>
-        <p:nvSpPr>
-          <p:cNvPr id="45" name="PlaceHolder 2"/>
+            <a:pPr algn="ctr"/>
+            <a:endParaRPr b="0" lang="en-US" sz="4400" spc="-1" strike="noStrike">
+              <a:solidFill>
+                <a:srgbClr val="ffffff"/>
+              </a:solidFill>
+              <a:uFill>
+                <a:solidFill>
+                  <a:srgbClr val="ffffff"/>
+                </a:solidFill>
+              </a:uFill>
+              <a:latin typeface="Arial"/>
+            </a:endParaRPr>
+          </a:p>
+        </p:txBody>
+      </p:sp>
+      <p:sp>
+        <p:nvSpPr>
+          <p:cNvPr id="42" name="PlaceHolder 2"/>
           <p:cNvSpPr>
             <a:spLocks noGrp="1"/>
           </p:cNvSpPr>
@@ -451,23 +454,23 @@
         <p:txBody>
           <a:bodyPr lIns="0" rIns="0" tIns="0" bIns="0"/>
           <a:p>
-            <a:endParaRPr b="0" lang="en-US" sz="1800" spc="-1" strike="noStrike">
-              <a:solidFill>
-                <a:srgbClr val="ffffff"/>
-              </a:solidFill>
-              <a:uFill>
-                <a:solidFill>
-                  <a:srgbClr val="ffffff"/>
-                </a:solidFill>
-              </a:uFill>
-              <a:latin typeface="Trebuchet MS"/>
-            </a:endParaRPr>
-          </a:p>
-        </p:txBody>
-      </p:sp>
-      <p:sp>
-        <p:nvSpPr>
-          <p:cNvPr id="46" name="PlaceHolder 3"/>
+            <a:endParaRPr b="0" lang="en-US" sz="3200" spc="-1" strike="noStrike">
+              <a:solidFill>
+                <a:srgbClr val="ffffff"/>
+              </a:solidFill>
+              <a:uFill>
+                <a:solidFill>
+                  <a:srgbClr val="ffffff"/>
+                </a:solidFill>
+              </a:uFill>
+              <a:latin typeface="Arial"/>
+            </a:endParaRPr>
+          </a:p>
+        </p:txBody>
+      </p:sp>
+      <p:sp>
+        <p:nvSpPr>
+          <p:cNvPr id="43" name="PlaceHolder 3"/>
           <p:cNvSpPr>
             <a:spLocks noGrp="1"/>
           </p:cNvSpPr>
@@ -487,23 +490,23 @@
         <p:txBody>
           <a:bodyPr lIns="0" rIns="0" tIns="0" bIns="0"/>
           <a:p>
-            <a:endParaRPr b="0" lang="en-US" sz="1800" spc="-1" strike="noStrike">
-              <a:solidFill>
-                <a:srgbClr val="ffffff"/>
-              </a:solidFill>
-              <a:uFill>
-                <a:solidFill>
-                  <a:srgbClr val="ffffff"/>
-                </a:solidFill>
-              </a:uFill>
-              <a:latin typeface="Trebuchet MS"/>
-            </a:endParaRPr>
-          </a:p>
-        </p:txBody>
-      </p:sp>
-      <p:sp>
-        <p:nvSpPr>
-          <p:cNvPr id="47" name="PlaceHolder 4"/>
+            <a:endParaRPr b="0" lang="en-US" sz="3200" spc="-1" strike="noStrike">
+              <a:solidFill>
+                <a:srgbClr val="ffffff"/>
+              </a:solidFill>
+              <a:uFill>
+                <a:solidFill>
+                  <a:srgbClr val="ffffff"/>
+                </a:solidFill>
+              </a:uFill>
+              <a:latin typeface="Arial"/>
+            </a:endParaRPr>
+          </a:p>
+        </p:txBody>
+      </p:sp>
+      <p:sp>
+        <p:nvSpPr>
+          <p:cNvPr id="44" name="PlaceHolder 4"/>
           <p:cNvSpPr>
             <a:spLocks noGrp="1"/>
           </p:cNvSpPr>
@@ -523,23 +526,23 @@
         <p:txBody>
           <a:bodyPr lIns="0" rIns="0" tIns="0" bIns="0"/>
           <a:p>
-            <a:endParaRPr b="0" lang="en-US" sz="1800" spc="-1" strike="noStrike">
-              <a:solidFill>
-                <a:srgbClr val="ffffff"/>
-              </a:solidFill>
-              <a:uFill>
-                <a:solidFill>
-                  <a:srgbClr val="ffffff"/>
-                </a:solidFill>
-              </a:uFill>
-              <a:latin typeface="Trebuchet MS"/>
-            </a:endParaRPr>
-          </a:p>
-        </p:txBody>
-      </p:sp>
-      <p:sp>
-        <p:nvSpPr>
-          <p:cNvPr id="48" name="PlaceHolder 5"/>
+            <a:endParaRPr b="0" lang="en-US" sz="3200" spc="-1" strike="noStrike">
+              <a:solidFill>
+                <a:srgbClr val="ffffff"/>
+              </a:solidFill>
+              <a:uFill>
+                <a:solidFill>
+                  <a:srgbClr val="ffffff"/>
+                </a:solidFill>
+              </a:uFill>
+              <a:latin typeface="Arial"/>
+            </a:endParaRPr>
+          </a:p>
+        </p:txBody>
+      </p:sp>
+      <p:sp>
+        <p:nvSpPr>
+          <p:cNvPr id="45" name="PlaceHolder 5"/>
           <p:cNvSpPr>
             <a:spLocks noGrp="1"/>
           </p:cNvSpPr>
@@ -559,23 +562,23 @@
         <p:txBody>
           <a:bodyPr lIns="0" rIns="0" tIns="0" bIns="0"/>
           <a:p>
-            <a:endParaRPr b="0" lang="en-US" sz="1800" spc="-1" strike="noStrike">
-              <a:solidFill>
-                <a:srgbClr val="ffffff"/>
-              </a:solidFill>
-              <a:uFill>
-                <a:solidFill>
-                  <a:srgbClr val="ffffff"/>
-                </a:solidFill>
-              </a:uFill>
-              <a:latin typeface="Trebuchet MS"/>
-            </a:endParaRPr>
-          </a:p>
-        </p:txBody>
-      </p:sp>
-      <p:sp>
-        <p:nvSpPr>
-          <p:cNvPr id="49" name="PlaceHolder 6"/>
+            <a:endParaRPr b="0" lang="en-US" sz="3200" spc="-1" strike="noStrike">
+              <a:solidFill>
+                <a:srgbClr val="ffffff"/>
+              </a:solidFill>
+              <a:uFill>
+                <a:solidFill>
+                  <a:srgbClr val="ffffff"/>
+                </a:solidFill>
+              </a:uFill>
+              <a:latin typeface="Arial"/>
+            </a:endParaRPr>
+          </a:p>
+        </p:txBody>
+      </p:sp>
+      <p:sp>
+        <p:nvSpPr>
+          <p:cNvPr id="46" name="PlaceHolder 6"/>
           <p:cNvSpPr>
             <a:spLocks noGrp="1"/>
           </p:cNvSpPr>
@@ -595,23 +598,23 @@
         <p:txBody>
           <a:bodyPr lIns="0" rIns="0" tIns="0" bIns="0"/>
           <a:p>
-            <a:endParaRPr b="0" lang="en-US" sz="1800" spc="-1" strike="noStrike">
-              <a:solidFill>
-                <a:srgbClr val="ffffff"/>
-              </a:solidFill>
-              <a:uFill>
-                <a:solidFill>
-                  <a:srgbClr val="ffffff"/>
-                </a:solidFill>
-              </a:uFill>
-              <a:latin typeface="Trebuchet MS"/>
-            </a:endParaRPr>
-          </a:p>
-        </p:txBody>
-      </p:sp>
-      <p:sp>
-        <p:nvSpPr>
-          <p:cNvPr id="50" name="PlaceHolder 7"/>
+            <a:endParaRPr b="0" lang="en-US" sz="3200" spc="-1" strike="noStrike">
+              <a:solidFill>
+                <a:srgbClr val="ffffff"/>
+              </a:solidFill>
+              <a:uFill>
+                <a:solidFill>
+                  <a:srgbClr val="ffffff"/>
+                </a:solidFill>
+              </a:uFill>
+              <a:latin typeface="Arial"/>
+            </a:endParaRPr>
+          </a:p>
+        </p:txBody>
+      </p:sp>
+      <p:sp>
+        <p:nvSpPr>
+          <p:cNvPr id="47" name="PlaceHolder 7"/>
           <p:cNvSpPr>
             <a:spLocks noGrp="1"/>
           </p:cNvSpPr>
@@ -631,16 +634,16 @@
         <p:txBody>
           <a:bodyPr lIns="0" rIns="0" tIns="0" bIns="0"/>
           <a:p>
-            <a:endParaRPr b="0" lang="en-US" sz="1800" spc="-1" strike="noStrike">
-              <a:solidFill>
-                <a:srgbClr val="ffffff"/>
-              </a:solidFill>
-              <a:uFill>
-                <a:solidFill>
-                  <a:srgbClr val="ffffff"/>
-                </a:solidFill>
-              </a:uFill>
-              <a:latin typeface="Trebuchet MS"/>
+            <a:endParaRPr b="0" lang="en-US" sz="3200" spc="-1" strike="noStrike">
+              <a:solidFill>
+                <a:srgbClr val="ffffff"/>
+              </a:solidFill>
+              <a:uFill>
+                <a:solidFill>
+                  <a:srgbClr val="ffffff"/>
+                </a:solidFill>
+              </a:uFill>
+              <a:latin typeface="Arial"/>
             </a:endParaRPr>
           </a:p>
         </p:txBody>
@@ -691,7 +694,7 @@
       </p:grpSpPr>
       <p:sp>
         <p:nvSpPr>
-          <p:cNvPr id="76" name="PlaceHolder 1"/>
+          <p:cNvPr id="70" name="PlaceHolder 1"/>
           <p:cNvSpPr>
             <a:spLocks noGrp="1"/>
           </p:cNvSpPr>
@@ -702,7 +705,7 @@
         <p:spPr>
           <a:xfrm>
             <a:off x="677160" y="609480"/>
-            <a:ext cx="8596440" cy="1320480"/>
+            <a:ext cx="8596080" cy="1320120"/>
           </a:xfrm>
           <a:prstGeom prst="rect">
             <a:avLst/>
@@ -711,23 +714,24 @@
         <p:txBody>
           <a:bodyPr lIns="0" rIns="0" tIns="0" bIns="0" anchor="ctr"/>
           <a:p>
-            <a:endParaRPr b="0" lang="en-US" sz="1800" spc="-1" strike="noStrike">
-              <a:solidFill>
-                <a:srgbClr val="ffffff"/>
-              </a:solidFill>
-              <a:uFill>
-                <a:solidFill>
-                  <a:srgbClr val="ffffff"/>
-                </a:solidFill>
-              </a:uFill>
-              <a:latin typeface="Trebuchet MS"/>
-            </a:endParaRPr>
-          </a:p>
-        </p:txBody>
-      </p:sp>
-      <p:sp>
-        <p:nvSpPr>
-          <p:cNvPr id="77" name="PlaceHolder 2"/>
+            <a:pPr algn="ctr"/>
+            <a:endParaRPr b="0" lang="en-US" sz="4400" spc="-1" strike="noStrike">
+              <a:solidFill>
+                <a:srgbClr val="ffffff"/>
+              </a:solidFill>
+              <a:uFill>
+                <a:solidFill>
+                  <a:srgbClr val="ffffff"/>
+                </a:solidFill>
+              </a:uFill>
+              <a:latin typeface="Arial"/>
+            </a:endParaRPr>
+          </a:p>
+        </p:txBody>
+      </p:sp>
+      <p:sp>
+        <p:nvSpPr>
+          <p:cNvPr id="71" name="PlaceHolder 2"/>
           <p:cNvSpPr>
             <a:spLocks noGrp="1"/>
           </p:cNvSpPr>
@@ -786,7 +790,7 @@
       </p:grpSpPr>
       <p:sp>
         <p:nvSpPr>
-          <p:cNvPr id="78" name="PlaceHolder 1"/>
+          <p:cNvPr id="72" name="PlaceHolder 1"/>
           <p:cNvSpPr>
             <a:spLocks noGrp="1"/>
           </p:cNvSpPr>
@@ -797,7 +801,7 @@
         <p:spPr>
           <a:xfrm>
             <a:off x="677160" y="609480"/>
-            <a:ext cx="8596440" cy="1320480"/>
+            <a:ext cx="8596080" cy="1320120"/>
           </a:xfrm>
           <a:prstGeom prst="rect">
             <a:avLst/>
@@ -806,23 +810,24 @@
         <p:txBody>
           <a:bodyPr lIns="0" rIns="0" tIns="0" bIns="0" anchor="ctr"/>
           <a:p>
-            <a:endParaRPr b="0" lang="en-US" sz="1800" spc="-1" strike="noStrike">
-              <a:solidFill>
-                <a:srgbClr val="ffffff"/>
-              </a:solidFill>
-              <a:uFill>
-                <a:solidFill>
-                  <a:srgbClr val="ffffff"/>
-                </a:solidFill>
-              </a:uFill>
-              <a:latin typeface="Trebuchet MS"/>
-            </a:endParaRPr>
-          </a:p>
-        </p:txBody>
-      </p:sp>
-      <p:sp>
-        <p:nvSpPr>
-          <p:cNvPr id="79" name="PlaceHolder 2"/>
+            <a:pPr algn="ctr"/>
+            <a:endParaRPr b="0" lang="en-US" sz="4400" spc="-1" strike="noStrike">
+              <a:solidFill>
+                <a:srgbClr val="ffffff"/>
+              </a:solidFill>
+              <a:uFill>
+                <a:solidFill>
+                  <a:srgbClr val="ffffff"/>
+                </a:solidFill>
+              </a:uFill>
+              <a:latin typeface="Arial"/>
+            </a:endParaRPr>
+          </a:p>
+        </p:txBody>
+      </p:sp>
+      <p:sp>
+        <p:nvSpPr>
+          <p:cNvPr id="73" name="PlaceHolder 2"/>
           <p:cNvSpPr>
             <a:spLocks noGrp="1"/>
           </p:cNvSpPr>
@@ -842,16 +847,16 @@
         <p:txBody>
           <a:bodyPr lIns="0" rIns="0" tIns="0" bIns="0"/>
           <a:p>
-            <a:endParaRPr b="0" lang="en-US" sz="1800" spc="-1" strike="noStrike">
-              <a:solidFill>
-                <a:srgbClr val="ffffff"/>
-              </a:solidFill>
-              <a:uFill>
-                <a:solidFill>
-                  <a:srgbClr val="ffffff"/>
-                </a:solidFill>
-              </a:uFill>
-              <a:latin typeface="Trebuchet MS"/>
+            <a:endParaRPr b="0" lang="en-US" sz="3200" spc="-1" strike="noStrike">
+              <a:solidFill>
+                <a:srgbClr val="ffffff"/>
+              </a:solidFill>
+              <a:uFill>
+                <a:solidFill>
+                  <a:srgbClr val="ffffff"/>
+                </a:solidFill>
+              </a:uFill>
+              <a:latin typeface="Arial"/>
             </a:endParaRPr>
           </a:p>
         </p:txBody>
@@ -880,7 +885,7 @@
       </p:grpSpPr>
       <p:sp>
         <p:nvSpPr>
-          <p:cNvPr id="80" name="PlaceHolder 1"/>
+          <p:cNvPr id="74" name="PlaceHolder 1"/>
           <p:cNvSpPr>
             <a:spLocks noGrp="1"/>
           </p:cNvSpPr>
@@ -891,7 +896,7 @@
         <p:spPr>
           <a:xfrm>
             <a:off x="677160" y="609480"/>
-            <a:ext cx="8596440" cy="1320480"/>
+            <a:ext cx="8596080" cy="1320120"/>
           </a:xfrm>
           <a:prstGeom prst="rect">
             <a:avLst/>
@@ -900,23 +905,24 @@
         <p:txBody>
           <a:bodyPr lIns="0" rIns="0" tIns="0" bIns="0" anchor="ctr"/>
           <a:p>
-            <a:endParaRPr b="0" lang="en-US" sz="1800" spc="-1" strike="noStrike">
-              <a:solidFill>
-                <a:srgbClr val="ffffff"/>
-              </a:solidFill>
-              <a:uFill>
-                <a:solidFill>
-                  <a:srgbClr val="ffffff"/>
-                </a:solidFill>
-              </a:uFill>
-              <a:latin typeface="Trebuchet MS"/>
-            </a:endParaRPr>
-          </a:p>
-        </p:txBody>
-      </p:sp>
-      <p:sp>
-        <p:nvSpPr>
-          <p:cNvPr id="81" name="PlaceHolder 2"/>
+            <a:pPr algn="ctr"/>
+            <a:endParaRPr b="0" lang="en-US" sz="4400" spc="-1" strike="noStrike">
+              <a:solidFill>
+                <a:srgbClr val="ffffff"/>
+              </a:solidFill>
+              <a:uFill>
+                <a:solidFill>
+                  <a:srgbClr val="ffffff"/>
+                </a:solidFill>
+              </a:uFill>
+              <a:latin typeface="Arial"/>
+            </a:endParaRPr>
+          </a:p>
+        </p:txBody>
+      </p:sp>
+      <p:sp>
+        <p:nvSpPr>
+          <p:cNvPr id="75" name="PlaceHolder 2"/>
           <p:cNvSpPr>
             <a:spLocks noGrp="1"/>
           </p:cNvSpPr>
@@ -936,23 +942,23 @@
         <p:txBody>
           <a:bodyPr lIns="0" rIns="0" tIns="0" bIns="0"/>
           <a:p>
-            <a:endParaRPr b="0" lang="en-US" sz="1800" spc="-1" strike="noStrike">
-              <a:solidFill>
-                <a:srgbClr val="ffffff"/>
-              </a:solidFill>
-              <a:uFill>
-                <a:solidFill>
-                  <a:srgbClr val="ffffff"/>
-                </a:solidFill>
-              </a:uFill>
-              <a:latin typeface="Trebuchet MS"/>
-            </a:endParaRPr>
-          </a:p>
-        </p:txBody>
-      </p:sp>
-      <p:sp>
-        <p:nvSpPr>
-          <p:cNvPr id="82" name="PlaceHolder 3"/>
+            <a:endParaRPr b="0" lang="en-US" sz="3200" spc="-1" strike="noStrike">
+              <a:solidFill>
+                <a:srgbClr val="ffffff"/>
+              </a:solidFill>
+              <a:uFill>
+                <a:solidFill>
+                  <a:srgbClr val="ffffff"/>
+                </a:solidFill>
+              </a:uFill>
+              <a:latin typeface="Arial"/>
+            </a:endParaRPr>
+          </a:p>
+        </p:txBody>
+      </p:sp>
+      <p:sp>
+        <p:nvSpPr>
+          <p:cNvPr id="76" name="PlaceHolder 3"/>
           <p:cNvSpPr>
             <a:spLocks noGrp="1"/>
           </p:cNvSpPr>
@@ -972,16 +978,16 @@
         <p:txBody>
           <a:bodyPr lIns="0" rIns="0" tIns="0" bIns="0"/>
           <a:p>
-            <a:endParaRPr b="0" lang="en-US" sz="1800" spc="-1" strike="noStrike">
-              <a:solidFill>
-                <a:srgbClr val="ffffff"/>
-              </a:solidFill>
-              <a:uFill>
-                <a:solidFill>
-                  <a:srgbClr val="ffffff"/>
-                </a:solidFill>
-              </a:uFill>
-              <a:latin typeface="Trebuchet MS"/>
+            <a:endParaRPr b="0" lang="en-US" sz="3200" spc="-1" strike="noStrike">
+              <a:solidFill>
+                <a:srgbClr val="ffffff"/>
+              </a:solidFill>
+              <a:uFill>
+                <a:solidFill>
+                  <a:srgbClr val="ffffff"/>
+                </a:solidFill>
+              </a:uFill>
+              <a:latin typeface="Arial"/>
             </a:endParaRPr>
           </a:p>
         </p:txBody>
@@ -1010,7 +1016,7 @@
       </p:grpSpPr>
       <p:sp>
         <p:nvSpPr>
-          <p:cNvPr id="83" name="PlaceHolder 1"/>
+          <p:cNvPr id="77" name="PlaceHolder 1"/>
           <p:cNvSpPr>
             <a:spLocks noGrp="1"/>
           </p:cNvSpPr>
@@ -1021,7 +1027,7 @@
         <p:spPr>
           <a:xfrm>
             <a:off x="677160" y="609480"/>
-            <a:ext cx="8596440" cy="1320480"/>
+            <a:ext cx="8596080" cy="1320120"/>
           </a:xfrm>
           <a:prstGeom prst="rect">
             <a:avLst/>
@@ -1030,16 +1036,17 @@
         <p:txBody>
           <a:bodyPr lIns="0" rIns="0" tIns="0" bIns="0" anchor="ctr"/>
           <a:p>
-            <a:endParaRPr b="0" lang="en-US" sz="1800" spc="-1" strike="noStrike">
-              <a:solidFill>
-                <a:srgbClr val="ffffff"/>
-              </a:solidFill>
-              <a:uFill>
-                <a:solidFill>
-                  <a:srgbClr val="ffffff"/>
-                </a:solidFill>
-              </a:uFill>
-              <a:latin typeface="Trebuchet MS"/>
+            <a:pPr algn="ctr"/>
+            <a:endParaRPr b="0" lang="en-US" sz="4400" spc="-1" strike="noStrike">
+              <a:solidFill>
+                <a:srgbClr val="ffffff"/>
+              </a:solidFill>
+              <a:uFill>
+                <a:solidFill>
+                  <a:srgbClr val="ffffff"/>
+                </a:solidFill>
+              </a:uFill>
+              <a:latin typeface="Arial"/>
             </a:endParaRPr>
           </a:p>
         </p:txBody>
@@ -1068,7 +1075,7 @@
       </p:grpSpPr>
       <p:sp>
         <p:nvSpPr>
-          <p:cNvPr id="84" name="PlaceHolder 1"/>
+          <p:cNvPr id="78" name="PlaceHolder 1"/>
           <p:cNvSpPr>
             <a:spLocks noGrp="1"/>
           </p:cNvSpPr>
@@ -1079,7 +1086,7 @@
         <p:spPr>
           <a:xfrm>
             <a:off x="677160" y="609480"/>
-            <a:ext cx="8596440" cy="6122160"/>
+            <a:ext cx="8596080" cy="6120720"/>
           </a:xfrm>
           <a:prstGeom prst="rect">
             <a:avLst/>
@@ -1127,7 +1134,7 @@
       </p:grpSpPr>
       <p:sp>
         <p:nvSpPr>
-          <p:cNvPr id="85" name="PlaceHolder 1"/>
+          <p:cNvPr id="79" name="PlaceHolder 1"/>
           <p:cNvSpPr>
             <a:spLocks noGrp="1"/>
           </p:cNvSpPr>
@@ -1138,7 +1145,7 @@
         <p:spPr>
           <a:xfrm>
             <a:off x="677160" y="609480"/>
-            <a:ext cx="8596440" cy="1320480"/>
+            <a:ext cx="8596080" cy="1320120"/>
           </a:xfrm>
           <a:prstGeom prst="rect">
             <a:avLst/>
@@ -1147,23 +1154,24 @@
         <p:txBody>
           <a:bodyPr lIns="0" rIns="0" tIns="0" bIns="0" anchor="ctr"/>
           <a:p>
-            <a:endParaRPr b="0" lang="en-US" sz="1800" spc="-1" strike="noStrike">
-              <a:solidFill>
-                <a:srgbClr val="ffffff"/>
-              </a:solidFill>
-              <a:uFill>
-                <a:solidFill>
-                  <a:srgbClr val="ffffff"/>
-                </a:solidFill>
-              </a:uFill>
-              <a:latin typeface="Trebuchet MS"/>
-            </a:endParaRPr>
-          </a:p>
-        </p:txBody>
-      </p:sp>
-      <p:sp>
-        <p:nvSpPr>
-          <p:cNvPr id="86" name="PlaceHolder 2"/>
+            <a:pPr algn="ctr"/>
+            <a:endParaRPr b="0" lang="en-US" sz="4400" spc="-1" strike="noStrike">
+              <a:solidFill>
+                <a:srgbClr val="ffffff"/>
+              </a:solidFill>
+              <a:uFill>
+                <a:solidFill>
+                  <a:srgbClr val="ffffff"/>
+                </a:solidFill>
+              </a:uFill>
+              <a:latin typeface="Arial"/>
+            </a:endParaRPr>
+          </a:p>
+        </p:txBody>
+      </p:sp>
+      <p:sp>
+        <p:nvSpPr>
+          <p:cNvPr id="80" name="PlaceHolder 2"/>
           <p:cNvSpPr>
             <a:spLocks noGrp="1"/>
           </p:cNvSpPr>
@@ -1183,23 +1191,23 @@
         <p:txBody>
           <a:bodyPr lIns="0" rIns="0" tIns="0" bIns="0"/>
           <a:p>
-            <a:endParaRPr b="0" lang="en-US" sz="1800" spc="-1" strike="noStrike">
-              <a:solidFill>
-                <a:srgbClr val="ffffff"/>
-              </a:solidFill>
-              <a:uFill>
-                <a:solidFill>
-                  <a:srgbClr val="ffffff"/>
-                </a:solidFill>
-              </a:uFill>
-              <a:latin typeface="Trebuchet MS"/>
-            </a:endParaRPr>
-          </a:p>
-        </p:txBody>
-      </p:sp>
-      <p:sp>
-        <p:nvSpPr>
-          <p:cNvPr id="87" name="PlaceHolder 3"/>
+            <a:endParaRPr b="0" lang="en-US" sz="3200" spc="-1" strike="noStrike">
+              <a:solidFill>
+                <a:srgbClr val="ffffff"/>
+              </a:solidFill>
+              <a:uFill>
+                <a:solidFill>
+                  <a:srgbClr val="ffffff"/>
+                </a:solidFill>
+              </a:uFill>
+              <a:latin typeface="Arial"/>
+            </a:endParaRPr>
+          </a:p>
+        </p:txBody>
+      </p:sp>
+      <p:sp>
+        <p:nvSpPr>
+          <p:cNvPr id="81" name="PlaceHolder 3"/>
           <p:cNvSpPr>
             <a:spLocks noGrp="1"/>
           </p:cNvSpPr>
@@ -1219,23 +1227,23 @@
         <p:txBody>
           <a:bodyPr lIns="0" rIns="0" tIns="0" bIns="0"/>
           <a:p>
-            <a:endParaRPr b="0" lang="en-US" sz="1800" spc="-1" strike="noStrike">
-              <a:solidFill>
-                <a:srgbClr val="ffffff"/>
-              </a:solidFill>
-              <a:uFill>
-                <a:solidFill>
-                  <a:srgbClr val="ffffff"/>
-                </a:solidFill>
-              </a:uFill>
-              <a:latin typeface="Trebuchet MS"/>
-            </a:endParaRPr>
-          </a:p>
-        </p:txBody>
-      </p:sp>
-      <p:sp>
-        <p:nvSpPr>
-          <p:cNvPr id="88" name="PlaceHolder 4"/>
+            <a:endParaRPr b="0" lang="en-US" sz="3200" spc="-1" strike="noStrike">
+              <a:solidFill>
+                <a:srgbClr val="ffffff"/>
+              </a:solidFill>
+              <a:uFill>
+                <a:solidFill>
+                  <a:srgbClr val="ffffff"/>
+                </a:solidFill>
+              </a:uFill>
+              <a:latin typeface="Arial"/>
+            </a:endParaRPr>
+          </a:p>
+        </p:txBody>
+      </p:sp>
+      <p:sp>
+        <p:nvSpPr>
+          <p:cNvPr id="82" name="PlaceHolder 4"/>
           <p:cNvSpPr>
             <a:spLocks noGrp="1"/>
           </p:cNvSpPr>
@@ -1255,16 +1263,16 @@
         <p:txBody>
           <a:bodyPr lIns="0" rIns="0" tIns="0" bIns="0"/>
           <a:p>
-            <a:endParaRPr b="0" lang="en-US" sz="1800" spc="-1" strike="noStrike">
-              <a:solidFill>
-                <a:srgbClr val="ffffff"/>
-              </a:solidFill>
-              <a:uFill>
-                <a:solidFill>
-                  <a:srgbClr val="ffffff"/>
-                </a:solidFill>
-              </a:uFill>
-              <a:latin typeface="Trebuchet MS"/>
+            <a:endParaRPr b="0" lang="en-US" sz="3200" spc="-1" strike="noStrike">
+              <a:solidFill>
+                <a:srgbClr val="ffffff"/>
+              </a:solidFill>
+              <a:uFill>
+                <a:solidFill>
+                  <a:srgbClr val="ffffff"/>
+                </a:solidFill>
+              </a:uFill>
+              <a:latin typeface="Arial"/>
             </a:endParaRPr>
           </a:p>
         </p:txBody>
@@ -1293,7 +1301,7 @@
       </p:grpSpPr>
       <p:sp>
         <p:nvSpPr>
-          <p:cNvPr id="15" name="PlaceHolder 1"/>
+          <p:cNvPr id="12" name="PlaceHolder 1"/>
           <p:cNvSpPr>
             <a:spLocks noGrp="1"/>
           </p:cNvSpPr>
@@ -1304,7 +1312,7 @@
         <p:spPr>
           <a:xfrm>
             <a:off x="677160" y="609480"/>
-            <a:ext cx="8596440" cy="1320480"/>
+            <a:ext cx="8596080" cy="1320120"/>
           </a:xfrm>
           <a:prstGeom prst="rect">
             <a:avLst/>
@@ -1313,23 +1321,24 @@
         <p:txBody>
           <a:bodyPr lIns="0" rIns="0" tIns="0" bIns="0" anchor="ctr"/>
           <a:p>
-            <a:endParaRPr b="0" lang="en-US" sz="1800" spc="-1" strike="noStrike">
-              <a:solidFill>
-                <a:srgbClr val="ffffff"/>
-              </a:solidFill>
-              <a:uFill>
-                <a:solidFill>
-                  <a:srgbClr val="ffffff"/>
-                </a:solidFill>
-              </a:uFill>
-              <a:latin typeface="Trebuchet MS"/>
-            </a:endParaRPr>
-          </a:p>
-        </p:txBody>
-      </p:sp>
-      <p:sp>
-        <p:nvSpPr>
-          <p:cNvPr id="16" name="PlaceHolder 2"/>
+            <a:pPr algn="ctr"/>
+            <a:endParaRPr b="0" lang="en-US" sz="4400" spc="-1" strike="noStrike">
+              <a:solidFill>
+                <a:srgbClr val="ffffff"/>
+              </a:solidFill>
+              <a:uFill>
+                <a:solidFill>
+                  <a:srgbClr val="ffffff"/>
+                </a:solidFill>
+              </a:uFill>
+              <a:latin typeface="Arial"/>
+            </a:endParaRPr>
+          </a:p>
+        </p:txBody>
+      </p:sp>
+      <p:sp>
+        <p:nvSpPr>
+          <p:cNvPr id="13" name="PlaceHolder 2"/>
           <p:cNvSpPr>
             <a:spLocks noGrp="1"/>
           </p:cNvSpPr>
@@ -1388,7 +1397,7 @@
       </p:grpSpPr>
       <p:sp>
         <p:nvSpPr>
-          <p:cNvPr id="89" name="PlaceHolder 1"/>
+          <p:cNvPr id="83" name="PlaceHolder 1"/>
           <p:cNvSpPr>
             <a:spLocks noGrp="1"/>
           </p:cNvSpPr>
@@ -1399,7 +1408,7 @@
         <p:spPr>
           <a:xfrm>
             <a:off x="677160" y="609480"/>
-            <a:ext cx="8596440" cy="1320480"/>
+            <a:ext cx="8596080" cy="1320120"/>
           </a:xfrm>
           <a:prstGeom prst="rect">
             <a:avLst/>
@@ -1408,23 +1417,24 @@
         <p:txBody>
           <a:bodyPr lIns="0" rIns="0" tIns="0" bIns="0" anchor="ctr"/>
           <a:p>
-            <a:endParaRPr b="0" lang="en-US" sz="1800" spc="-1" strike="noStrike">
-              <a:solidFill>
-                <a:srgbClr val="ffffff"/>
-              </a:solidFill>
-              <a:uFill>
-                <a:solidFill>
-                  <a:srgbClr val="ffffff"/>
-                </a:solidFill>
-              </a:uFill>
-              <a:latin typeface="Trebuchet MS"/>
-            </a:endParaRPr>
-          </a:p>
-        </p:txBody>
-      </p:sp>
-      <p:sp>
-        <p:nvSpPr>
-          <p:cNvPr id="90" name="PlaceHolder 2"/>
+            <a:pPr algn="ctr"/>
+            <a:endParaRPr b="0" lang="en-US" sz="4400" spc="-1" strike="noStrike">
+              <a:solidFill>
+                <a:srgbClr val="ffffff"/>
+              </a:solidFill>
+              <a:uFill>
+                <a:solidFill>
+                  <a:srgbClr val="ffffff"/>
+                </a:solidFill>
+              </a:uFill>
+              <a:latin typeface="Arial"/>
+            </a:endParaRPr>
+          </a:p>
+        </p:txBody>
+      </p:sp>
+      <p:sp>
+        <p:nvSpPr>
+          <p:cNvPr id="84" name="PlaceHolder 2"/>
           <p:cNvSpPr>
             <a:spLocks noGrp="1"/>
           </p:cNvSpPr>
@@ -1444,23 +1454,23 @@
         <p:txBody>
           <a:bodyPr lIns="0" rIns="0" tIns="0" bIns="0"/>
           <a:p>
-            <a:endParaRPr b="0" lang="en-US" sz="1800" spc="-1" strike="noStrike">
-              <a:solidFill>
-                <a:srgbClr val="ffffff"/>
-              </a:solidFill>
-              <a:uFill>
-                <a:solidFill>
-                  <a:srgbClr val="ffffff"/>
-                </a:solidFill>
-              </a:uFill>
-              <a:latin typeface="Trebuchet MS"/>
-            </a:endParaRPr>
-          </a:p>
-        </p:txBody>
-      </p:sp>
-      <p:sp>
-        <p:nvSpPr>
-          <p:cNvPr id="91" name="PlaceHolder 3"/>
+            <a:endParaRPr b="0" lang="en-US" sz="3200" spc="-1" strike="noStrike">
+              <a:solidFill>
+                <a:srgbClr val="ffffff"/>
+              </a:solidFill>
+              <a:uFill>
+                <a:solidFill>
+                  <a:srgbClr val="ffffff"/>
+                </a:solidFill>
+              </a:uFill>
+              <a:latin typeface="Arial"/>
+            </a:endParaRPr>
+          </a:p>
+        </p:txBody>
+      </p:sp>
+      <p:sp>
+        <p:nvSpPr>
+          <p:cNvPr id="85" name="PlaceHolder 3"/>
           <p:cNvSpPr>
             <a:spLocks noGrp="1"/>
           </p:cNvSpPr>
@@ -1480,23 +1490,23 @@
         <p:txBody>
           <a:bodyPr lIns="0" rIns="0" tIns="0" bIns="0"/>
           <a:p>
-            <a:endParaRPr b="0" lang="en-US" sz="1800" spc="-1" strike="noStrike">
-              <a:solidFill>
-                <a:srgbClr val="ffffff"/>
-              </a:solidFill>
-              <a:uFill>
-                <a:solidFill>
-                  <a:srgbClr val="ffffff"/>
-                </a:solidFill>
-              </a:uFill>
-              <a:latin typeface="Trebuchet MS"/>
-            </a:endParaRPr>
-          </a:p>
-        </p:txBody>
-      </p:sp>
-      <p:sp>
-        <p:nvSpPr>
-          <p:cNvPr id="92" name="PlaceHolder 4"/>
+            <a:endParaRPr b="0" lang="en-US" sz="3200" spc="-1" strike="noStrike">
+              <a:solidFill>
+                <a:srgbClr val="ffffff"/>
+              </a:solidFill>
+              <a:uFill>
+                <a:solidFill>
+                  <a:srgbClr val="ffffff"/>
+                </a:solidFill>
+              </a:uFill>
+              <a:latin typeface="Arial"/>
+            </a:endParaRPr>
+          </a:p>
+        </p:txBody>
+      </p:sp>
+      <p:sp>
+        <p:nvSpPr>
+          <p:cNvPr id="86" name="PlaceHolder 4"/>
           <p:cNvSpPr>
             <a:spLocks noGrp="1"/>
           </p:cNvSpPr>
@@ -1516,16 +1526,16 @@
         <p:txBody>
           <a:bodyPr lIns="0" rIns="0" tIns="0" bIns="0"/>
           <a:p>
-            <a:endParaRPr b="0" lang="en-US" sz="1800" spc="-1" strike="noStrike">
-              <a:solidFill>
-                <a:srgbClr val="ffffff"/>
-              </a:solidFill>
-              <a:uFill>
-                <a:solidFill>
-                  <a:srgbClr val="ffffff"/>
-                </a:solidFill>
-              </a:uFill>
-              <a:latin typeface="Trebuchet MS"/>
+            <a:endParaRPr b="0" lang="en-US" sz="3200" spc="-1" strike="noStrike">
+              <a:solidFill>
+                <a:srgbClr val="ffffff"/>
+              </a:solidFill>
+              <a:uFill>
+                <a:solidFill>
+                  <a:srgbClr val="ffffff"/>
+                </a:solidFill>
+              </a:uFill>
+              <a:latin typeface="Arial"/>
             </a:endParaRPr>
           </a:p>
         </p:txBody>
@@ -1554,7 +1564,7 @@
       </p:grpSpPr>
       <p:sp>
         <p:nvSpPr>
-          <p:cNvPr id="93" name="PlaceHolder 1"/>
+          <p:cNvPr id="87" name="PlaceHolder 1"/>
           <p:cNvSpPr>
             <a:spLocks noGrp="1"/>
           </p:cNvSpPr>
@@ -1565,7 +1575,7 @@
         <p:spPr>
           <a:xfrm>
             <a:off x="677160" y="609480"/>
-            <a:ext cx="8596440" cy="1320480"/>
+            <a:ext cx="8596080" cy="1320120"/>
           </a:xfrm>
           <a:prstGeom prst="rect">
             <a:avLst/>
@@ -1574,23 +1584,24 @@
         <p:txBody>
           <a:bodyPr lIns="0" rIns="0" tIns="0" bIns="0" anchor="ctr"/>
           <a:p>
-            <a:endParaRPr b="0" lang="en-US" sz="1800" spc="-1" strike="noStrike">
-              <a:solidFill>
-                <a:srgbClr val="ffffff"/>
-              </a:solidFill>
-              <a:uFill>
-                <a:solidFill>
-                  <a:srgbClr val="ffffff"/>
-                </a:solidFill>
-              </a:uFill>
-              <a:latin typeface="Trebuchet MS"/>
-            </a:endParaRPr>
-          </a:p>
-        </p:txBody>
-      </p:sp>
-      <p:sp>
-        <p:nvSpPr>
-          <p:cNvPr id="94" name="PlaceHolder 2"/>
+            <a:pPr algn="ctr"/>
+            <a:endParaRPr b="0" lang="en-US" sz="4400" spc="-1" strike="noStrike">
+              <a:solidFill>
+                <a:srgbClr val="ffffff"/>
+              </a:solidFill>
+              <a:uFill>
+                <a:solidFill>
+                  <a:srgbClr val="ffffff"/>
+                </a:solidFill>
+              </a:uFill>
+              <a:latin typeface="Arial"/>
+            </a:endParaRPr>
+          </a:p>
+        </p:txBody>
+      </p:sp>
+      <p:sp>
+        <p:nvSpPr>
+          <p:cNvPr id="88" name="PlaceHolder 2"/>
           <p:cNvSpPr>
             <a:spLocks noGrp="1"/>
           </p:cNvSpPr>
@@ -1610,23 +1621,23 @@
         <p:txBody>
           <a:bodyPr lIns="0" rIns="0" tIns="0" bIns="0"/>
           <a:p>
-            <a:endParaRPr b="0" lang="en-US" sz="1800" spc="-1" strike="noStrike">
-              <a:solidFill>
-                <a:srgbClr val="ffffff"/>
-              </a:solidFill>
-              <a:uFill>
-                <a:solidFill>
-                  <a:srgbClr val="ffffff"/>
-                </a:solidFill>
-              </a:uFill>
-              <a:latin typeface="Trebuchet MS"/>
-            </a:endParaRPr>
-          </a:p>
-        </p:txBody>
-      </p:sp>
-      <p:sp>
-        <p:nvSpPr>
-          <p:cNvPr id="95" name="PlaceHolder 3"/>
+            <a:endParaRPr b="0" lang="en-US" sz="3200" spc="-1" strike="noStrike">
+              <a:solidFill>
+                <a:srgbClr val="ffffff"/>
+              </a:solidFill>
+              <a:uFill>
+                <a:solidFill>
+                  <a:srgbClr val="ffffff"/>
+                </a:solidFill>
+              </a:uFill>
+              <a:latin typeface="Arial"/>
+            </a:endParaRPr>
+          </a:p>
+        </p:txBody>
+      </p:sp>
+      <p:sp>
+        <p:nvSpPr>
+          <p:cNvPr id="89" name="PlaceHolder 3"/>
           <p:cNvSpPr>
             <a:spLocks noGrp="1"/>
           </p:cNvSpPr>
@@ -1646,23 +1657,23 @@
         <p:txBody>
           <a:bodyPr lIns="0" rIns="0" tIns="0" bIns="0"/>
           <a:p>
-            <a:endParaRPr b="0" lang="en-US" sz="1800" spc="-1" strike="noStrike">
-              <a:solidFill>
-                <a:srgbClr val="ffffff"/>
-              </a:solidFill>
-              <a:uFill>
-                <a:solidFill>
-                  <a:srgbClr val="ffffff"/>
-                </a:solidFill>
-              </a:uFill>
-              <a:latin typeface="Trebuchet MS"/>
-            </a:endParaRPr>
-          </a:p>
-        </p:txBody>
-      </p:sp>
-      <p:sp>
-        <p:nvSpPr>
-          <p:cNvPr id="96" name="PlaceHolder 4"/>
+            <a:endParaRPr b="0" lang="en-US" sz="3200" spc="-1" strike="noStrike">
+              <a:solidFill>
+                <a:srgbClr val="ffffff"/>
+              </a:solidFill>
+              <a:uFill>
+                <a:solidFill>
+                  <a:srgbClr val="ffffff"/>
+                </a:solidFill>
+              </a:uFill>
+              <a:latin typeface="Arial"/>
+            </a:endParaRPr>
+          </a:p>
+        </p:txBody>
+      </p:sp>
+      <p:sp>
+        <p:nvSpPr>
+          <p:cNvPr id="90" name="PlaceHolder 4"/>
           <p:cNvSpPr>
             <a:spLocks noGrp="1"/>
           </p:cNvSpPr>
@@ -1682,16 +1693,16 @@
         <p:txBody>
           <a:bodyPr lIns="0" rIns="0" tIns="0" bIns="0"/>
           <a:p>
-            <a:endParaRPr b="0" lang="en-US" sz="1800" spc="-1" strike="noStrike">
-              <a:solidFill>
-                <a:srgbClr val="ffffff"/>
-              </a:solidFill>
-              <a:uFill>
-                <a:solidFill>
-                  <a:srgbClr val="ffffff"/>
-                </a:solidFill>
-              </a:uFill>
-              <a:latin typeface="Trebuchet MS"/>
+            <a:endParaRPr b="0" lang="en-US" sz="3200" spc="-1" strike="noStrike">
+              <a:solidFill>
+                <a:srgbClr val="ffffff"/>
+              </a:solidFill>
+              <a:uFill>
+                <a:solidFill>
+                  <a:srgbClr val="ffffff"/>
+                </a:solidFill>
+              </a:uFill>
+              <a:latin typeface="Arial"/>
             </a:endParaRPr>
           </a:p>
         </p:txBody>
@@ -1720,7 +1731,7 @@
       </p:grpSpPr>
       <p:sp>
         <p:nvSpPr>
-          <p:cNvPr id="97" name="PlaceHolder 1"/>
+          <p:cNvPr id="91" name="PlaceHolder 1"/>
           <p:cNvSpPr>
             <a:spLocks noGrp="1"/>
           </p:cNvSpPr>
@@ -1731,7 +1742,7 @@
         <p:spPr>
           <a:xfrm>
             <a:off x="677160" y="609480"/>
-            <a:ext cx="8596440" cy="1320480"/>
+            <a:ext cx="8596080" cy="1320120"/>
           </a:xfrm>
           <a:prstGeom prst="rect">
             <a:avLst/>
@@ -1740,23 +1751,24 @@
         <p:txBody>
           <a:bodyPr lIns="0" rIns="0" tIns="0" bIns="0" anchor="ctr"/>
           <a:p>
-            <a:endParaRPr b="0" lang="en-US" sz="1800" spc="-1" strike="noStrike">
-              <a:solidFill>
-                <a:srgbClr val="ffffff"/>
-              </a:solidFill>
-              <a:uFill>
-                <a:solidFill>
-                  <a:srgbClr val="ffffff"/>
-                </a:solidFill>
-              </a:uFill>
-              <a:latin typeface="Trebuchet MS"/>
-            </a:endParaRPr>
-          </a:p>
-        </p:txBody>
-      </p:sp>
-      <p:sp>
-        <p:nvSpPr>
-          <p:cNvPr id="98" name="PlaceHolder 2"/>
+            <a:pPr algn="ctr"/>
+            <a:endParaRPr b="0" lang="en-US" sz="4400" spc="-1" strike="noStrike">
+              <a:solidFill>
+                <a:srgbClr val="ffffff"/>
+              </a:solidFill>
+              <a:uFill>
+                <a:solidFill>
+                  <a:srgbClr val="ffffff"/>
+                </a:solidFill>
+              </a:uFill>
+              <a:latin typeface="Arial"/>
+            </a:endParaRPr>
+          </a:p>
+        </p:txBody>
+      </p:sp>
+      <p:sp>
+        <p:nvSpPr>
+          <p:cNvPr id="92" name="PlaceHolder 2"/>
           <p:cNvSpPr>
             <a:spLocks noGrp="1"/>
           </p:cNvSpPr>
@@ -1776,23 +1788,23 @@
         <p:txBody>
           <a:bodyPr lIns="0" rIns="0" tIns="0" bIns="0"/>
           <a:p>
-            <a:endParaRPr b="0" lang="en-US" sz="1800" spc="-1" strike="noStrike">
-              <a:solidFill>
-                <a:srgbClr val="ffffff"/>
-              </a:solidFill>
-              <a:uFill>
-                <a:solidFill>
-                  <a:srgbClr val="ffffff"/>
-                </a:solidFill>
-              </a:uFill>
-              <a:latin typeface="Trebuchet MS"/>
-            </a:endParaRPr>
-          </a:p>
-        </p:txBody>
-      </p:sp>
-      <p:sp>
-        <p:nvSpPr>
-          <p:cNvPr id="99" name="PlaceHolder 3"/>
+            <a:endParaRPr b="0" lang="en-US" sz="3200" spc="-1" strike="noStrike">
+              <a:solidFill>
+                <a:srgbClr val="ffffff"/>
+              </a:solidFill>
+              <a:uFill>
+                <a:solidFill>
+                  <a:srgbClr val="ffffff"/>
+                </a:solidFill>
+              </a:uFill>
+              <a:latin typeface="Arial"/>
+            </a:endParaRPr>
+          </a:p>
+        </p:txBody>
+      </p:sp>
+      <p:sp>
+        <p:nvSpPr>
+          <p:cNvPr id="93" name="PlaceHolder 3"/>
           <p:cNvSpPr>
             <a:spLocks noGrp="1"/>
           </p:cNvSpPr>
@@ -1812,16 +1824,16 @@
         <p:txBody>
           <a:bodyPr lIns="0" rIns="0" tIns="0" bIns="0"/>
           <a:p>
-            <a:endParaRPr b="0" lang="en-US" sz="1800" spc="-1" strike="noStrike">
-              <a:solidFill>
-                <a:srgbClr val="ffffff"/>
-              </a:solidFill>
-              <a:uFill>
-                <a:solidFill>
-                  <a:srgbClr val="ffffff"/>
-                </a:solidFill>
-              </a:uFill>
-              <a:latin typeface="Trebuchet MS"/>
+            <a:endParaRPr b="0" lang="en-US" sz="3200" spc="-1" strike="noStrike">
+              <a:solidFill>
+                <a:srgbClr val="ffffff"/>
+              </a:solidFill>
+              <a:uFill>
+                <a:solidFill>
+                  <a:srgbClr val="ffffff"/>
+                </a:solidFill>
+              </a:uFill>
+              <a:latin typeface="Arial"/>
             </a:endParaRPr>
           </a:p>
         </p:txBody>
@@ -1850,7 +1862,7 @@
       </p:grpSpPr>
       <p:sp>
         <p:nvSpPr>
-          <p:cNvPr id="100" name="PlaceHolder 1"/>
+          <p:cNvPr id="94" name="PlaceHolder 1"/>
           <p:cNvSpPr>
             <a:spLocks noGrp="1"/>
           </p:cNvSpPr>
@@ -1861,7 +1873,7 @@
         <p:spPr>
           <a:xfrm>
             <a:off x="677160" y="609480"/>
-            <a:ext cx="8596440" cy="1320480"/>
+            <a:ext cx="8596080" cy="1320120"/>
           </a:xfrm>
           <a:prstGeom prst="rect">
             <a:avLst/>
@@ -1870,23 +1882,24 @@
         <p:txBody>
           <a:bodyPr lIns="0" rIns="0" tIns="0" bIns="0" anchor="ctr"/>
           <a:p>
-            <a:endParaRPr b="0" lang="en-US" sz="1800" spc="-1" strike="noStrike">
-              <a:solidFill>
-                <a:srgbClr val="ffffff"/>
-              </a:solidFill>
-              <a:uFill>
-                <a:solidFill>
-                  <a:srgbClr val="ffffff"/>
-                </a:solidFill>
-              </a:uFill>
-              <a:latin typeface="Trebuchet MS"/>
-            </a:endParaRPr>
-          </a:p>
-        </p:txBody>
-      </p:sp>
-      <p:sp>
-        <p:nvSpPr>
-          <p:cNvPr id="101" name="PlaceHolder 2"/>
+            <a:pPr algn="ctr"/>
+            <a:endParaRPr b="0" lang="en-US" sz="4400" spc="-1" strike="noStrike">
+              <a:solidFill>
+                <a:srgbClr val="ffffff"/>
+              </a:solidFill>
+              <a:uFill>
+                <a:solidFill>
+                  <a:srgbClr val="ffffff"/>
+                </a:solidFill>
+              </a:uFill>
+              <a:latin typeface="Arial"/>
+            </a:endParaRPr>
+          </a:p>
+        </p:txBody>
+      </p:sp>
+      <p:sp>
+        <p:nvSpPr>
+          <p:cNvPr id="95" name="PlaceHolder 2"/>
           <p:cNvSpPr>
             <a:spLocks noGrp="1"/>
           </p:cNvSpPr>
@@ -1906,23 +1919,23 @@
         <p:txBody>
           <a:bodyPr lIns="0" rIns="0" tIns="0" bIns="0"/>
           <a:p>
-            <a:endParaRPr b="0" lang="en-US" sz="1800" spc="-1" strike="noStrike">
-              <a:solidFill>
-                <a:srgbClr val="ffffff"/>
-              </a:solidFill>
-              <a:uFill>
-                <a:solidFill>
-                  <a:srgbClr val="ffffff"/>
-                </a:solidFill>
-              </a:uFill>
-              <a:latin typeface="Trebuchet MS"/>
-            </a:endParaRPr>
-          </a:p>
-        </p:txBody>
-      </p:sp>
-      <p:sp>
-        <p:nvSpPr>
-          <p:cNvPr id="102" name="PlaceHolder 3"/>
+            <a:endParaRPr b="0" lang="en-US" sz="3200" spc="-1" strike="noStrike">
+              <a:solidFill>
+                <a:srgbClr val="ffffff"/>
+              </a:solidFill>
+              <a:uFill>
+                <a:solidFill>
+                  <a:srgbClr val="ffffff"/>
+                </a:solidFill>
+              </a:uFill>
+              <a:latin typeface="Arial"/>
+            </a:endParaRPr>
+          </a:p>
+        </p:txBody>
+      </p:sp>
+      <p:sp>
+        <p:nvSpPr>
+          <p:cNvPr id="96" name="PlaceHolder 3"/>
           <p:cNvSpPr>
             <a:spLocks noGrp="1"/>
           </p:cNvSpPr>
@@ -1942,23 +1955,23 @@
         <p:txBody>
           <a:bodyPr lIns="0" rIns="0" tIns="0" bIns="0"/>
           <a:p>
-            <a:endParaRPr b="0" lang="en-US" sz="1800" spc="-1" strike="noStrike">
-              <a:solidFill>
-                <a:srgbClr val="ffffff"/>
-              </a:solidFill>
-              <a:uFill>
-                <a:solidFill>
-                  <a:srgbClr val="ffffff"/>
-                </a:solidFill>
-              </a:uFill>
-              <a:latin typeface="Trebuchet MS"/>
-            </a:endParaRPr>
-          </a:p>
-        </p:txBody>
-      </p:sp>
-      <p:sp>
-        <p:nvSpPr>
-          <p:cNvPr id="103" name="PlaceHolder 4"/>
+            <a:endParaRPr b="0" lang="en-US" sz="3200" spc="-1" strike="noStrike">
+              <a:solidFill>
+                <a:srgbClr val="ffffff"/>
+              </a:solidFill>
+              <a:uFill>
+                <a:solidFill>
+                  <a:srgbClr val="ffffff"/>
+                </a:solidFill>
+              </a:uFill>
+              <a:latin typeface="Arial"/>
+            </a:endParaRPr>
+          </a:p>
+        </p:txBody>
+      </p:sp>
+      <p:sp>
+        <p:nvSpPr>
+          <p:cNvPr id="97" name="PlaceHolder 4"/>
           <p:cNvSpPr>
             <a:spLocks noGrp="1"/>
           </p:cNvSpPr>
@@ -1978,23 +1991,23 @@
         <p:txBody>
           <a:bodyPr lIns="0" rIns="0" tIns="0" bIns="0"/>
           <a:p>
-            <a:endParaRPr b="0" lang="en-US" sz="1800" spc="-1" strike="noStrike">
-              <a:solidFill>
-                <a:srgbClr val="ffffff"/>
-              </a:solidFill>
-              <a:uFill>
-                <a:solidFill>
-                  <a:srgbClr val="ffffff"/>
-                </a:solidFill>
-              </a:uFill>
-              <a:latin typeface="Trebuchet MS"/>
-            </a:endParaRPr>
-          </a:p>
-        </p:txBody>
-      </p:sp>
-      <p:sp>
-        <p:nvSpPr>
-          <p:cNvPr id="104" name="PlaceHolder 5"/>
+            <a:endParaRPr b="0" lang="en-US" sz="3200" spc="-1" strike="noStrike">
+              <a:solidFill>
+                <a:srgbClr val="ffffff"/>
+              </a:solidFill>
+              <a:uFill>
+                <a:solidFill>
+                  <a:srgbClr val="ffffff"/>
+                </a:solidFill>
+              </a:uFill>
+              <a:latin typeface="Arial"/>
+            </a:endParaRPr>
+          </a:p>
+        </p:txBody>
+      </p:sp>
+      <p:sp>
+        <p:nvSpPr>
+          <p:cNvPr id="98" name="PlaceHolder 5"/>
           <p:cNvSpPr>
             <a:spLocks noGrp="1"/>
           </p:cNvSpPr>
@@ -2014,16 +2027,16 @@
         <p:txBody>
           <a:bodyPr lIns="0" rIns="0" tIns="0" bIns="0"/>
           <a:p>
-            <a:endParaRPr b="0" lang="en-US" sz="1800" spc="-1" strike="noStrike">
-              <a:solidFill>
-                <a:srgbClr val="ffffff"/>
-              </a:solidFill>
-              <a:uFill>
-                <a:solidFill>
-                  <a:srgbClr val="ffffff"/>
-                </a:solidFill>
-              </a:uFill>
-              <a:latin typeface="Trebuchet MS"/>
+            <a:endParaRPr b="0" lang="en-US" sz="3200" spc="-1" strike="noStrike">
+              <a:solidFill>
+                <a:srgbClr val="ffffff"/>
+              </a:solidFill>
+              <a:uFill>
+                <a:solidFill>
+                  <a:srgbClr val="ffffff"/>
+                </a:solidFill>
+              </a:uFill>
+              <a:latin typeface="Arial"/>
             </a:endParaRPr>
           </a:p>
         </p:txBody>
@@ -2052,7 +2065,7 @@
       </p:grpSpPr>
       <p:sp>
         <p:nvSpPr>
-          <p:cNvPr id="105" name="PlaceHolder 1"/>
+          <p:cNvPr id="99" name="PlaceHolder 1"/>
           <p:cNvSpPr>
             <a:spLocks noGrp="1"/>
           </p:cNvSpPr>
@@ -2063,7 +2076,7 @@
         <p:spPr>
           <a:xfrm>
             <a:off x="677160" y="609480"/>
-            <a:ext cx="8596440" cy="1320480"/>
+            <a:ext cx="8596080" cy="1320120"/>
           </a:xfrm>
           <a:prstGeom prst="rect">
             <a:avLst/>
@@ -2072,23 +2085,24 @@
         <p:txBody>
           <a:bodyPr lIns="0" rIns="0" tIns="0" bIns="0" anchor="ctr"/>
           <a:p>
-            <a:endParaRPr b="0" lang="en-US" sz="1800" spc="-1" strike="noStrike">
-              <a:solidFill>
-                <a:srgbClr val="ffffff"/>
-              </a:solidFill>
-              <a:uFill>
-                <a:solidFill>
-                  <a:srgbClr val="ffffff"/>
-                </a:solidFill>
-              </a:uFill>
-              <a:latin typeface="Trebuchet MS"/>
-            </a:endParaRPr>
-          </a:p>
-        </p:txBody>
-      </p:sp>
-      <p:sp>
-        <p:nvSpPr>
-          <p:cNvPr id="106" name="PlaceHolder 2"/>
+            <a:pPr algn="ctr"/>
+            <a:endParaRPr b="0" lang="en-US" sz="4400" spc="-1" strike="noStrike">
+              <a:solidFill>
+                <a:srgbClr val="ffffff"/>
+              </a:solidFill>
+              <a:uFill>
+                <a:solidFill>
+                  <a:srgbClr val="ffffff"/>
+                </a:solidFill>
+              </a:uFill>
+              <a:latin typeface="Arial"/>
+            </a:endParaRPr>
+          </a:p>
+        </p:txBody>
+      </p:sp>
+      <p:sp>
+        <p:nvSpPr>
+          <p:cNvPr id="100" name="PlaceHolder 2"/>
           <p:cNvSpPr>
             <a:spLocks noGrp="1"/>
           </p:cNvSpPr>
@@ -2108,23 +2122,23 @@
         <p:txBody>
           <a:bodyPr lIns="0" rIns="0" tIns="0" bIns="0"/>
           <a:p>
-            <a:endParaRPr b="0" lang="en-US" sz="1800" spc="-1" strike="noStrike">
-              <a:solidFill>
-                <a:srgbClr val="ffffff"/>
-              </a:solidFill>
-              <a:uFill>
-                <a:solidFill>
-                  <a:srgbClr val="ffffff"/>
-                </a:solidFill>
-              </a:uFill>
-              <a:latin typeface="Trebuchet MS"/>
-            </a:endParaRPr>
-          </a:p>
-        </p:txBody>
-      </p:sp>
-      <p:sp>
-        <p:nvSpPr>
-          <p:cNvPr id="107" name="PlaceHolder 3"/>
+            <a:endParaRPr b="0" lang="en-US" sz="3200" spc="-1" strike="noStrike">
+              <a:solidFill>
+                <a:srgbClr val="ffffff"/>
+              </a:solidFill>
+              <a:uFill>
+                <a:solidFill>
+                  <a:srgbClr val="ffffff"/>
+                </a:solidFill>
+              </a:uFill>
+              <a:latin typeface="Arial"/>
+            </a:endParaRPr>
+          </a:p>
+        </p:txBody>
+      </p:sp>
+      <p:sp>
+        <p:nvSpPr>
+          <p:cNvPr id="101" name="PlaceHolder 3"/>
           <p:cNvSpPr>
             <a:spLocks noGrp="1"/>
           </p:cNvSpPr>
@@ -2144,23 +2158,23 @@
         <p:txBody>
           <a:bodyPr lIns="0" rIns="0" tIns="0" bIns="0"/>
           <a:p>
-            <a:endParaRPr b="0" lang="en-US" sz="1800" spc="-1" strike="noStrike">
-              <a:solidFill>
-                <a:srgbClr val="ffffff"/>
-              </a:solidFill>
-              <a:uFill>
-                <a:solidFill>
-                  <a:srgbClr val="ffffff"/>
-                </a:solidFill>
-              </a:uFill>
-              <a:latin typeface="Trebuchet MS"/>
-            </a:endParaRPr>
-          </a:p>
-        </p:txBody>
-      </p:sp>
-      <p:sp>
-        <p:nvSpPr>
-          <p:cNvPr id="108" name="PlaceHolder 4"/>
+            <a:endParaRPr b="0" lang="en-US" sz="3200" spc="-1" strike="noStrike">
+              <a:solidFill>
+                <a:srgbClr val="ffffff"/>
+              </a:solidFill>
+              <a:uFill>
+                <a:solidFill>
+                  <a:srgbClr val="ffffff"/>
+                </a:solidFill>
+              </a:uFill>
+              <a:latin typeface="Arial"/>
+            </a:endParaRPr>
+          </a:p>
+        </p:txBody>
+      </p:sp>
+      <p:sp>
+        <p:nvSpPr>
+          <p:cNvPr id="102" name="PlaceHolder 4"/>
           <p:cNvSpPr>
             <a:spLocks noGrp="1"/>
           </p:cNvSpPr>
@@ -2180,23 +2194,23 @@
         <p:txBody>
           <a:bodyPr lIns="0" rIns="0" tIns="0" bIns="0"/>
           <a:p>
-            <a:endParaRPr b="0" lang="en-US" sz="1800" spc="-1" strike="noStrike">
-              <a:solidFill>
-                <a:srgbClr val="ffffff"/>
-              </a:solidFill>
-              <a:uFill>
-                <a:solidFill>
-                  <a:srgbClr val="ffffff"/>
-                </a:solidFill>
-              </a:uFill>
-              <a:latin typeface="Trebuchet MS"/>
-            </a:endParaRPr>
-          </a:p>
-        </p:txBody>
-      </p:sp>
-      <p:sp>
-        <p:nvSpPr>
-          <p:cNvPr id="109" name="PlaceHolder 5"/>
+            <a:endParaRPr b="0" lang="en-US" sz="3200" spc="-1" strike="noStrike">
+              <a:solidFill>
+                <a:srgbClr val="ffffff"/>
+              </a:solidFill>
+              <a:uFill>
+                <a:solidFill>
+                  <a:srgbClr val="ffffff"/>
+                </a:solidFill>
+              </a:uFill>
+              <a:latin typeface="Arial"/>
+            </a:endParaRPr>
+          </a:p>
+        </p:txBody>
+      </p:sp>
+      <p:sp>
+        <p:nvSpPr>
+          <p:cNvPr id="103" name="PlaceHolder 5"/>
           <p:cNvSpPr>
             <a:spLocks noGrp="1"/>
           </p:cNvSpPr>
@@ -2216,23 +2230,23 @@
         <p:txBody>
           <a:bodyPr lIns="0" rIns="0" tIns="0" bIns="0"/>
           <a:p>
-            <a:endParaRPr b="0" lang="en-US" sz="1800" spc="-1" strike="noStrike">
-              <a:solidFill>
-                <a:srgbClr val="ffffff"/>
-              </a:solidFill>
-              <a:uFill>
-                <a:solidFill>
-                  <a:srgbClr val="ffffff"/>
-                </a:solidFill>
-              </a:uFill>
-              <a:latin typeface="Trebuchet MS"/>
-            </a:endParaRPr>
-          </a:p>
-        </p:txBody>
-      </p:sp>
-      <p:sp>
-        <p:nvSpPr>
-          <p:cNvPr id="110" name="PlaceHolder 6"/>
+            <a:endParaRPr b="0" lang="en-US" sz="3200" spc="-1" strike="noStrike">
+              <a:solidFill>
+                <a:srgbClr val="ffffff"/>
+              </a:solidFill>
+              <a:uFill>
+                <a:solidFill>
+                  <a:srgbClr val="ffffff"/>
+                </a:solidFill>
+              </a:uFill>
+              <a:latin typeface="Arial"/>
+            </a:endParaRPr>
+          </a:p>
+        </p:txBody>
+      </p:sp>
+      <p:sp>
+        <p:nvSpPr>
+          <p:cNvPr id="104" name="PlaceHolder 6"/>
           <p:cNvSpPr>
             <a:spLocks noGrp="1"/>
           </p:cNvSpPr>
@@ -2252,23 +2266,23 @@
         <p:txBody>
           <a:bodyPr lIns="0" rIns="0" tIns="0" bIns="0"/>
           <a:p>
-            <a:endParaRPr b="0" lang="en-US" sz="1800" spc="-1" strike="noStrike">
-              <a:solidFill>
-                <a:srgbClr val="ffffff"/>
-              </a:solidFill>
-              <a:uFill>
-                <a:solidFill>
-                  <a:srgbClr val="ffffff"/>
-                </a:solidFill>
-              </a:uFill>
-              <a:latin typeface="Trebuchet MS"/>
-            </a:endParaRPr>
-          </a:p>
-        </p:txBody>
-      </p:sp>
-      <p:sp>
-        <p:nvSpPr>
-          <p:cNvPr id="111" name="PlaceHolder 7"/>
+            <a:endParaRPr b="0" lang="en-US" sz="3200" spc="-1" strike="noStrike">
+              <a:solidFill>
+                <a:srgbClr val="ffffff"/>
+              </a:solidFill>
+              <a:uFill>
+                <a:solidFill>
+                  <a:srgbClr val="ffffff"/>
+                </a:solidFill>
+              </a:uFill>
+              <a:latin typeface="Arial"/>
+            </a:endParaRPr>
+          </a:p>
+        </p:txBody>
+      </p:sp>
+      <p:sp>
+        <p:nvSpPr>
+          <p:cNvPr id="105" name="PlaceHolder 7"/>
           <p:cNvSpPr>
             <a:spLocks noGrp="1"/>
           </p:cNvSpPr>
@@ -2288,16 +2302,16 @@
         <p:txBody>
           <a:bodyPr lIns="0" rIns="0" tIns="0" bIns="0"/>
           <a:p>
-            <a:endParaRPr b="0" lang="en-US" sz="1800" spc="-1" strike="noStrike">
-              <a:solidFill>
-                <a:srgbClr val="ffffff"/>
-              </a:solidFill>
-              <a:uFill>
-                <a:solidFill>
-                  <a:srgbClr val="ffffff"/>
-                </a:solidFill>
-              </a:uFill>
-              <a:latin typeface="Trebuchet MS"/>
+            <a:endParaRPr b="0" lang="en-US" sz="3200" spc="-1" strike="noStrike">
+              <a:solidFill>
+                <a:srgbClr val="ffffff"/>
+              </a:solidFill>
+              <a:uFill>
+                <a:solidFill>
+                  <a:srgbClr val="ffffff"/>
+                </a:solidFill>
+              </a:uFill>
+              <a:latin typeface="Arial"/>
             </a:endParaRPr>
           </a:p>
         </p:txBody>
@@ -2348,7 +2362,7 @@
       </p:grpSpPr>
       <p:sp>
         <p:nvSpPr>
-          <p:cNvPr id="127" name="PlaceHolder 1"/>
+          <p:cNvPr id="118" name="PlaceHolder 1"/>
           <p:cNvSpPr>
             <a:spLocks noGrp="1"/>
           </p:cNvSpPr>
@@ -2359,7 +2373,7 @@
         <p:spPr>
           <a:xfrm>
             <a:off x="677160" y="609480"/>
-            <a:ext cx="8596440" cy="1320480"/>
+            <a:ext cx="8596080" cy="1320120"/>
           </a:xfrm>
           <a:prstGeom prst="rect">
             <a:avLst/>
@@ -2368,23 +2382,24 @@
         <p:txBody>
           <a:bodyPr lIns="0" rIns="0" tIns="0" bIns="0" anchor="ctr"/>
           <a:p>
-            <a:endParaRPr b="0" lang="en-US" sz="1800" spc="-1" strike="noStrike">
-              <a:solidFill>
-                <a:srgbClr val="ffffff"/>
-              </a:solidFill>
-              <a:uFill>
-                <a:solidFill>
-                  <a:srgbClr val="ffffff"/>
-                </a:solidFill>
-              </a:uFill>
-              <a:latin typeface="Trebuchet MS"/>
-            </a:endParaRPr>
-          </a:p>
-        </p:txBody>
-      </p:sp>
-      <p:sp>
-        <p:nvSpPr>
-          <p:cNvPr id="128" name="PlaceHolder 2"/>
+            <a:pPr algn="ctr"/>
+            <a:endParaRPr b="0" lang="en-US" sz="4400" spc="-1" strike="noStrike">
+              <a:solidFill>
+                <a:srgbClr val="ffffff"/>
+              </a:solidFill>
+              <a:uFill>
+                <a:solidFill>
+                  <a:srgbClr val="ffffff"/>
+                </a:solidFill>
+              </a:uFill>
+              <a:latin typeface="Arial"/>
+            </a:endParaRPr>
+          </a:p>
+        </p:txBody>
+      </p:sp>
+      <p:sp>
+        <p:nvSpPr>
+          <p:cNvPr id="119" name="PlaceHolder 2"/>
           <p:cNvSpPr>
             <a:spLocks noGrp="1"/>
           </p:cNvSpPr>
@@ -2443,7 +2458,7 @@
       </p:grpSpPr>
       <p:sp>
         <p:nvSpPr>
-          <p:cNvPr id="129" name="PlaceHolder 1"/>
+          <p:cNvPr id="120" name="PlaceHolder 1"/>
           <p:cNvSpPr>
             <a:spLocks noGrp="1"/>
           </p:cNvSpPr>
@@ -2454,7 +2469,7 @@
         <p:spPr>
           <a:xfrm>
             <a:off x="677160" y="609480"/>
-            <a:ext cx="8596440" cy="1320480"/>
+            <a:ext cx="8596080" cy="1320120"/>
           </a:xfrm>
           <a:prstGeom prst="rect">
             <a:avLst/>
@@ -2463,23 +2478,24 @@
         <p:txBody>
           <a:bodyPr lIns="0" rIns="0" tIns="0" bIns="0" anchor="ctr"/>
           <a:p>
-            <a:endParaRPr b="0" lang="en-US" sz="1800" spc="-1" strike="noStrike">
-              <a:solidFill>
-                <a:srgbClr val="ffffff"/>
-              </a:solidFill>
-              <a:uFill>
-                <a:solidFill>
-                  <a:srgbClr val="ffffff"/>
-                </a:solidFill>
-              </a:uFill>
-              <a:latin typeface="Trebuchet MS"/>
-            </a:endParaRPr>
-          </a:p>
-        </p:txBody>
-      </p:sp>
-      <p:sp>
-        <p:nvSpPr>
-          <p:cNvPr id="130" name="PlaceHolder 2"/>
+            <a:pPr algn="ctr"/>
+            <a:endParaRPr b="0" lang="en-US" sz="4400" spc="-1" strike="noStrike">
+              <a:solidFill>
+                <a:srgbClr val="ffffff"/>
+              </a:solidFill>
+              <a:uFill>
+                <a:solidFill>
+                  <a:srgbClr val="ffffff"/>
+                </a:solidFill>
+              </a:uFill>
+              <a:latin typeface="Arial"/>
+            </a:endParaRPr>
+          </a:p>
+        </p:txBody>
+      </p:sp>
+      <p:sp>
+        <p:nvSpPr>
+          <p:cNvPr id="121" name="PlaceHolder 2"/>
           <p:cNvSpPr>
             <a:spLocks noGrp="1"/>
           </p:cNvSpPr>
@@ -2499,16 +2515,16 @@
         <p:txBody>
           <a:bodyPr lIns="0" rIns="0" tIns="0" bIns="0"/>
           <a:p>
-            <a:endParaRPr b="0" lang="en-US" sz="1800" spc="-1" strike="noStrike">
-              <a:solidFill>
-                <a:srgbClr val="ffffff"/>
-              </a:solidFill>
-              <a:uFill>
-                <a:solidFill>
-                  <a:srgbClr val="ffffff"/>
-                </a:solidFill>
-              </a:uFill>
-              <a:latin typeface="Trebuchet MS"/>
+            <a:endParaRPr b="0" lang="en-US" sz="3200" spc="-1" strike="noStrike">
+              <a:solidFill>
+                <a:srgbClr val="ffffff"/>
+              </a:solidFill>
+              <a:uFill>
+                <a:solidFill>
+                  <a:srgbClr val="ffffff"/>
+                </a:solidFill>
+              </a:uFill>
+              <a:latin typeface="Arial"/>
             </a:endParaRPr>
           </a:p>
         </p:txBody>
@@ -2537,7 +2553,7 @@
       </p:grpSpPr>
       <p:sp>
         <p:nvSpPr>
-          <p:cNvPr id="131" name="PlaceHolder 1"/>
+          <p:cNvPr id="122" name="PlaceHolder 1"/>
           <p:cNvSpPr>
             <a:spLocks noGrp="1"/>
           </p:cNvSpPr>
@@ -2548,7 +2564,7 @@
         <p:spPr>
           <a:xfrm>
             <a:off x="677160" y="609480"/>
-            <a:ext cx="8596440" cy="1320480"/>
+            <a:ext cx="8596080" cy="1320120"/>
           </a:xfrm>
           <a:prstGeom prst="rect">
             <a:avLst/>
@@ -2557,23 +2573,24 @@
         <p:txBody>
           <a:bodyPr lIns="0" rIns="0" tIns="0" bIns="0" anchor="ctr"/>
           <a:p>
-            <a:endParaRPr b="0" lang="en-US" sz="1800" spc="-1" strike="noStrike">
-              <a:solidFill>
-                <a:srgbClr val="ffffff"/>
-              </a:solidFill>
-              <a:uFill>
-                <a:solidFill>
-                  <a:srgbClr val="ffffff"/>
-                </a:solidFill>
-              </a:uFill>
-              <a:latin typeface="Trebuchet MS"/>
-            </a:endParaRPr>
-          </a:p>
-        </p:txBody>
-      </p:sp>
-      <p:sp>
-        <p:nvSpPr>
-          <p:cNvPr id="132" name="PlaceHolder 2"/>
+            <a:pPr algn="ctr"/>
+            <a:endParaRPr b="0" lang="en-US" sz="4400" spc="-1" strike="noStrike">
+              <a:solidFill>
+                <a:srgbClr val="ffffff"/>
+              </a:solidFill>
+              <a:uFill>
+                <a:solidFill>
+                  <a:srgbClr val="ffffff"/>
+                </a:solidFill>
+              </a:uFill>
+              <a:latin typeface="Arial"/>
+            </a:endParaRPr>
+          </a:p>
+        </p:txBody>
+      </p:sp>
+      <p:sp>
+        <p:nvSpPr>
+          <p:cNvPr id="123" name="PlaceHolder 2"/>
           <p:cNvSpPr>
             <a:spLocks noGrp="1"/>
           </p:cNvSpPr>
@@ -2593,23 +2610,23 @@
         <p:txBody>
           <a:bodyPr lIns="0" rIns="0" tIns="0" bIns="0"/>
           <a:p>
-            <a:endParaRPr b="0" lang="en-US" sz="1800" spc="-1" strike="noStrike">
-              <a:solidFill>
-                <a:srgbClr val="ffffff"/>
-              </a:solidFill>
-              <a:uFill>
-                <a:solidFill>
-                  <a:srgbClr val="ffffff"/>
-                </a:solidFill>
-              </a:uFill>
-              <a:latin typeface="Trebuchet MS"/>
-            </a:endParaRPr>
-          </a:p>
-        </p:txBody>
-      </p:sp>
-      <p:sp>
-        <p:nvSpPr>
-          <p:cNvPr id="133" name="PlaceHolder 3"/>
+            <a:endParaRPr b="0" lang="en-US" sz="3200" spc="-1" strike="noStrike">
+              <a:solidFill>
+                <a:srgbClr val="ffffff"/>
+              </a:solidFill>
+              <a:uFill>
+                <a:solidFill>
+                  <a:srgbClr val="ffffff"/>
+                </a:solidFill>
+              </a:uFill>
+              <a:latin typeface="Arial"/>
+            </a:endParaRPr>
+          </a:p>
+        </p:txBody>
+      </p:sp>
+      <p:sp>
+        <p:nvSpPr>
+          <p:cNvPr id="124" name="PlaceHolder 3"/>
           <p:cNvSpPr>
             <a:spLocks noGrp="1"/>
           </p:cNvSpPr>
@@ -2629,16 +2646,16 @@
         <p:txBody>
           <a:bodyPr lIns="0" rIns="0" tIns="0" bIns="0"/>
           <a:p>
-            <a:endParaRPr b="0" lang="en-US" sz="1800" spc="-1" strike="noStrike">
-              <a:solidFill>
-                <a:srgbClr val="ffffff"/>
-              </a:solidFill>
-              <a:uFill>
-                <a:solidFill>
-                  <a:srgbClr val="ffffff"/>
-                </a:solidFill>
-              </a:uFill>
-              <a:latin typeface="Trebuchet MS"/>
+            <a:endParaRPr b="0" lang="en-US" sz="3200" spc="-1" strike="noStrike">
+              <a:solidFill>
+                <a:srgbClr val="ffffff"/>
+              </a:solidFill>
+              <a:uFill>
+                <a:solidFill>
+                  <a:srgbClr val="ffffff"/>
+                </a:solidFill>
+              </a:uFill>
+              <a:latin typeface="Arial"/>
             </a:endParaRPr>
           </a:p>
         </p:txBody>
@@ -2667,7 +2684,7 @@
       </p:grpSpPr>
       <p:sp>
         <p:nvSpPr>
-          <p:cNvPr id="134" name="PlaceHolder 1"/>
+          <p:cNvPr id="125" name="PlaceHolder 1"/>
           <p:cNvSpPr>
             <a:spLocks noGrp="1"/>
           </p:cNvSpPr>
@@ -2678,7 +2695,7 @@
         <p:spPr>
           <a:xfrm>
             <a:off x="677160" y="609480"/>
-            <a:ext cx="8596440" cy="1320480"/>
+            <a:ext cx="8596080" cy="1320120"/>
           </a:xfrm>
           <a:prstGeom prst="rect">
             <a:avLst/>
@@ -2687,16 +2704,17 @@
         <p:txBody>
           <a:bodyPr lIns="0" rIns="0" tIns="0" bIns="0" anchor="ctr"/>
           <a:p>
-            <a:endParaRPr b="0" lang="en-US" sz="1800" spc="-1" strike="noStrike">
-              <a:solidFill>
-                <a:srgbClr val="ffffff"/>
-              </a:solidFill>
-              <a:uFill>
-                <a:solidFill>
-                  <a:srgbClr val="ffffff"/>
-                </a:solidFill>
-              </a:uFill>
-              <a:latin typeface="Trebuchet MS"/>
+            <a:pPr algn="ctr"/>
+            <a:endParaRPr b="0" lang="en-US" sz="4400" spc="-1" strike="noStrike">
+              <a:solidFill>
+                <a:srgbClr val="ffffff"/>
+              </a:solidFill>
+              <a:uFill>
+                <a:solidFill>
+                  <a:srgbClr val="ffffff"/>
+                </a:solidFill>
+              </a:uFill>
+              <a:latin typeface="Arial"/>
             </a:endParaRPr>
           </a:p>
         </p:txBody>
@@ -2725,7 +2743,7 @@
       </p:grpSpPr>
       <p:sp>
         <p:nvSpPr>
-          <p:cNvPr id="17" name="PlaceHolder 1"/>
+          <p:cNvPr id="14" name="PlaceHolder 1"/>
           <p:cNvSpPr>
             <a:spLocks noGrp="1"/>
           </p:cNvSpPr>
@@ -2736,7 +2754,7 @@
         <p:spPr>
           <a:xfrm>
             <a:off x="677160" y="609480"/>
-            <a:ext cx="8596440" cy="1320480"/>
+            <a:ext cx="8596080" cy="1320120"/>
           </a:xfrm>
           <a:prstGeom prst="rect">
             <a:avLst/>
@@ -2745,23 +2763,24 @@
         <p:txBody>
           <a:bodyPr lIns="0" rIns="0" tIns="0" bIns="0" anchor="ctr"/>
           <a:p>
-            <a:endParaRPr b="0" lang="en-US" sz="1800" spc="-1" strike="noStrike">
-              <a:solidFill>
-                <a:srgbClr val="ffffff"/>
-              </a:solidFill>
-              <a:uFill>
-                <a:solidFill>
-                  <a:srgbClr val="ffffff"/>
-                </a:solidFill>
-              </a:uFill>
-              <a:latin typeface="Trebuchet MS"/>
-            </a:endParaRPr>
-          </a:p>
-        </p:txBody>
-      </p:sp>
-      <p:sp>
-        <p:nvSpPr>
-          <p:cNvPr id="18" name="PlaceHolder 2"/>
+            <a:pPr algn="ctr"/>
+            <a:endParaRPr b="0" lang="en-US" sz="4400" spc="-1" strike="noStrike">
+              <a:solidFill>
+                <a:srgbClr val="ffffff"/>
+              </a:solidFill>
+              <a:uFill>
+                <a:solidFill>
+                  <a:srgbClr val="ffffff"/>
+                </a:solidFill>
+              </a:uFill>
+              <a:latin typeface="Arial"/>
+            </a:endParaRPr>
+          </a:p>
+        </p:txBody>
+      </p:sp>
+      <p:sp>
+        <p:nvSpPr>
+          <p:cNvPr id="15" name="PlaceHolder 2"/>
           <p:cNvSpPr>
             <a:spLocks noGrp="1"/>
           </p:cNvSpPr>
@@ -2781,16 +2800,16 @@
         <p:txBody>
           <a:bodyPr lIns="0" rIns="0" tIns="0" bIns="0"/>
           <a:p>
-            <a:endParaRPr b="0" lang="en-US" sz="1800" spc="-1" strike="noStrike">
-              <a:solidFill>
-                <a:srgbClr val="ffffff"/>
-              </a:solidFill>
-              <a:uFill>
-                <a:solidFill>
-                  <a:srgbClr val="ffffff"/>
-                </a:solidFill>
-              </a:uFill>
-              <a:latin typeface="Trebuchet MS"/>
+            <a:endParaRPr b="0" lang="en-US" sz="3200" spc="-1" strike="noStrike">
+              <a:solidFill>
+                <a:srgbClr val="ffffff"/>
+              </a:solidFill>
+              <a:uFill>
+                <a:solidFill>
+                  <a:srgbClr val="ffffff"/>
+                </a:solidFill>
+              </a:uFill>
+              <a:latin typeface="Arial"/>
             </a:endParaRPr>
           </a:p>
         </p:txBody>
@@ -2819,7 +2838,7 @@
       </p:grpSpPr>
       <p:sp>
         <p:nvSpPr>
-          <p:cNvPr id="135" name="PlaceHolder 1"/>
+          <p:cNvPr id="126" name="PlaceHolder 1"/>
           <p:cNvSpPr>
             <a:spLocks noGrp="1"/>
           </p:cNvSpPr>
@@ -2830,7 +2849,7 @@
         <p:spPr>
           <a:xfrm>
             <a:off x="677160" y="609480"/>
-            <a:ext cx="8596440" cy="6122160"/>
+            <a:ext cx="8596080" cy="6120720"/>
           </a:xfrm>
           <a:prstGeom prst="rect">
             <a:avLst/>
@@ -2878,7 +2897,7 @@
       </p:grpSpPr>
       <p:sp>
         <p:nvSpPr>
-          <p:cNvPr id="136" name="PlaceHolder 1"/>
+          <p:cNvPr id="127" name="PlaceHolder 1"/>
           <p:cNvSpPr>
             <a:spLocks noGrp="1"/>
           </p:cNvSpPr>
@@ -2889,7 +2908,7 @@
         <p:spPr>
           <a:xfrm>
             <a:off x="677160" y="609480"/>
-            <a:ext cx="8596440" cy="1320480"/>
+            <a:ext cx="8596080" cy="1320120"/>
           </a:xfrm>
           <a:prstGeom prst="rect">
             <a:avLst/>
@@ -2898,23 +2917,24 @@
         <p:txBody>
           <a:bodyPr lIns="0" rIns="0" tIns="0" bIns="0" anchor="ctr"/>
           <a:p>
-            <a:endParaRPr b="0" lang="en-US" sz="1800" spc="-1" strike="noStrike">
-              <a:solidFill>
-                <a:srgbClr val="ffffff"/>
-              </a:solidFill>
-              <a:uFill>
-                <a:solidFill>
-                  <a:srgbClr val="ffffff"/>
-                </a:solidFill>
-              </a:uFill>
-              <a:latin typeface="Trebuchet MS"/>
-            </a:endParaRPr>
-          </a:p>
-        </p:txBody>
-      </p:sp>
-      <p:sp>
-        <p:nvSpPr>
-          <p:cNvPr id="137" name="PlaceHolder 2"/>
+            <a:pPr algn="ctr"/>
+            <a:endParaRPr b="0" lang="en-US" sz="4400" spc="-1" strike="noStrike">
+              <a:solidFill>
+                <a:srgbClr val="ffffff"/>
+              </a:solidFill>
+              <a:uFill>
+                <a:solidFill>
+                  <a:srgbClr val="ffffff"/>
+                </a:solidFill>
+              </a:uFill>
+              <a:latin typeface="Arial"/>
+            </a:endParaRPr>
+          </a:p>
+        </p:txBody>
+      </p:sp>
+      <p:sp>
+        <p:nvSpPr>
+          <p:cNvPr id="128" name="PlaceHolder 2"/>
           <p:cNvSpPr>
             <a:spLocks noGrp="1"/>
           </p:cNvSpPr>
@@ -2934,23 +2954,23 @@
         <p:txBody>
           <a:bodyPr lIns="0" rIns="0" tIns="0" bIns="0"/>
           <a:p>
-            <a:endParaRPr b="0" lang="en-US" sz="1800" spc="-1" strike="noStrike">
-              <a:solidFill>
-                <a:srgbClr val="ffffff"/>
-              </a:solidFill>
-              <a:uFill>
-                <a:solidFill>
-                  <a:srgbClr val="ffffff"/>
-                </a:solidFill>
-              </a:uFill>
-              <a:latin typeface="Trebuchet MS"/>
-            </a:endParaRPr>
-          </a:p>
-        </p:txBody>
-      </p:sp>
-      <p:sp>
-        <p:nvSpPr>
-          <p:cNvPr id="138" name="PlaceHolder 3"/>
+            <a:endParaRPr b="0" lang="en-US" sz="3200" spc="-1" strike="noStrike">
+              <a:solidFill>
+                <a:srgbClr val="ffffff"/>
+              </a:solidFill>
+              <a:uFill>
+                <a:solidFill>
+                  <a:srgbClr val="ffffff"/>
+                </a:solidFill>
+              </a:uFill>
+              <a:latin typeface="Arial"/>
+            </a:endParaRPr>
+          </a:p>
+        </p:txBody>
+      </p:sp>
+      <p:sp>
+        <p:nvSpPr>
+          <p:cNvPr id="129" name="PlaceHolder 3"/>
           <p:cNvSpPr>
             <a:spLocks noGrp="1"/>
           </p:cNvSpPr>
@@ -2970,23 +2990,23 @@
         <p:txBody>
           <a:bodyPr lIns="0" rIns="0" tIns="0" bIns="0"/>
           <a:p>
-            <a:endParaRPr b="0" lang="en-US" sz="1800" spc="-1" strike="noStrike">
-              <a:solidFill>
-                <a:srgbClr val="ffffff"/>
-              </a:solidFill>
-              <a:uFill>
-                <a:solidFill>
-                  <a:srgbClr val="ffffff"/>
-                </a:solidFill>
-              </a:uFill>
-              <a:latin typeface="Trebuchet MS"/>
-            </a:endParaRPr>
-          </a:p>
-        </p:txBody>
-      </p:sp>
-      <p:sp>
-        <p:nvSpPr>
-          <p:cNvPr id="139" name="PlaceHolder 4"/>
+            <a:endParaRPr b="0" lang="en-US" sz="3200" spc="-1" strike="noStrike">
+              <a:solidFill>
+                <a:srgbClr val="ffffff"/>
+              </a:solidFill>
+              <a:uFill>
+                <a:solidFill>
+                  <a:srgbClr val="ffffff"/>
+                </a:solidFill>
+              </a:uFill>
+              <a:latin typeface="Arial"/>
+            </a:endParaRPr>
+          </a:p>
+        </p:txBody>
+      </p:sp>
+      <p:sp>
+        <p:nvSpPr>
+          <p:cNvPr id="130" name="PlaceHolder 4"/>
           <p:cNvSpPr>
             <a:spLocks noGrp="1"/>
           </p:cNvSpPr>
@@ -3006,16 +3026,16 @@
         <p:txBody>
           <a:bodyPr lIns="0" rIns="0" tIns="0" bIns="0"/>
           <a:p>
-            <a:endParaRPr b="0" lang="en-US" sz="1800" spc="-1" strike="noStrike">
-              <a:solidFill>
-                <a:srgbClr val="ffffff"/>
-              </a:solidFill>
-              <a:uFill>
-                <a:solidFill>
-                  <a:srgbClr val="ffffff"/>
-                </a:solidFill>
-              </a:uFill>
-              <a:latin typeface="Trebuchet MS"/>
+            <a:endParaRPr b="0" lang="en-US" sz="3200" spc="-1" strike="noStrike">
+              <a:solidFill>
+                <a:srgbClr val="ffffff"/>
+              </a:solidFill>
+              <a:uFill>
+                <a:solidFill>
+                  <a:srgbClr val="ffffff"/>
+                </a:solidFill>
+              </a:uFill>
+              <a:latin typeface="Arial"/>
             </a:endParaRPr>
           </a:p>
         </p:txBody>
@@ -3044,7 +3064,7 @@
       </p:grpSpPr>
       <p:sp>
         <p:nvSpPr>
-          <p:cNvPr id="140" name="PlaceHolder 1"/>
+          <p:cNvPr id="131" name="PlaceHolder 1"/>
           <p:cNvSpPr>
             <a:spLocks noGrp="1"/>
           </p:cNvSpPr>
@@ -3055,7 +3075,7 @@
         <p:spPr>
           <a:xfrm>
             <a:off x="677160" y="609480"/>
-            <a:ext cx="8596440" cy="1320480"/>
+            <a:ext cx="8596080" cy="1320120"/>
           </a:xfrm>
           <a:prstGeom prst="rect">
             <a:avLst/>
@@ -3064,23 +3084,24 @@
         <p:txBody>
           <a:bodyPr lIns="0" rIns="0" tIns="0" bIns="0" anchor="ctr"/>
           <a:p>
-            <a:endParaRPr b="0" lang="en-US" sz="1800" spc="-1" strike="noStrike">
-              <a:solidFill>
-                <a:srgbClr val="ffffff"/>
-              </a:solidFill>
-              <a:uFill>
-                <a:solidFill>
-                  <a:srgbClr val="ffffff"/>
-                </a:solidFill>
-              </a:uFill>
-              <a:latin typeface="Trebuchet MS"/>
-            </a:endParaRPr>
-          </a:p>
-        </p:txBody>
-      </p:sp>
-      <p:sp>
-        <p:nvSpPr>
-          <p:cNvPr id="141" name="PlaceHolder 2"/>
+            <a:pPr algn="ctr"/>
+            <a:endParaRPr b="0" lang="en-US" sz="4400" spc="-1" strike="noStrike">
+              <a:solidFill>
+                <a:srgbClr val="ffffff"/>
+              </a:solidFill>
+              <a:uFill>
+                <a:solidFill>
+                  <a:srgbClr val="ffffff"/>
+                </a:solidFill>
+              </a:uFill>
+              <a:latin typeface="Arial"/>
+            </a:endParaRPr>
+          </a:p>
+        </p:txBody>
+      </p:sp>
+      <p:sp>
+        <p:nvSpPr>
+          <p:cNvPr id="132" name="PlaceHolder 2"/>
           <p:cNvSpPr>
             <a:spLocks noGrp="1"/>
           </p:cNvSpPr>
@@ -3100,23 +3121,23 @@
         <p:txBody>
           <a:bodyPr lIns="0" rIns="0" tIns="0" bIns="0"/>
           <a:p>
-            <a:endParaRPr b="0" lang="en-US" sz="1800" spc="-1" strike="noStrike">
-              <a:solidFill>
-                <a:srgbClr val="ffffff"/>
-              </a:solidFill>
-              <a:uFill>
-                <a:solidFill>
-                  <a:srgbClr val="ffffff"/>
-                </a:solidFill>
-              </a:uFill>
-              <a:latin typeface="Trebuchet MS"/>
-            </a:endParaRPr>
-          </a:p>
-        </p:txBody>
-      </p:sp>
-      <p:sp>
-        <p:nvSpPr>
-          <p:cNvPr id="142" name="PlaceHolder 3"/>
+            <a:endParaRPr b="0" lang="en-US" sz="3200" spc="-1" strike="noStrike">
+              <a:solidFill>
+                <a:srgbClr val="ffffff"/>
+              </a:solidFill>
+              <a:uFill>
+                <a:solidFill>
+                  <a:srgbClr val="ffffff"/>
+                </a:solidFill>
+              </a:uFill>
+              <a:latin typeface="Arial"/>
+            </a:endParaRPr>
+          </a:p>
+        </p:txBody>
+      </p:sp>
+      <p:sp>
+        <p:nvSpPr>
+          <p:cNvPr id="133" name="PlaceHolder 3"/>
           <p:cNvSpPr>
             <a:spLocks noGrp="1"/>
           </p:cNvSpPr>
@@ -3136,23 +3157,23 @@
         <p:txBody>
           <a:bodyPr lIns="0" rIns="0" tIns="0" bIns="0"/>
           <a:p>
-            <a:endParaRPr b="0" lang="en-US" sz="1800" spc="-1" strike="noStrike">
-              <a:solidFill>
-                <a:srgbClr val="ffffff"/>
-              </a:solidFill>
-              <a:uFill>
-                <a:solidFill>
-                  <a:srgbClr val="ffffff"/>
-                </a:solidFill>
-              </a:uFill>
-              <a:latin typeface="Trebuchet MS"/>
-            </a:endParaRPr>
-          </a:p>
-        </p:txBody>
-      </p:sp>
-      <p:sp>
-        <p:nvSpPr>
-          <p:cNvPr id="143" name="PlaceHolder 4"/>
+            <a:endParaRPr b="0" lang="en-US" sz="3200" spc="-1" strike="noStrike">
+              <a:solidFill>
+                <a:srgbClr val="ffffff"/>
+              </a:solidFill>
+              <a:uFill>
+                <a:solidFill>
+                  <a:srgbClr val="ffffff"/>
+                </a:solidFill>
+              </a:uFill>
+              <a:latin typeface="Arial"/>
+            </a:endParaRPr>
+          </a:p>
+        </p:txBody>
+      </p:sp>
+      <p:sp>
+        <p:nvSpPr>
+          <p:cNvPr id="134" name="PlaceHolder 4"/>
           <p:cNvSpPr>
             <a:spLocks noGrp="1"/>
           </p:cNvSpPr>
@@ -3172,16 +3193,16 @@
         <p:txBody>
           <a:bodyPr lIns="0" rIns="0" tIns="0" bIns="0"/>
           <a:p>
-            <a:endParaRPr b="0" lang="en-US" sz="1800" spc="-1" strike="noStrike">
-              <a:solidFill>
-                <a:srgbClr val="ffffff"/>
-              </a:solidFill>
-              <a:uFill>
-                <a:solidFill>
-                  <a:srgbClr val="ffffff"/>
-                </a:solidFill>
-              </a:uFill>
-              <a:latin typeface="Trebuchet MS"/>
+            <a:endParaRPr b="0" lang="en-US" sz="3200" spc="-1" strike="noStrike">
+              <a:solidFill>
+                <a:srgbClr val="ffffff"/>
+              </a:solidFill>
+              <a:uFill>
+                <a:solidFill>
+                  <a:srgbClr val="ffffff"/>
+                </a:solidFill>
+              </a:uFill>
+              <a:latin typeface="Arial"/>
             </a:endParaRPr>
           </a:p>
         </p:txBody>
@@ -3210,7 +3231,7 @@
       </p:grpSpPr>
       <p:sp>
         <p:nvSpPr>
-          <p:cNvPr id="144" name="PlaceHolder 1"/>
+          <p:cNvPr id="135" name="PlaceHolder 1"/>
           <p:cNvSpPr>
             <a:spLocks noGrp="1"/>
           </p:cNvSpPr>
@@ -3221,7 +3242,7 @@
         <p:spPr>
           <a:xfrm>
             <a:off x="677160" y="609480"/>
-            <a:ext cx="8596440" cy="1320480"/>
+            <a:ext cx="8596080" cy="1320120"/>
           </a:xfrm>
           <a:prstGeom prst="rect">
             <a:avLst/>
@@ -3230,23 +3251,24 @@
         <p:txBody>
           <a:bodyPr lIns="0" rIns="0" tIns="0" bIns="0" anchor="ctr"/>
           <a:p>
-            <a:endParaRPr b="0" lang="en-US" sz="1800" spc="-1" strike="noStrike">
-              <a:solidFill>
-                <a:srgbClr val="ffffff"/>
-              </a:solidFill>
-              <a:uFill>
-                <a:solidFill>
-                  <a:srgbClr val="ffffff"/>
-                </a:solidFill>
-              </a:uFill>
-              <a:latin typeface="Trebuchet MS"/>
-            </a:endParaRPr>
-          </a:p>
-        </p:txBody>
-      </p:sp>
-      <p:sp>
-        <p:nvSpPr>
-          <p:cNvPr id="145" name="PlaceHolder 2"/>
+            <a:pPr algn="ctr"/>
+            <a:endParaRPr b="0" lang="en-US" sz="4400" spc="-1" strike="noStrike">
+              <a:solidFill>
+                <a:srgbClr val="ffffff"/>
+              </a:solidFill>
+              <a:uFill>
+                <a:solidFill>
+                  <a:srgbClr val="ffffff"/>
+                </a:solidFill>
+              </a:uFill>
+              <a:latin typeface="Arial"/>
+            </a:endParaRPr>
+          </a:p>
+        </p:txBody>
+      </p:sp>
+      <p:sp>
+        <p:nvSpPr>
+          <p:cNvPr id="136" name="PlaceHolder 2"/>
           <p:cNvSpPr>
             <a:spLocks noGrp="1"/>
           </p:cNvSpPr>
@@ -3266,23 +3288,23 @@
         <p:txBody>
           <a:bodyPr lIns="0" rIns="0" tIns="0" bIns="0"/>
           <a:p>
-            <a:endParaRPr b="0" lang="en-US" sz="1800" spc="-1" strike="noStrike">
-              <a:solidFill>
-                <a:srgbClr val="ffffff"/>
-              </a:solidFill>
-              <a:uFill>
-                <a:solidFill>
-                  <a:srgbClr val="ffffff"/>
-                </a:solidFill>
-              </a:uFill>
-              <a:latin typeface="Trebuchet MS"/>
-            </a:endParaRPr>
-          </a:p>
-        </p:txBody>
-      </p:sp>
-      <p:sp>
-        <p:nvSpPr>
-          <p:cNvPr id="146" name="PlaceHolder 3"/>
+            <a:endParaRPr b="0" lang="en-US" sz="3200" spc="-1" strike="noStrike">
+              <a:solidFill>
+                <a:srgbClr val="ffffff"/>
+              </a:solidFill>
+              <a:uFill>
+                <a:solidFill>
+                  <a:srgbClr val="ffffff"/>
+                </a:solidFill>
+              </a:uFill>
+              <a:latin typeface="Arial"/>
+            </a:endParaRPr>
+          </a:p>
+        </p:txBody>
+      </p:sp>
+      <p:sp>
+        <p:nvSpPr>
+          <p:cNvPr id="137" name="PlaceHolder 3"/>
           <p:cNvSpPr>
             <a:spLocks noGrp="1"/>
           </p:cNvSpPr>
@@ -3302,23 +3324,23 @@
         <p:txBody>
           <a:bodyPr lIns="0" rIns="0" tIns="0" bIns="0"/>
           <a:p>
-            <a:endParaRPr b="0" lang="en-US" sz="1800" spc="-1" strike="noStrike">
-              <a:solidFill>
-                <a:srgbClr val="ffffff"/>
-              </a:solidFill>
-              <a:uFill>
-                <a:solidFill>
-                  <a:srgbClr val="ffffff"/>
-                </a:solidFill>
-              </a:uFill>
-              <a:latin typeface="Trebuchet MS"/>
-            </a:endParaRPr>
-          </a:p>
-        </p:txBody>
-      </p:sp>
-      <p:sp>
-        <p:nvSpPr>
-          <p:cNvPr id="147" name="PlaceHolder 4"/>
+            <a:endParaRPr b="0" lang="en-US" sz="3200" spc="-1" strike="noStrike">
+              <a:solidFill>
+                <a:srgbClr val="ffffff"/>
+              </a:solidFill>
+              <a:uFill>
+                <a:solidFill>
+                  <a:srgbClr val="ffffff"/>
+                </a:solidFill>
+              </a:uFill>
+              <a:latin typeface="Arial"/>
+            </a:endParaRPr>
+          </a:p>
+        </p:txBody>
+      </p:sp>
+      <p:sp>
+        <p:nvSpPr>
+          <p:cNvPr id="138" name="PlaceHolder 4"/>
           <p:cNvSpPr>
             <a:spLocks noGrp="1"/>
           </p:cNvSpPr>
@@ -3338,16 +3360,16 @@
         <p:txBody>
           <a:bodyPr lIns="0" rIns="0" tIns="0" bIns="0"/>
           <a:p>
-            <a:endParaRPr b="0" lang="en-US" sz="1800" spc="-1" strike="noStrike">
-              <a:solidFill>
-                <a:srgbClr val="ffffff"/>
-              </a:solidFill>
-              <a:uFill>
-                <a:solidFill>
-                  <a:srgbClr val="ffffff"/>
-                </a:solidFill>
-              </a:uFill>
-              <a:latin typeface="Trebuchet MS"/>
+            <a:endParaRPr b="0" lang="en-US" sz="3200" spc="-1" strike="noStrike">
+              <a:solidFill>
+                <a:srgbClr val="ffffff"/>
+              </a:solidFill>
+              <a:uFill>
+                <a:solidFill>
+                  <a:srgbClr val="ffffff"/>
+                </a:solidFill>
+              </a:uFill>
+              <a:latin typeface="Arial"/>
             </a:endParaRPr>
           </a:p>
         </p:txBody>
@@ -3376,7 +3398,7 @@
       </p:grpSpPr>
       <p:sp>
         <p:nvSpPr>
-          <p:cNvPr id="148" name="PlaceHolder 1"/>
+          <p:cNvPr id="139" name="PlaceHolder 1"/>
           <p:cNvSpPr>
             <a:spLocks noGrp="1"/>
           </p:cNvSpPr>
@@ -3387,7 +3409,7 @@
         <p:spPr>
           <a:xfrm>
             <a:off x="677160" y="609480"/>
-            <a:ext cx="8596440" cy="1320480"/>
+            <a:ext cx="8596080" cy="1320120"/>
           </a:xfrm>
           <a:prstGeom prst="rect">
             <a:avLst/>
@@ -3396,23 +3418,24 @@
         <p:txBody>
           <a:bodyPr lIns="0" rIns="0" tIns="0" bIns="0" anchor="ctr"/>
           <a:p>
-            <a:endParaRPr b="0" lang="en-US" sz="1800" spc="-1" strike="noStrike">
-              <a:solidFill>
-                <a:srgbClr val="ffffff"/>
-              </a:solidFill>
-              <a:uFill>
-                <a:solidFill>
-                  <a:srgbClr val="ffffff"/>
-                </a:solidFill>
-              </a:uFill>
-              <a:latin typeface="Trebuchet MS"/>
-            </a:endParaRPr>
-          </a:p>
-        </p:txBody>
-      </p:sp>
-      <p:sp>
-        <p:nvSpPr>
-          <p:cNvPr id="149" name="PlaceHolder 2"/>
+            <a:pPr algn="ctr"/>
+            <a:endParaRPr b="0" lang="en-US" sz="4400" spc="-1" strike="noStrike">
+              <a:solidFill>
+                <a:srgbClr val="ffffff"/>
+              </a:solidFill>
+              <a:uFill>
+                <a:solidFill>
+                  <a:srgbClr val="ffffff"/>
+                </a:solidFill>
+              </a:uFill>
+              <a:latin typeface="Arial"/>
+            </a:endParaRPr>
+          </a:p>
+        </p:txBody>
+      </p:sp>
+      <p:sp>
+        <p:nvSpPr>
+          <p:cNvPr id="140" name="PlaceHolder 2"/>
           <p:cNvSpPr>
             <a:spLocks noGrp="1"/>
           </p:cNvSpPr>
@@ -3432,23 +3455,23 @@
         <p:txBody>
           <a:bodyPr lIns="0" rIns="0" tIns="0" bIns="0"/>
           <a:p>
-            <a:endParaRPr b="0" lang="en-US" sz="1800" spc="-1" strike="noStrike">
-              <a:solidFill>
-                <a:srgbClr val="ffffff"/>
-              </a:solidFill>
-              <a:uFill>
-                <a:solidFill>
-                  <a:srgbClr val="ffffff"/>
-                </a:solidFill>
-              </a:uFill>
-              <a:latin typeface="Trebuchet MS"/>
-            </a:endParaRPr>
-          </a:p>
-        </p:txBody>
-      </p:sp>
-      <p:sp>
-        <p:nvSpPr>
-          <p:cNvPr id="150" name="PlaceHolder 3"/>
+            <a:endParaRPr b="0" lang="en-US" sz="3200" spc="-1" strike="noStrike">
+              <a:solidFill>
+                <a:srgbClr val="ffffff"/>
+              </a:solidFill>
+              <a:uFill>
+                <a:solidFill>
+                  <a:srgbClr val="ffffff"/>
+                </a:solidFill>
+              </a:uFill>
+              <a:latin typeface="Arial"/>
+            </a:endParaRPr>
+          </a:p>
+        </p:txBody>
+      </p:sp>
+      <p:sp>
+        <p:nvSpPr>
+          <p:cNvPr id="141" name="PlaceHolder 3"/>
           <p:cNvSpPr>
             <a:spLocks noGrp="1"/>
           </p:cNvSpPr>
@@ -3468,16 +3491,16 @@
         <p:txBody>
           <a:bodyPr lIns="0" rIns="0" tIns="0" bIns="0"/>
           <a:p>
-            <a:endParaRPr b="0" lang="en-US" sz="1800" spc="-1" strike="noStrike">
-              <a:solidFill>
-                <a:srgbClr val="ffffff"/>
-              </a:solidFill>
-              <a:uFill>
-                <a:solidFill>
-                  <a:srgbClr val="ffffff"/>
-                </a:solidFill>
-              </a:uFill>
-              <a:latin typeface="Trebuchet MS"/>
+            <a:endParaRPr b="0" lang="en-US" sz="3200" spc="-1" strike="noStrike">
+              <a:solidFill>
+                <a:srgbClr val="ffffff"/>
+              </a:solidFill>
+              <a:uFill>
+                <a:solidFill>
+                  <a:srgbClr val="ffffff"/>
+                </a:solidFill>
+              </a:uFill>
+              <a:latin typeface="Arial"/>
             </a:endParaRPr>
           </a:p>
         </p:txBody>
@@ -3506,7 +3529,7 @@
       </p:grpSpPr>
       <p:sp>
         <p:nvSpPr>
-          <p:cNvPr id="151" name="PlaceHolder 1"/>
+          <p:cNvPr id="142" name="PlaceHolder 1"/>
           <p:cNvSpPr>
             <a:spLocks noGrp="1"/>
           </p:cNvSpPr>
@@ -3517,7 +3540,7 @@
         <p:spPr>
           <a:xfrm>
             <a:off x="677160" y="609480"/>
-            <a:ext cx="8596440" cy="1320480"/>
+            <a:ext cx="8596080" cy="1320120"/>
           </a:xfrm>
           <a:prstGeom prst="rect">
             <a:avLst/>
@@ -3526,23 +3549,24 @@
         <p:txBody>
           <a:bodyPr lIns="0" rIns="0" tIns="0" bIns="0" anchor="ctr"/>
           <a:p>
-            <a:endParaRPr b="0" lang="en-US" sz="1800" spc="-1" strike="noStrike">
-              <a:solidFill>
-                <a:srgbClr val="ffffff"/>
-              </a:solidFill>
-              <a:uFill>
-                <a:solidFill>
-                  <a:srgbClr val="ffffff"/>
-                </a:solidFill>
-              </a:uFill>
-              <a:latin typeface="Trebuchet MS"/>
-            </a:endParaRPr>
-          </a:p>
-        </p:txBody>
-      </p:sp>
-      <p:sp>
-        <p:nvSpPr>
-          <p:cNvPr id="152" name="PlaceHolder 2"/>
+            <a:pPr algn="ctr"/>
+            <a:endParaRPr b="0" lang="en-US" sz="4400" spc="-1" strike="noStrike">
+              <a:solidFill>
+                <a:srgbClr val="ffffff"/>
+              </a:solidFill>
+              <a:uFill>
+                <a:solidFill>
+                  <a:srgbClr val="ffffff"/>
+                </a:solidFill>
+              </a:uFill>
+              <a:latin typeface="Arial"/>
+            </a:endParaRPr>
+          </a:p>
+        </p:txBody>
+      </p:sp>
+      <p:sp>
+        <p:nvSpPr>
+          <p:cNvPr id="143" name="PlaceHolder 2"/>
           <p:cNvSpPr>
             <a:spLocks noGrp="1"/>
           </p:cNvSpPr>
@@ -3562,23 +3586,23 @@
         <p:txBody>
           <a:bodyPr lIns="0" rIns="0" tIns="0" bIns="0"/>
           <a:p>
-            <a:endParaRPr b="0" lang="en-US" sz="1800" spc="-1" strike="noStrike">
-              <a:solidFill>
-                <a:srgbClr val="ffffff"/>
-              </a:solidFill>
-              <a:uFill>
-                <a:solidFill>
-                  <a:srgbClr val="ffffff"/>
-                </a:solidFill>
-              </a:uFill>
-              <a:latin typeface="Trebuchet MS"/>
-            </a:endParaRPr>
-          </a:p>
-        </p:txBody>
-      </p:sp>
-      <p:sp>
-        <p:nvSpPr>
-          <p:cNvPr id="153" name="PlaceHolder 3"/>
+            <a:endParaRPr b="0" lang="en-US" sz="3200" spc="-1" strike="noStrike">
+              <a:solidFill>
+                <a:srgbClr val="ffffff"/>
+              </a:solidFill>
+              <a:uFill>
+                <a:solidFill>
+                  <a:srgbClr val="ffffff"/>
+                </a:solidFill>
+              </a:uFill>
+              <a:latin typeface="Arial"/>
+            </a:endParaRPr>
+          </a:p>
+        </p:txBody>
+      </p:sp>
+      <p:sp>
+        <p:nvSpPr>
+          <p:cNvPr id="144" name="PlaceHolder 3"/>
           <p:cNvSpPr>
             <a:spLocks noGrp="1"/>
           </p:cNvSpPr>
@@ -3598,23 +3622,23 @@
         <p:txBody>
           <a:bodyPr lIns="0" rIns="0" tIns="0" bIns="0"/>
           <a:p>
-            <a:endParaRPr b="0" lang="en-US" sz="1800" spc="-1" strike="noStrike">
-              <a:solidFill>
-                <a:srgbClr val="ffffff"/>
-              </a:solidFill>
-              <a:uFill>
-                <a:solidFill>
-                  <a:srgbClr val="ffffff"/>
-                </a:solidFill>
-              </a:uFill>
-              <a:latin typeface="Trebuchet MS"/>
-            </a:endParaRPr>
-          </a:p>
-        </p:txBody>
-      </p:sp>
-      <p:sp>
-        <p:nvSpPr>
-          <p:cNvPr id="154" name="PlaceHolder 4"/>
+            <a:endParaRPr b="0" lang="en-US" sz="3200" spc="-1" strike="noStrike">
+              <a:solidFill>
+                <a:srgbClr val="ffffff"/>
+              </a:solidFill>
+              <a:uFill>
+                <a:solidFill>
+                  <a:srgbClr val="ffffff"/>
+                </a:solidFill>
+              </a:uFill>
+              <a:latin typeface="Arial"/>
+            </a:endParaRPr>
+          </a:p>
+        </p:txBody>
+      </p:sp>
+      <p:sp>
+        <p:nvSpPr>
+          <p:cNvPr id="145" name="PlaceHolder 4"/>
           <p:cNvSpPr>
             <a:spLocks noGrp="1"/>
           </p:cNvSpPr>
@@ -3634,23 +3658,23 @@
         <p:txBody>
           <a:bodyPr lIns="0" rIns="0" tIns="0" bIns="0"/>
           <a:p>
-            <a:endParaRPr b="0" lang="en-US" sz="1800" spc="-1" strike="noStrike">
-              <a:solidFill>
-                <a:srgbClr val="ffffff"/>
-              </a:solidFill>
-              <a:uFill>
-                <a:solidFill>
-                  <a:srgbClr val="ffffff"/>
-                </a:solidFill>
-              </a:uFill>
-              <a:latin typeface="Trebuchet MS"/>
-            </a:endParaRPr>
-          </a:p>
-        </p:txBody>
-      </p:sp>
-      <p:sp>
-        <p:nvSpPr>
-          <p:cNvPr id="155" name="PlaceHolder 5"/>
+            <a:endParaRPr b="0" lang="en-US" sz="3200" spc="-1" strike="noStrike">
+              <a:solidFill>
+                <a:srgbClr val="ffffff"/>
+              </a:solidFill>
+              <a:uFill>
+                <a:solidFill>
+                  <a:srgbClr val="ffffff"/>
+                </a:solidFill>
+              </a:uFill>
+              <a:latin typeface="Arial"/>
+            </a:endParaRPr>
+          </a:p>
+        </p:txBody>
+      </p:sp>
+      <p:sp>
+        <p:nvSpPr>
+          <p:cNvPr id="146" name="PlaceHolder 5"/>
           <p:cNvSpPr>
             <a:spLocks noGrp="1"/>
           </p:cNvSpPr>
@@ -3670,16 +3694,16 @@
         <p:txBody>
           <a:bodyPr lIns="0" rIns="0" tIns="0" bIns="0"/>
           <a:p>
-            <a:endParaRPr b="0" lang="en-US" sz="1800" spc="-1" strike="noStrike">
-              <a:solidFill>
-                <a:srgbClr val="ffffff"/>
-              </a:solidFill>
-              <a:uFill>
-                <a:solidFill>
-                  <a:srgbClr val="ffffff"/>
-                </a:solidFill>
-              </a:uFill>
-              <a:latin typeface="Trebuchet MS"/>
+            <a:endParaRPr b="0" lang="en-US" sz="3200" spc="-1" strike="noStrike">
+              <a:solidFill>
+                <a:srgbClr val="ffffff"/>
+              </a:solidFill>
+              <a:uFill>
+                <a:solidFill>
+                  <a:srgbClr val="ffffff"/>
+                </a:solidFill>
+              </a:uFill>
+              <a:latin typeface="Arial"/>
             </a:endParaRPr>
           </a:p>
         </p:txBody>
@@ -3708,7 +3732,7 @@
       </p:grpSpPr>
       <p:sp>
         <p:nvSpPr>
-          <p:cNvPr id="156" name="PlaceHolder 1"/>
+          <p:cNvPr id="147" name="PlaceHolder 1"/>
           <p:cNvSpPr>
             <a:spLocks noGrp="1"/>
           </p:cNvSpPr>
@@ -3719,7 +3743,7 @@
         <p:spPr>
           <a:xfrm>
             <a:off x="677160" y="609480"/>
-            <a:ext cx="8596440" cy="1320480"/>
+            <a:ext cx="8596080" cy="1320120"/>
           </a:xfrm>
           <a:prstGeom prst="rect">
             <a:avLst/>
@@ -3728,23 +3752,24 @@
         <p:txBody>
           <a:bodyPr lIns="0" rIns="0" tIns="0" bIns="0" anchor="ctr"/>
           <a:p>
-            <a:endParaRPr b="0" lang="en-US" sz="1800" spc="-1" strike="noStrike">
-              <a:solidFill>
-                <a:srgbClr val="ffffff"/>
-              </a:solidFill>
-              <a:uFill>
-                <a:solidFill>
-                  <a:srgbClr val="ffffff"/>
-                </a:solidFill>
-              </a:uFill>
-              <a:latin typeface="Trebuchet MS"/>
-            </a:endParaRPr>
-          </a:p>
-        </p:txBody>
-      </p:sp>
-      <p:sp>
-        <p:nvSpPr>
-          <p:cNvPr id="157" name="PlaceHolder 2"/>
+            <a:pPr algn="ctr"/>
+            <a:endParaRPr b="0" lang="en-US" sz="4400" spc="-1" strike="noStrike">
+              <a:solidFill>
+                <a:srgbClr val="ffffff"/>
+              </a:solidFill>
+              <a:uFill>
+                <a:solidFill>
+                  <a:srgbClr val="ffffff"/>
+                </a:solidFill>
+              </a:uFill>
+              <a:latin typeface="Arial"/>
+            </a:endParaRPr>
+          </a:p>
+        </p:txBody>
+      </p:sp>
+      <p:sp>
+        <p:nvSpPr>
+          <p:cNvPr id="148" name="PlaceHolder 2"/>
           <p:cNvSpPr>
             <a:spLocks noGrp="1"/>
           </p:cNvSpPr>
@@ -3764,23 +3789,23 @@
         <p:txBody>
           <a:bodyPr lIns="0" rIns="0" tIns="0" bIns="0"/>
           <a:p>
-            <a:endParaRPr b="0" lang="en-US" sz="1800" spc="-1" strike="noStrike">
-              <a:solidFill>
-                <a:srgbClr val="ffffff"/>
-              </a:solidFill>
-              <a:uFill>
-                <a:solidFill>
-                  <a:srgbClr val="ffffff"/>
-                </a:solidFill>
-              </a:uFill>
-              <a:latin typeface="Trebuchet MS"/>
-            </a:endParaRPr>
-          </a:p>
-        </p:txBody>
-      </p:sp>
-      <p:sp>
-        <p:nvSpPr>
-          <p:cNvPr id="158" name="PlaceHolder 3"/>
+            <a:endParaRPr b="0" lang="en-US" sz="3200" spc="-1" strike="noStrike">
+              <a:solidFill>
+                <a:srgbClr val="ffffff"/>
+              </a:solidFill>
+              <a:uFill>
+                <a:solidFill>
+                  <a:srgbClr val="ffffff"/>
+                </a:solidFill>
+              </a:uFill>
+              <a:latin typeface="Arial"/>
+            </a:endParaRPr>
+          </a:p>
+        </p:txBody>
+      </p:sp>
+      <p:sp>
+        <p:nvSpPr>
+          <p:cNvPr id="149" name="PlaceHolder 3"/>
           <p:cNvSpPr>
             <a:spLocks noGrp="1"/>
           </p:cNvSpPr>
@@ -3800,23 +3825,23 @@
         <p:txBody>
           <a:bodyPr lIns="0" rIns="0" tIns="0" bIns="0"/>
           <a:p>
-            <a:endParaRPr b="0" lang="en-US" sz="1800" spc="-1" strike="noStrike">
-              <a:solidFill>
-                <a:srgbClr val="ffffff"/>
-              </a:solidFill>
-              <a:uFill>
-                <a:solidFill>
-                  <a:srgbClr val="ffffff"/>
-                </a:solidFill>
-              </a:uFill>
-              <a:latin typeface="Trebuchet MS"/>
-            </a:endParaRPr>
-          </a:p>
-        </p:txBody>
-      </p:sp>
-      <p:sp>
-        <p:nvSpPr>
-          <p:cNvPr id="159" name="PlaceHolder 4"/>
+            <a:endParaRPr b="0" lang="en-US" sz="3200" spc="-1" strike="noStrike">
+              <a:solidFill>
+                <a:srgbClr val="ffffff"/>
+              </a:solidFill>
+              <a:uFill>
+                <a:solidFill>
+                  <a:srgbClr val="ffffff"/>
+                </a:solidFill>
+              </a:uFill>
+              <a:latin typeface="Arial"/>
+            </a:endParaRPr>
+          </a:p>
+        </p:txBody>
+      </p:sp>
+      <p:sp>
+        <p:nvSpPr>
+          <p:cNvPr id="150" name="PlaceHolder 4"/>
           <p:cNvSpPr>
             <a:spLocks noGrp="1"/>
           </p:cNvSpPr>
@@ -3836,23 +3861,23 @@
         <p:txBody>
           <a:bodyPr lIns="0" rIns="0" tIns="0" bIns="0"/>
           <a:p>
-            <a:endParaRPr b="0" lang="en-US" sz="1800" spc="-1" strike="noStrike">
-              <a:solidFill>
-                <a:srgbClr val="ffffff"/>
-              </a:solidFill>
-              <a:uFill>
-                <a:solidFill>
-                  <a:srgbClr val="ffffff"/>
-                </a:solidFill>
-              </a:uFill>
-              <a:latin typeface="Trebuchet MS"/>
-            </a:endParaRPr>
-          </a:p>
-        </p:txBody>
-      </p:sp>
-      <p:sp>
-        <p:nvSpPr>
-          <p:cNvPr id="160" name="PlaceHolder 5"/>
+            <a:endParaRPr b="0" lang="en-US" sz="3200" spc="-1" strike="noStrike">
+              <a:solidFill>
+                <a:srgbClr val="ffffff"/>
+              </a:solidFill>
+              <a:uFill>
+                <a:solidFill>
+                  <a:srgbClr val="ffffff"/>
+                </a:solidFill>
+              </a:uFill>
+              <a:latin typeface="Arial"/>
+            </a:endParaRPr>
+          </a:p>
+        </p:txBody>
+      </p:sp>
+      <p:sp>
+        <p:nvSpPr>
+          <p:cNvPr id="151" name="PlaceHolder 5"/>
           <p:cNvSpPr>
             <a:spLocks noGrp="1"/>
           </p:cNvSpPr>
@@ -3872,23 +3897,23 @@
         <p:txBody>
           <a:bodyPr lIns="0" rIns="0" tIns="0" bIns="0"/>
           <a:p>
-            <a:endParaRPr b="0" lang="en-US" sz="1800" spc="-1" strike="noStrike">
-              <a:solidFill>
-                <a:srgbClr val="ffffff"/>
-              </a:solidFill>
-              <a:uFill>
-                <a:solidFill>
-                  <a:srgbClr val="ffffff"/>
-                </a:solidFill>
-              </a:uFill>
-              <a:latin typeface="Trebuchet MS"/>
-            </a:endParaRPr>
-          </a:p>
-        </p:txBody>
-      </p:sp>
-      <p:sp>
-        <p:nvSpPr>
-          <p:cNvPr id="161" name="PlaceHolder 6"/>
+            <a:endParaRPr b="0" lang="en-US" sz="3200" spc="-1" strike="noStrike">
+              <a:solidFill>
+                <a:srgbClr val="ffffff"/>
+              </a:solidFill>
+              <a:uFill>
+                <a:solidFill>
+                  <a:srgbClr val="ffffff"/>
+                </a:solidFill>
+              </a:uFill>
+              <a:latin typeface="Arial"/>
+            </a:endParaRPr>
+          </a:p>
+        </p:txBody>
+      </p:sp>
+      <p:sp>
+        <p:nvSpPr>
+          <p:cNvPr id="152" name="PlaceHolder 6"/>
           <p:cNvSpPr>
             <a:spLocks noGrp="1"/>
           </p:cNvSpPr>
@@ -3908,23 +3933,23 @@
         <p:txBody>
           <a:bodyPr lIns="0" rIns="0" tIns="0" bIns="0"/>
           <a:p>
-            <a:endParaRPr b="0" lang="en-US" sz="1800" spc="-1" strike="noStrike">
-              <a:solidFill>
-                <a:srgbClr val="ffffff"/>
-              </a:solidFill>
-              <a:uFill>
-                <a:solidFill>
-                  <a:srgbClr val="ffffff"/>
-                </a:solidFill>
-              </a:uFill>
-              <a:latin typeface="Trebuchet MS"/>
-            </a:endParaRPr>
-          </a:p>
-        </p:txBody>
-      </p:sp>
-      <p:sp>
-        <p:nvSpPr>
-          <p:cNvPr id="162" name="PlaceHolder 7"/>
+            <a:endParaRPr b="0" lang="en-US" sz="3200" spc="-1" strike="noStrike">
+              <a:solidFill>
+                <a:srgbClr val="ffffff"/>
+              </a:solidFill>
+              <a:uFill>
+                <a:solidFill>
+                  <a:srgbClr val="ffffff"/>
+                </a:solidFill>
+              </a:uFill>
+              <a:latin typeface="Arial"/>
+            </a:endParaRPr>
+          </a:p>
+        </p:txBody>
+      </p:sp>
+      <p:sp>
+        <p:nvSpPr>
+          <p:cNvPr id="153" name="PlaceHolder 7"/>
           <p:cNvSpPr>
             <a:spLocks noGrp="1"/>
           </p:cNvSpPr>
@@ -3944,16 +3969,16 @@
         <p:txBody>
           <a:bodyPr lIns="0" rIns="0" tIns="0" bIns="0"/>
           <a:p>
-            <a:endParaRPr b="0" lang="en-US" sz="1800" spc="-1" strike="noStrike">
-              <a:solidFill>
-                <a:srgbClr val="ffffff"/>
-              </a:solidFill>
-              <a:uFill>
-                <a:solidFill>
-                  <a:srgbClr val="ffffff"/>
-                </a:solidFill>
-              </a:uFill>
-              <a:latin typeface="Trebuchet MS"/>
+            <a:endParaRPr b="0" lang="en-US" sz="3200" spc="-1" strike="noStrike">
+              <a:solidFill>
+                <a:srgbClr val="ffffff"/>
+              </a:solidFill>
+              <a:uFill>
+                <a:solidFill>
+                  <a:srgbClr val="ffffff"/>
+                </a:solidFill>
+              </a:uFill>
+              <a:latin typeface="Arial"/>
             </a:endParaRPr>
           </a:p>
         </p:txBody>
@@ -3982,7 +4007,7 @@
       </p:grpSpPr>
       <p:sp>
         <p:nvSpPr>
-          <p:cNvPr id="19" name="PlaceHolder 1"/>
+          <p:cNvPr id="16" name="PlaceHolder 1"/>
           <p:cNvSpPr>
             <a:spLocks noGrp="1"/>
           </p:cNvSpPr>
@@ -3993,7 +4018,7 @@
         <p:spPr>
           <a:xfrm>
             <a:off x="677160" y="609480"/>
-            <a:ext cx="8596440" cy="1320480"/>
+            <a:ext cx="8596080" cy="1320120"/>
           </a:xfrm>
           <a:prstGeom prst="rect">
             <a:avLst/>
@@ -4002,23 +4027,24 @@
         <p:txBody>
           <a:bodyPr lIns="0" rIns="0" tIns="0" bIns="0" anchor="ctr"/>
           <a:p>
-            <a:endParaRPr b="0" lang="en-US" sz="1800" spc="-1" strike="noStrike">
-              <a:solidFill>
-                <a:srgbClr val="ffffff"/>
-              </a:solidFill>
-              <a:uFill>
-                <a:solidFill>
-                  <a:srgbClr val="ffffff"/>
-                </a:solidFill>
-              </a:uFill>
-              <a:latin typeface="Trebuchet MS"/>
-            </a:endParaRPr>
-          </a:p>
-        </p:txBody>
-      </p:sp>
-      <p:sp>
-        <p:nvSpPr>
-          <p:cNvPr id="20" name="PlaceHolder 2"/>
+            <a:pPr algn="ctr"/>
+            <a:endParaRPr b="0" lang="en-US" sz="4400" spc="-1" strike="noStrike">
+              <a:solidFill>
+                <a:srgbClr val="ffffff"/>
+              </a:solidFill>
+              <a:uFill>
+                <a:solidFill>
+                  <a:srgbClr val="ffffff"/>
+                </a:solidFill>
+              </a:uFill>
+              <a:latin typeface="Arial"/>
+            </a:endParaRPr>
+          </a:p>
+        </p:txBody>
+      </p:sp>
+      <p:sp>
+        <p:nvSpPr>
+          <p:cNvPr id="17" name="PlaceHolder 2"/>
           <p:cNvSpPr>
             <a:spLocks noGrp="1"/>
           </p:cNvSpPr>
@@ -4038,23 +4064,23 @@
         <p:txBody>
           <a:bodyPr lIns="0" rIns="0" tIns="0" bIns="0"/>
           <a:p>
-            <a:endParaRPr b="0" lang="en-US" sz="1800" spc="-1" strike="noStrike">
-              <a:solidFill>
-                <a:srgbClr val="ffffff"/>
-              </a:solidFill>
-              <a:uFill>
-                <a:solidFill>
-                  <a:srgbClr val="ffffff"/>
-                </a:solidFill>
-              </a:uFill>
-              <a:latin typeface="Trebuchet MS"/>
-            </a:endParaRPr>
-          </a:p>
-        </p:txBody>
-      </p:sp>
-      <p:sp>
-        <p:nvSpPr>
-          <p:cNvPr id="21" name="PlaceHolder 3"/>
+            <a:endParaRPr b="0" lang="en-US" sz="3200" spc="-1" strike="noStrike">
+              <a:solidFill>
+                <a:srgbClr val="ffffff"/>
+              </a:solidFill>
+              <a:uFill>
+                <a:solidFill>
+                  <a:srgbClr val="ffffff"/>
+                </a:solidFill>
+              </a:uFill>
+              <a:latin typeface="Arial"/>
+            </a:endParaRPr>
+          </a:p>
+        </p:txBody>
+      </p:sp>
+      <p:sp>
+        <p:nvSpPr>
+          <p:cNvPr id="18" name="PlaceHolder 3"/>
           <p:cNvSpPr>
             <a:spLocks noGrp="1"/>
           </p:cNvSpPr>
@@ -4074,16 +4100,16 @@
         <p:txBody>
           <a:bodyPr lIns="0" rIns="0" tIns="0" bIns="0"/>
           <a:p>
-            <a:endParaRPr b="0" lang="en-US" sz="1800" spc="-1" strike="noStrike">
-              <a:solidFill>
-                <a:srgbClr val="ffffff"/>
-              </a:solidFill>
-              <a:uFill>
-                <a:solidFill>
-                  <a:srgbClr val="ffffff"/>
-                </a:solidFill>
-              </a:uFill>
-              <a:latin typeface="Trebuchet MS"/>
+            <a:endParaRPr b="0" lang="en-US" sz="3200" spc="-1" strike="noStrike">
+              <a:solidFill>
+                <a:srgbClr val="ffffff"/>
+              </a:solidFill>
+              <a:uFill>
+                <a:solidFill>
+                  <a:srgbClr val="ffffff"/>
+                </a:solidFill>
+              </a:uFill>
+              <a:latin typeface="Arial"/>
             </a:endParaRPr>
           </a:p>
         </p:txBody>
@@ -4112,7 +4138,7 @@
       </p:grpSpPr>
       <p:sp>
         <p:nvSpPr>
-          <p:cNvPr id="22" name="PlaceHolder 1"/>
+          <p:cNvPr id="19" name="PlaceHolder 1"/>
           <p:cNvSpPr>
             <a:spLocks noGrp="1"/>
           </p:cNvSpPr>
@@ -4123,7 +4149,7 @@
         <p:spPr>
           <a:xfrm>
             <a:off x="677160" y="609480"/>
-            <a:ext cx="8596440" cy="1320480"/>
+            <a:ext cx="8596080" cy="1320120"/>
           </a:xfrm>
           <a:prstGeom prst="rect">
             <a:avLst/>
@@ -4132,16 +4158,17 @@
         <p:txBody>
           <a:bodyPr lIns="0" rIns="0" tIns="0" bIns="0" anchor="ctr"/>
           <a:p>
-            <a:endParaRPr b="0" lang="en-US" sz="1800" spc="-1" strike="noStrike">
-              <a:solidFill>
-                <a:srgbClr val="ffffff"/>
-              </a:solidFill>
-              <a:uFill>
-                <a:solidFill>
-                  <a:srgbClr val="ffffff"/>
-                </a:solidFill>
-              </a:uFill>
-              <a:latin typeface="Trebuchet MS"/>
+            <a:pPr algn="ctr"/>
+            <a:endParaRPr b="0" lang="en-US" sz="4400" spc="-1" strike="noStrike">
+              <a:solidFill>
+                <a:srgbClr val="ffffff"/>
+              </a:solidFill>
+              <a:uFill>
+                <a:solidFill>
+                  <a:srgbClr val="ffffff"/>
+                </a:solidFill>
+              </a:uFill>
+              <a:latin typeface="Arial"/>
             </a:endParaRPr>
           </a:p>
         </p:txBody>
@@ -4170,7 +4197,7 @@
       </p:grpSpPr>
       <p:sp>
         <p:nvSpPr>
-          <p:cNvPr id="23" name="PlaceHolder 1"/>
+          <p:cNvPr id="20" name="PlaceHolder 1"/>
           <p:cNvSpPr>
             <a:spLocks noGrp="1"/>
           </p:cNvSpPr>
@@ -4181,7 +4208,7 @@
         <p:spPr>
           <a:xfrm>
             <a:off x="677160" y="609480"/>
-            <a:ext cx="8596440" cy="6122160"/>
+            <a:ext cx="8596080" cy="6120720"/>
           </a:xfrm>
           <a:prstGeom prst="rect">
             <a:avLst/>
@@ -4229,7 +4256,7 @@
       </p:grpSpPr>
       <p:sp>
         <p:nvSpPr>
-          <p:cNvPr id="24" name="PlaceHolder 1"/>
+          <p:cNvPr id="21" name="PlaceHolder 1"/>
           <p:cNvSpPr>
             <a:spLocks noGrp="1"/>
           </p:cNvSpPr>
@@ -4240,7 +4267,7 @@
         <p:spPr>
           <a:xfrm>
             <a:off x="677160" y="609480"/>
-            <a:ext cx="8596440" cy="1320480"/>
+            <a:ext cx="8596080" cy="1320120"/>
           </a:xfrm>
           <a:prstGeom prst="rect">
             <a:avLst/>
@@ -4249,23 +4276,24 @@
         <p:txBody>
           <a:bodyPr lIns="0" rIns="0" tIns="0" bIns="0" anchor="ctr"/>
           <a:p>
-            <a:endParaRPr b="0" lang="en-US" sz="1800" spc="-1" strike="noStrike">
-              <a:solidFill>
-                <a:srgbClr val="ffffff"/>
-              </a:solidFill>
-              <a:uFill>
-                <a:solidFill>
-                  <a:srgbClr val="ffffff"/>
-                </a:solidFill>
-              </a:uFill>
-              <a:latin typeface="Trebuchet MS"/>
-            </a:endParaRPr>
-          </a:p>
-        </p:txBody>
-      </p:sp>
-      <p:sp>
-        <p:nvSpPr>
-          <p:cNvPr id="25" name="PlaceHolder 2"/>
+            <a:pPr algn="ctr"/>
+            <a:endParaRPr b="0" lang="en-US" sz="4400" spc="-1" strike="noStrike">
+              <a:solidFill>
+                <a:srgbClr val="ffffff"/>
+              </a:solidFill>
+              <a:uFill>
+                <a:solidFill>
+                  <a:srgbClr val="ffffff"/>
+                </a:solidFill>
+              </a:uFill>
+              <a:latin typeface="Arial"/>
+            </a:endParaRPr>
+          </a:p>
+        </p:txBody>
+      </p:sp>
+      <p:sp>
+        <p:nvSpPr>
+          <p:cNvPr id="22" name="PlaceHolder 2"/>
           <p:cNvSpPr>
             <a:spLocks noGrp="1"/>
           </p:cNvSpPr>
@@ -4285,23 +4313,23 @@
         <p:txBody>
           <a:bodyPr lIns="0" rIns="0" tIns="0" bIns="0"/>
           <a:p>
-            <a:endParaRPr b="0" lang="en-US" sz="1800" spc="-1" strike="noStrike">
-              <a:solidFill>
-                <a:srgbClr val="ffffff"/>
-              </a:solidFill>
-              <a:uFill>
-                <a:solidFill>
-                  <a:srgbClr val="ffffff"/>
-                </a:solidFill>
-              </a:uFill>
-              <a:latin typeface="Trebuchet MS"/>
-            </a:endParaRPr>
-          </a:p>
-        </p:txBody>
-      </p:sp>
-      <p:sp>
-        <p:nvSpPr>
-          <p:cNvPr id="26" name="PlaceHolder 3"/>
+            <a:endParaRPr b="0" lang="en-US" sz="3200" spc="-1" strike="noStrike">
+              <a:solidFill>
+                <a:srgbClr val="ffffff"/>
+              </a:solidFill>
+              <a:uFill>
+                <a:solidFill>
+                  <a:srgbClr val="ffffff"/>
+                </a:solidFill>
+              </a:uFill>
+              <a:latin typeface="Arial"/>
+            </a:endParaRPr>
+          </a:p>
+        </p:txBody>
+      </p:sp>
+      <p:sp>
+        <p:nvSpPr>
+          <p:cNvPr id="23" name="PlaceHolder 3"/>
           <p:cNvSpPr>
             <a:spLocks noGrp="1"/>
           </p:cNvSpPr>
@@ -4321,23 +4349,23 @@
         <p:txBody>
           <a:bodyPr lIns="0" rIns="0" tIns="0" bIns="0"/>
           <a:p>
-            <a:endParaRPr b="0" lang="en-US" sz="1800" spc="-1" strike="noStrike">
-              <a:solidFill>
-                <a:srgbClr val="ffffff"/>
-              </a:solidFill>
-              <a:uFill>
-                <a:solidFill>
-                  <a:srgbClr val="ffffff"/>
-                </a:solidFill>
-              </a:uFill>
-              <a:latin typeface="Trebuchet MS"/>
-            </a:endParaRPr>
-          </a:p>
-        </p:txBody>
-      </p:sp>
-      <p:sp>
-        <p:nvSpPr>
-          <p:cNvPr id="27" name="PlaceHolder 4"/>
+            <a:endParaRPr b="0" lang="en-US" sz="3200" spc="-1" strike="noStrike">
+              <a:solidFill>
+                <a:srgbClr val="ffffff"/>
+              </a:solidFill>
+              <a:uFill>
+                <a:solidFill>
+                  <a:srgbClr val="ffffff"/>
+                </a:solidFill>
+              </a:uFill>
+              <a:latin typeface="Arial"/>
+            </a:endParaRPr>
+          </a:p>
+        </p:txBody>
+      </p:sp>
+      <p:sp>
+        <p:nvSpPr>
+          <p:cNvPr id="24" name="PlaceHolder 4"/>
           <p:cNvSpPr>
             <a:spLocks noGrp="1"/>
           </p:cNvSpPr>
@@ -4357,16 +4385,16 @@
         <p:txBody>
           <a:bodyPr lIns="0" rIns="0" tIns="0" bIns="0"/>
           <a:p>
-            <a:endParaRPr b="0" lang="en-US" sz="1800" spc="-1" strike="noStrike">
-              <a:solidFill>
-                <a:srgbClr val="ffffff"/>
-              </a:solidFill>
-              <a:uFill>
-                <a:solidFill>
-                  <a:srgbClr val="ffffff"/>
-                </a:solidFill>
-              </a:uFill>
-              <a:latin typeface="Trebuchet MS"/>
+            <a:endParaRPr b="0" lang="en-US" sz="3200" spc="-1" strike="noStrike">
+              <a:solidFill>
+                <a:srgbClr val="ffffff"/>
+              </a:solidFill>
+              <a:uFill>
+                <a:solidFill>
+                  <a:srgbClr val="ffffff"/>
+                </a:solidFill>
+              </a:uFill>
+              <a:latin typeface="Arial"/>
             </a:endParaRPr>
           </a:p>
         </p:txBody>
@@ -4395,7 +4423,7 @@
       </p:grpSpPr>
       <p:sp>
         <p:nvSpPr>
-          <p:cNvPr id="28" name="PlaceHolder 1"/>
+          <p:cNvPr id="25" name="PlaceHolder 1"/>
           <p:cNvSpPr>
             <a:spLocks noGrp="1"/>
           </p:cNvSpPr>
@@ -4406,7 +4434,7 @@
         <p:spPr>
           <a:xfrm>
             <a:off x="677160" y="609480"/>
-            <a:ext cx="8596440" cy="1320480"/>
+            <a:ext cx="8596080" cy="1320120"/>
           </a:xfrm>
           <a:prstGeom prst="rect">
             <a:avLst/>
@@ -4415,23 +4443,24 @@
         <p:txBody>
           <a:bodyPr lIns="0" rIns="0" tIns="0" bIns="0" anchor="ctr"/>
           <a:p>
-            <a:endParaRPr b="0" lang="en-US" sz="1800" spc="-1" strike="noStrike">
-              <a:solidFill>
-                <a:srgbClr val="ffffff"/>
-              </a:solidFill>
-              <a:uFill>
-                <a:solidFill>
-                  <a:srgbClr val="ffffff"/>
-                </a:solidFill>
-              </a:uFill>
-              <a:latin typeface="Trebuchet MS"/>
-            </a:endParaRPr>
-          </a:p>
-        </p:txBody>
-      </p:sp>
-      <p:sp>
-        <p:nvSpPr>
-          <p:cNvPr id="29" name="PlaceHolder 2"/>
+            <a:pPr algn="ctr"/>
+            <a:endParaRPr b="0" lang="en-US" sz="4400" spc="-1" strike="noStrike">
+              <a:solidFill>
+                <a:srgbClr val="ffffff"/>
+              </a:solidFill>
+              <a:uFill>
+                <a:solidFill>
+                  <a:srgbClr val="ffffff"/>
+                </a:solidFill>
+              </a:uFill>
+              <a:latin typeface="Arial"/>
+            </a:endParaRPr>
+          </a:p>
+        </p:txBody>
+      </p:sp>
+      <p:sp>
+        <p:nvSpPr>
+          <p:cNvPr id="26" name="PlaceHolder 2"/>
           <p:cNvSpPr>
             <a:spLocks noGrp="1"/>
           </p:cNvSpPr>
@@ -4451,23 +4480,23 @@
         <p:txBody>
           <a:bodyPr lIns="0" rIns="0" tIns="0" bIns="0"/>
           <a:p>
-            <a:endParaRPr b="0" lang="en-US" sz="1800" spc="-1" strike="noStrike">
-              <a:solidFill>
-                <a:srgbClr val="ffffff"/>
-              </a:solidFill>
-              <a:uFill>
-                <a:solidFill>
-                  <a:srgbClr val="ffffff"/>
-                </a:solidFill>
-              </a:uFill>
-              <a:latin typeface="Trebuchet MS"/>
-            </a:endParaRPr>
-          </a:p>
-        </p:txBody>
-      </p:sp>
-      <p:sp>
-        <p:nvSpPr>
-          <p:cNvPr id="30" name="PlaceHolder 3"/>
+            <a:endParaRPr b="0" lang="en-US" sz="3200" spc="-1" strike="noStrike">
+              <a:solidFill>
+                <a:srgbClr val="ffffff"/>
+              </a:solidFill>
+              <a:uFill>
+                <a:solidFill>
+                  <a:srgbClr val="ffffff"/>
+                </a:solidFill>
+              </a:uFill>
+              <a:latin typeface="Arial"/>
+            </a:endParaRPr>
+          </a:p>
+        </p:txBody>
+      </p:sp>
+      <p:sp>
+        <p:nvSpPr>
+          <p:cNvPr id="27" name="PlaceHolder 3"/>
           <p:cNvSpPr>
             <a:spLocks noGrp="1"/>
           </p:cNvSpPr>
@@ -4487,23 +4516,23 @@
         <p:txBody>
           <a:bodyPr lIns="0" rIns="0" tIns="0" bIns="0"/>
           <a:p>
-            <a:endParaRPr b="0" lang="en-US" sz="1800" spc="-1" strike="noStrike">
-              <a:solidFill>
-                <a:srgbClr val="ffffff"/>
-              </a:solidFill>
-              <a:uFill>
-                <a:solidFill>
-                  <a:srgbClr val="ffffff"/>
-                </a:solidFill>
-              </a:uFill>
-              <a:latin typeface="Trebuchet MS"/>
-            </a:endParaRPr>
-          </a:p>
-        </p:txBody>
-      </p:sp>
-      <p:sp>
-        <p:nvSpPr>
-          <p:cNvPr id="31" name="PlaceHolder 4"/>
+            <a:endParaRPr b="0" lang="en-US" sz="3200" spc="-1" strike="noStrike">
+              <a:solidFill>
+                <a:srgbClr val="ffffff"/>
+              </a:solidFill>
+              <a:uFill>
+                <a:solidFill>
+                  <a:srgbClr val="ffffff"/>
+                </a:solidFill>
+              </a:uFill>
+              <a:latin typeface="Arial"/>
+            </a:endParaRPr>
+          </a:p>
+        </p:txBody>
+      </p:sp>
+      <p:sp>
+        <p:nvSpPr>
+          <p:cNvPr id="28" name="PlaceHolder 4"/>
           <p:cNvSpPr>
             <a:spLocks noGrp="1"/>
           </p:cNvSpPr>
@@ -4523,16 +4552,16 @@
         <p:txBody>
           <a:bodyPr lIns="0" rIns="0" tIns="0" bIns="0"/>
           <a:p>
-            <a:endParaRPr b="0" lang="en-US" sz="1800" spc="-1" strike="noStrike">
-              <a:solidFill>
-                <a:srgbClr val="ffffff"/>
-              </a:solidFill>
-              <a:uFill>
-                <a:solidFill>
-                  <a:srgbClr val="ffffff"/>
-                </a:solidFill>
-              </a:uFill>
-              <a:latin typeface="Trebuchet MS"/>
+            <a:endParaRPr b="0" lang="en-US" sz="3200" spc="-1" strike="noStrike">
+              <a:solidFill>
+                <a:srgbClr val="ffffff"/>
+              </a:solidFill>
+              <a:uFill>
+                <a:solidFill>
+                  <a:srgbClr val="ffffff"/>
+                </a:solidFill>
+              </a:uFill>
+              <a:latin typeface="Arial"/>
             </a:endParaRPr>
           </a:p>
         </p:txBody>
@@ -4561,7 +4590,7 @@
       </p:grpSpPr>
       <p:sp>
         <p:nvSpPr>
-          <p:cNvPr id="32" name="PlaceHolder 1"/>
+          <p:cNvPr id="29" name="PlaceHolder 1"/>
           <p:cNvSpPr>
             <a:spLocks noGrp="1"/>
           </p:cNvSpPr>
@@ -4572,7 +4601,7 @@
         <p:spPr>
           <a:xfrm>
             <a:off x="677160" y="609480"/>
-            <a:ext cx="8596440" cy="1320480"/>
+            <a:ext cx="8596080" cy="1320120"/>
           </a:xfrm>
           <a:prstGeom prst="rect">
             <a:avLst/>
@@ -4581,23 +4610,24 @@
         <p:txBody>
           <a:bodyPr lIns="0" rIns="0" tIns="0" bIns="0" anchor="ctr"/>
           <a:p>
-            <a:endParaRPr b="0" lang="en-US" sz="1800" spc="-1" strike="noStrike">
-              <a:solidFill>
-                <a:srgbClr val="ffffff"/>
-              </a:solidFill>
-              <a:uFill>
-                <a:solidFill>
-                  <a:srgbClr val="ffffff"/>
-                </a:solidFill>
-              </a:uFill>
-              <a:latin typeface="Trebuchet MS"/>
-            </a:endParaRPr>
-          </a:p>
-        </p:txBody>
-      </p:sp>
-      <p:sp>
-        <p:nvSpPr>
-          <p:cNvPr id="33" name="PlaceHolder 2"/>
+            <a:pPr algn="ctr"/>
+            <a:endParaRPr b="0" lang="en-US" sz="4400" spc="-1" strike="noStrike">
+              <a:solidFill>
+                <a:srgbClr val="ffffff"/>
+              </a:solidFill>
+              <a:uFill>
+                <a:solidFill>
+                  <a:srgbClr val="ffffff"/>
+                </a:solidFill>
+              </a:uFill>
+              <a:latin typeface="Arial"/>
+            </a:endParaRPr>
+          </a:p>
+        </p:txBody>
+      </p:sp>
+      <p:sp>
+        <p:nvSpPr>
+          <p:cNvPr id="30" name="PlaceHolder 2"/>
           <p:cNvSpPr>
             <a:spLocks noGrp="1"/>
           </p:cNvSpPr>
@@ -4617,23 +4647,23 @@
         <p:txBody>
           <a:bodyPr lIns="0" rIns="0" tIns="0" bIns="0"/>
           <a:p>
-            <a:endParaRPr b="0" lang="en-US" sz="1800" spc="-1" strike="noStrike">
-              <a:solidFill>
-                <a:srgbClr val="ffffff"/>
-              </a:solidFill>
-              <a:uFill>
-                <a:solidFill>
-                  <a:srgbClr val="ffffff"/>
-                </a:solidFill>
-              </a:uFill>
-              <a:latin typeface="Trebuchet MS"/>
-            </a:endParaRPr>
-          </a:p>
-        </p:txBody>
-      </p:sp>
-      <p:sp>
-        <p:nvSpPr>
-          <p:cNvPr id="34" name="PlaceHolder 3"/>
+            <a:endParaRPr b="0" lang="en-US" sz="3200" spc="-1" strike="noStrike">
+              <a:solidFill>
+                <a:srgbClr val="ffffff"/>
+              </a:solidFill>
+              <a:uFill>
+                <a:solidFill>
+                  <a:srgbClr val="ffffff"/>
+                </a:solidFill>
+              </a:uFill>
+              <a:latin typeface="Arial"/>
+            </a:endParaRPr>
+          </a:p>
+        </p:txBody>
+      </p:sp>
+      <p:sp>
+        <p:nvSpPr>
+          <p:cNvPr id="31" name="PlaceHolder 3"/>
           <p:cNvSpPr>
             <a:spLocks noGrp="1"/>
           </p:cNvSpPr>
@@ -4653,23 +4683,23 @@
         <p:txBody>
           <a:bodyPr lIns="0" rIns="0" tIns="0" bIns="0"/>
           <a:p>
-            <a:endParaRPr b="0" lang="en-US" sz="1800" spc="-1" strike="noStrike">
-              <a:solidFill>
-                <a:srgbClr val="ffffff"/>
-              </a:solidFill>
-              <a:uFill>
-                <a:solidFill>
-                  <a:srgbClr val="ffffff"/>
-                </a:solidFill>
-              </a:uFill>
-              <a:latin typeface="Trebuchet MS"/>
-            </a:endParaRPr>
-          </a:p>
-        </p:txBody>
-      </p:sp>
-      <p:sp>
-        <p:nvSpPr>
-          <p:cNvPr id="35" name="PlaceHolder 4"/>
+            <a:endParaRPr b="0" lang="en-US" sz="3200" spc="-1" strike="noStrike">
+              <a:solidFill>
+                <a:srgbClr val="ffffff"/>
+              </a:solidFill>
+              <a:uFill>
+                <a:solidFill>
+                  <a:srgbClr val="ffffff"/>
+                </a:solidFill>
+              </a:uFill>
+              <a:latin typeface="Arial"/>
+            </a:endParaRPr>
+          </a:p>
+        </p:txBody>
+      </p:sp>
+      <p:sp>
+        <p:nvSpPr>
+          <p:cNvPr id="32" name="PlaceHolder 4"/>
           <p:cNvSpPr>
             <a:spLocks noGrp="1"/>
           </p:cNvSpPr>
@@ -4689,16 +4719,16 @@
         <p:txBody>
           <a:bodyPr lIns="0" rIns="0" tIns="0" bIns="0"/>
           <a:p>
-            <a:endParaRPr b="0" lang="en-US" sz="1800" spc="-1" strike="noStrike">
-              <a:solidFill>
-                <a:srgbClr val="ffffff"/>
-              </a:solidFill>
-              <a:uFill>
-                <a:solidFill>
-                  <a:srgbClr val="ffffff"/>
-                </a:solidFill>
-              </a:uFill>
-              <a:latin typeface="Trebuchet MS"/>
+            <a:endParaRPr b="0" lang="en-US" sz="3200" spc="-1" strike="noStrike">
+              <a:solidFill>
+                <a:srgbClr val="ffffff"/>
+              </a:solidFill>
+              <a:uFill>
+                <a:solidFill>
+                  <a:srgbClr val="ffffff"/>
+                </a:solidFill>
+              </a:uFill>
+              <a:latin typeface="Arial"/>
             </a:endParaRPr>
           </a:p>
         </p:txBody>
@@ -4815,7 +4845,7 @@
         <p:spPr>
           <a:xfrm>
             <a:off x="9181440" y="-8640"/>
-            <a:ext cx="3007080" cy="6866280"/>
+            <a:ext cx="3006720" cy="6865920"/>
           </a:xfrm>
           <a:custGeom>
             <a:avLst/>
@@ -4881,7 +4911,7 @@
         <p:spPr>
           <a:xfrm>
             <a:off x="9603360" y="-8640"/>
-            <a:ext cx="2588040" cy="6866280"/>
+            <a:ext cx="2587680" cy="6865920"/>
           </a:xfrm>
           <a:custGeom>
             <a:avLst/>
@@ -4947,7 +4977,7 @@
         <p:spPr>
           <a:xfrm>
             <a:off x="8932320" y="3048120"/>
-            <a:ext cx="3259440" cy="3809520"/>
+            <a:ext cx="3259080" cy="3809160"/>
           </a:xfrm>
           <a:prstGeom prst="triangle">
             <a:avLst>
@@ -4992,7 +5022,7 @@
         <p:spPr>
           <a:xfrm>
             <a:off x="9334440" y="-8640"/>
-            <a:ext cx="2854080" cy="6866280"/>
+            <a:ext cx="2853720" cy="6865920"/>
           </a:xfrm>
           <a:custGeom>
             <a:avLst/>
@@ -5059,7 +5089,7 @@
         <p:spPr>
           <a:xfrm>
             <a:off x="10898640" y="-8640"/>
-            <a:ext cx="1289880" cy="6866280"/>
+            <a:ext cx="1289520" cy="6865920"/>
           </a:xfrm>
           <a:custGeom>
             <a:avLst/>
@@ -5127,7 +5157,7 @@
         <p:spPr>
           <a:xfrm>
             <a:off x="10938960" y="-8640"/>
-            <a:ext cx="1249560" cy="6866280"/>
+            <a:ext cx="1249200" cy="6865920"/>
           </a:xfrm>
           <a:custGeom>
             <a:avLst/>
@@ -5193,7 +5223,7 @@
         <p:spPr>
           <a:xfrm>
             <a:off x="10371600" y="3589920"/>
-            <a:ext cx="1816920" cy="3267720"/>
+            <a:ext cx="1816560" cy="3267360"/>
           </a:xfrm>
           <a:prstGeom prst="triangle">
             <a:avLst>
@@ -5238,7 +5268,7 @@
         <p:spPr>
           <a:xfrm>
             <a:off x="0" y="4013280"/>
-            <a:ext cx="448200" cy="2844360"/>
+            <a:ext cx="447840" cy="2844000"/>
           </a:xfrm>
           <a:prstGeom prst="triangle">
             <a:avLst>
@@ -5286,45 +5316,41 @@
         </p:nvSpPr>
         <p:spPr>
           <a:xfrm>
-            <a:off x="677160" y="609480"/>
-            <a:ext cx="8596440" cy="1320480"/>
-          </a:xfrm>
-          <a:prstGeom prst="rect">
-            <a:avLst/>
-          </a:prstGeom>
-        </p:spPr>
-        <p:txBody>
-          <a:bodyPr/>
-          <a:p>
-            <a:pPr>
-              <a:lnSpc>
-                <a:spcPct val="100000"/>
-              </a:lnSpc>
-            </a:pPr>
+            <a:off x="609480" y="273600"/>
+            <a:ext cx="10972440" cy="1144800"/>
+          </a:xfrm>
+          <a:prstGeom prst="rect">
+            <a:avLst/>
+          </a:prstGeom>
+        </p:spPr>
+        <p:txBody>
+          <a:bodyPr lIns="0" rIns="0" tIns="0" bIns="0" anchor="ctr"/>
+          <a:p>
+            <a:pPr algn="ctr"/>
             <a:r>
-              <a:rPr b="0" lang="en-US" sz="3600" spc="-1" strike="noStrike">
-                <a:solidFill>
-                  <a:srgbClr val="90c226"/>
+              <a:rPr b="0" lang="en-US" sz="4400" spc="-1" strike="noStrike">
+                <a:solidFill>
+                  <a:srgbClr val="ffffff"/>
                 </a:solidFill>
                 <a:uFill>
                   <a:solidFill>
                     <a:srgbClr val="ffffff"/>
                   </a:solidFill>
                 </a:uFill>
-                <a:latin typeface="Trebuchet MS"/>
+                <a:latin typeface="Arial"/>
               </a:rPr>
-              <a:t>Click to edit Master title style</a:t>
+              <a:t>Click to edit the title text format</a:t>
             </a:r>
-            <a:endParaRPr b="0" lang="en-US" sz="3600" spc="-1" strike="noStrike">
-              <a:solidFill>
-                <a:srgbClr val="ffffff"/>
-              </a:solidFill>
-              <a:uFill>
-                <a:solidFill>
-                  <a:srgbClr val="ffffff"/>
-                </a:solidFill>
-              </a:uFill>
-              <a:latin typeface="Trebuchet MS"/>
+            <a:endParaRPr b="0" lang="en-US" sz="4400" spc="-1" strike="noStrike">
+              <a:solidFill>
+                <a:srgbClr val="ffffff"/>
+              </a:solidFill>
+              <a:uFill>
+                <a:solidFill>
+                  <a:srgbClr val="ffffff"/>
+                </a:solidFill>
+              </a:uFill>
+              <a:latin typeface="Arial"/>
             </a:endParaRPr>
           </a:p>
         </p:txBody>
@@ -5341,32 +5367,29 @@
         </p:nvSpPr>
         <p:spPr>
           <a:xfrm>
-            <a:off x="677160" y="2160720"/>
-            <a:ext cx="8596440" cy="3880440"/>
-          </a:xfrm>
-          <a:prstGeom prst="rect">
-            <a:avLst/>
-          </a:prstGeom>
-        </p:spPr>
-        <p:txBody>
-          <a:bodyPr/>
-          <a:p>
-            <a:pPr marL="343080" indent="-342720">
-              <a:lnSpc>
-                <a:spcPct val="100000"/>
-              </a:lnSpc>
+            <a:off x="609480" y="1604520"/>
+            <a:ext cx="10972440" cy="3977280"/>
+          </a:xfrm>
+          <a:prstGeom prst="rect">
+            <a:avLst/>
+          </a:prstGeom>
+        </p:spPr>
+        <p:txBody>
+          <a:bodyPr lIns="0" rIns="0" tIns="0" bIns="0"/>
+          <a:p>
+            <a:pPr marL="432000" indent="-324000">
               <a:spcBef>
-                <a:spcPts val="1001"/>
+                <a:spcPts val="1417"/>
               </a:spcBef>
               <a:buClr>
-                <a:srgbClr val="90c226"/>
+                <a:srgbClr val="ffffff"/>
               </a:buClr>
-              <a:buSzPct val="80000"/>
-              <a:buFont typeface="Wingdings 3" charset="2"/>
-              <a:buChar char=""/>
+              <a:buSzPct val="45000"/>
+              <a:buFont typeface="Wingdings" charset="2"/>
+              <a:buChar char=""/>
             </a:pPr>
             <a:r>
-              <a:rPr b="0" lang="en-US" sz="1800" spc="-1" strike="noStrike">
+              <a:rPr b="0" lang="en-US" sz="3200" spc="-1" strike="noStrike">
                 <a:solidFill>
                   <a:srgbClr val="ffffff"/>
                 </a:solidFill>
@@ -5375,39 +5398,36 @@
                     <a:srgbClr val="ffffff"/>
                   </a:solidFill>
                 </a:uFill>
-                <a:latin typeface="Trebuchet MS"/>
+                <a:latin typeface="Arial"/>
               </a:rPr>
-              <a:t>Edit Master text styles</a:t>
+              <a:t>Click to edit the outline text format</a:t>
             </a:r>
-            <a:endParaRPr b="0" lang="en-US" sz="1800" spc="-1" strike="noStrike">
-              <a:solidFill>
-                <a:srgbClr val="ffffff"/>
-              </a:solidFill>
-              <a:uFill>
-                <a:solidFill>
-                  <a:srgbClr val="ffffff"/>
-                </a:solidFill>
-              </a:uFill>
-              <a:latin typeface="Trebuchet MS"/>
-            </a:endParaRPr>
-          </a:p>
-          <a:p>
-            <a:pPr lvl="1" marL="743040" indent="-285480">
-              <a:lnSpc>
-                <a:spcPct val="100000"/>
-              </a:lnSpc>
+            <a:endParaRPr b="0" lang="en-US" sz="3200" spc="-1" strike="noStrike">
+              <a:solidFill>
+                <a:srgbClr val="ffffff"/>
+              </a:solidFill>
+              <a:uFill>
+                <a:solidFill>
+                  <a:srgbClr val="ffffff"/>
+                </a:solidFill>
+              </a:uFill>
+              <a:latin typeface="Arial"/>
+            </a:endParaRPr>
+          </a:p>
+          <a:p>
+            <a:pPr lvl="1" marL="864000" indent="-324000">
               <a:spcBef>
-                <a:spcPts val="1001"/>
+                <a:spcPts val="1134"/>
               </a:spcBef>
               <a:buClr>
-                <a:srgbClr val="90c226"/>
+                <a:srgbClr val="ffffff"/>
               </a:buClr>
-              <a:buSzPct val="80000"/>
-              <a:buFont typeface="Wingdings 3" charset="2"/>
-              <a:buChar char=""/>
+              <a:buSzPct val="75000"/>
+              <a:buFont typeface="Symbol" charset="2"/>
+              <a:buChar char=""/>
             </a:pPr>
             <a:r>
-              <a:rPr b="0" lang="en-US" sz="1600" spc="-1" strike="noStrike">
+              <a:rPr b="0" lang="en-US" sz="2800" spc="-1" strike="noStrike">
                 <a:solidFill>
                   <a:srgbClr val="ffffff"/>
                 </a:solidFill>
@@ -5416,39 +5436,36 @@
                     <a:srgbClr val="ffffff"/>
                   </a:solidFill>
                 </a:uFill>
-                <a:latin typeface="Trebuchet MS"/>
+                <a:latin typeface="Arial"/>
               </a:rPr>
-              <a:t>Second level</a:t>
+              <a:t>Second Outline Level</a:t>
             </a:r>
-            <a:endParaRPr b="0" lang="en-US" sz="1800" spc="-1" strike="noStrike">
-              <a:solidFill>
-                <a:srgbClr val="ffffff"/>
-              </a:solidFill>
-              <a:uFill>
-                <a:solidFill>
-                  <a:srgbClr val="ffffff"/>
-                </a:solidFill>
-              </a:uFill>
-              <a:latin typeface="Trebuchet MS"/>
-            </a:endParaRPr>
-          </a:p>
-          <a:p>
-            <a:pPr lvl="2" marL="1143000" indent="-228240">
-              <a:lnSpc>
-                <a:spcPct val="100000"/>
-              </a:lnSpc>
+            <a:endParaRPr b="0" lang="en-US" sz="2800" spc="-1" strike="noStrike">
+              <a:solidFill>
+                <a:srgbClr val="ffffff"/>
+              </a:solidFill>
+              <a:uFill>
+                <a:solidFill>
+                  <a:srgbClr val="ffffff"/>
+                </a:solidFill>
+              </a:uFill>
+              <a:latin typeface="Arial"/>
+            </a:endParaRPr>
+          </a:p>
+          <a:p>
+            <a:pPr lvl="2" marL="1296000" indent="-288000">
               <a:spcBef>
-                <a:spcPts val="1001"/>
+                <a:spcPts val="850"/>
               </a:spcBef>
               <a:buClr>
-                <a:srgbClr val="90c226"/>
+                <a:srgbClr val="ffffff"/>
               </a:buClr>
-              <a:buSzPct val="80000"/>
-              <a:buFont typeface="Wingdings 3" charset="2"/>
-              <a:buChar char=""/>
+              <a:buSzPct val="45000"/>
+              <a:buFont typeface="Wingdings" charset="2"/>
+              <a:buChar char=""/>
             </a:pPr>
             <a:r>
-              <a:rPr b="0" lang="en-US" sz="1400" spc="-1" strike="noStrike">
+              <a:rPr b="0" lang="en-US" sz="2400" spc="-1" strike="noStrike">
                 <a:solidFill>
                   <a:srgbClr val="ffffff"/>
                 </a:solidFill>
@@ -5457,39 +5474,36 @@
                     <a:srgbClr val="ffffff"/>
                   </a:solidFill>
                 </a:uFill>
-                <a:latin typeface="Trebuchet MS"/>
+                <a:latin typeface="Arial"/>
               </a:rPr>
-              <a:t>Third level</a:t>
+              <a:t>Third Outline Level</a:t>
             </a:r>
-            <a:endParaRPr b="0" lang="en-US" sz="1800" spc="-1" strike="noStrike">
-              <a:solidFill>
-                <a:srgbClr val="ffffff"/>
-              </a:solidFill>
-              <a:uFill>
-                <a:solidFill>
-                  <a:srgbClr val="ffffff"/>
-                </a:solidFill>
-              </a:uFill>
-              <a:latin typeface="Trebuchet MS"/>
-            </a:endParaRPr>
-          </a:p>
-          <a:p>
-            <a:pPr lvl="3" marL="1600200" indent="-228240">
-              <a:lnSpc>
-                <a:spcPct val="100000"/>
-              </a:lnSpc>
+            <a:endParaRPr b="0" lang="en-US" sz="2400" spc="-1" strike="noStrike">
+              <a:solidFill>
+                <a:srgbClr val="ffffff"/>
+              </a:solidFill>
+              <a:uFill>
+                <a:solidFill>
+                  <a:srgbClr val="ffffff"/>
+                </a:solidFill>
+              </a:uFill>
+              <a:latin typeface="Arial"/>
+            </a:endParaRPr>
+          </a:p>
+          <a:p>
+            <a:pPr lvl="3" marL="1728000" indent="-216000">
               <a:spcBef>
-                <a:spcPts val="1001"/>
+                <a:spcPts val="567"/>
               </a:spcBef>
               <a:buClr>
-                <a:srgbClr val="90c226"/>
+                <a:srgbClr val="ffffff"/>
               </a:buClr>
-              <a:buSzPct val="80000"/>
-              <a:buFont typeface="Wingdings 3" charset="2"/>
-              <a:buChar char=""/>
+              <a:buSzPct val="75000"/>
+              <a:buFont typeface="Symbol" charset="2"/>
+              <a:buChar char=""/>
             </a:pPr>
             <a:r>
-              <a:rPr b="0" lang="en-US" sz="1200" spc="-1" strike="noStrike">
+              <a:rPr b="0" lang="en-US" sz="2000" spc="-1" strike="noStrike">
                 <a:solidFill>
                   <a:srgbClr val="ffffff"/>
                 </a:solidFill>
@@ -5498,39 +5512,36 @@
                     <a:srgbClr val="ffffff"/>
                   </a:solidFill>
                 </a:uFill>
-                <a:latin typeface="Trebuchet MS"/>
+                <a:latin typeface="Arial"/>
               </a:rPr>
-              <a:t>Fourth level</a:t>
+              <a:t>Fourth Outline Level</a:t>
             </a:r>
-            <a:endParaRPr b="0" lang="en-US" sz="1800" spc="-1" strike="noStrike">
-              <a:solidFill>
-                <a:srgbClr val="ffffff"/>
-              </a:solidFill>
-              <a:uFill>
-                <a:solidFill>
-                  <a:srgbClr val="ffffff"/>
-                </a:solidFill>
-              </a:uFill>
-              <a:latin typeface="Trebuchet MS"/>
-            </a:endParaRPr>
-          </a:p>
-          <a:p>
-            <a:pPr lvl="4" marL="2057400" indent="-228240">
-              <a:lnSpc>
-                <a:spcPct val="100000"/>
-              </a:lnSpc>
+            <a:endParaRPr b="0" lang="en-US" sz="2000" spc="-1" strike="noStrike">
+              <a:solidFill>
+                <a:srgbClr val="ffffff"/>
+              </a:solidFill>
+              <a:uFill>
+                <a:solidFill>
+                  <a:srgbClr val="ffffff"/>
+                </a:solidFill>
+              </a:uFill>
+              <a:latin typeface="Arial"/>
+            </a:endParaRPr>
+          </a:p>
+          <a:p>
+            <a:pPr lvl="4" marL="2160000" indent="-216000">
               <a:spcBef>
-                <a:spcPts val="1001"/>
+                <a:spcPts val="283"/>
               </a:spcBef>
               <a:buClr>
-                <a:srgbClr val="90c226"/>
+                <a:srgbClr val="ffffff"/>
               </a:buClr>
-              <a:buSzPct val="80000"/>
-              <a:buFont typeface="Wingdings 3" charset="2"/>
-              <a:buChar char=""/>
+              <a:buSzPct val="45000"/>
+              <a:buFont typeface="Wingdings" charset="2"/>
+              <a:buChar char=""/>
             </a:pPr>
             <a:r>
-              <a:rPr b="0" lang="en-US" sz="1200" spc="-1" strike="noStrike">
+              <a:rPr b="0" lang="en-US" sz="2000" spc="-1" strike="noStrike">
                 <a:solidFill>
                   <a:srgbClr val="ffffff"/>
                 </a:solidFill>
@@ -5539,53 +5550,36 @@
                     <a:srgbClr val="ffffff"/>
                   </a:solidFill>
                 </a:uFill>
-                <a:latin typeface="Trebuchet MS"/>
+                <a:latin typeface="Arial"/>
               </a:rPr>
-              <a:t>Fifth level</a:t>
+              <a:t>Fifth Outline Level</a:t>
             </a:r>
-            <a:endParaRPr b="0" lang="en-US" sz="1800" spc="-1" strike="noStrike">
-              <a:solidFill>
-                <a:srgbClr val="ffffff"/>
-              </a:solidFill>
-              <a:uFill>
-                <a:solidFill>
-                  <a:srgbClr val="ffffff"/>
-                </a:solidFill>
-              </a:uFill>
-              <a:latin typeface="Trebuchet MS"/>
-            </a:endParaRPr>
-          </a:p>
-        </p:txBody>
-      </p:sp>
-      <p:sp>
-        <p:nvSpPr>
-          <p:cNvPr id="12" name="PlaceHolder 13"/>
-          <p:cNvSpPr>
-            <a:spLocks noGrp="1"/>
-          </p:cNvSpPr>
-          <p:nvPr>
-            <p:ph type="dt"/>
-          </p:nvPr>
-        </p:nvSpPr>
-        <p:spPr>
-          <a:xfrm>
-            <a:off x="7205040" y="6041520"/>
-            <a:ext cx="911520" cy="364680"/>
-          </a:xfrm>
-          <a:prstGeom prst="rect">
-            <a:avLst/>
-          </a:prstGeom>
-        </p:spPr>
-        <p:txBody>
-          <a:bodyPr anchor="ctr"/>
-          <a:p>
-            <a:pPr algn="r">
-              <a:lnSpc>
-                <a:spcPct val="100000"/>
-              </a:lnSpc>
+            <a:endParaRPr b="0" lang="en-US" sz="2000" spc="-1" strike="noStrike">
+              <a:solidFill>
+                <a:srgbClr val="ffffff"/>
+              </a:solidFill>
+              <a:uFill>
+                <a:solidFill>
+                  <a:srgbClr val="ffffff"/>
+                </a:solidFill>
+              </a:uFill>
+              <a:latin typeface="Arial"/>
+            </a:endParaRPr>
+          </a:p>
+          <a:p>
+            <a:pPr lvl="5" marL="2592000" indent="-216000">
+              <a:spcBef>
+                <a:spcPts val="283"/>
+              </a:spcBef>
+              <a:buClr>
+                <a:srgbClr val="ffffff"/>
+              </a:buClr>
+              <a:buSzPct val="45000"/>
+              <a:buFont typeface="Wingdings" charset="2"/>
+              <a:buChar char=""/>
             </a:pPr>
-            <a:fld id="{A919FF2D-C988-43F4-8C52-F98D438F3486}" type="datetime">
-              <a:rPr b="0" lang="en-US" sz="900" spc="-1" strike="noStrike">
+            <a:r>
+              <a:rPr b="0" lang="en-US" sz="2000" spc="-1" strike="noStrike">
                 <a:solidFill>
                   <a:srgbClr val="ffffff"/>
                 </a:solidFill>
@@ -5594,111 +5588,58 @@
                     <a:srgbClr val="ffffff"/>
                   </a:solidFill>
                 </a:uFill>
-                <a:latin typeface="Trebuchet MS"/>
+                <a:latin typeface="Arial"/>
               </a:rPr>
-              <a:t>12/7/17</a:t>
-            </a:fld>
-            <a:endParaRPr b="0" lang="en-US" sz="1400" spc="-1" strike="noStrike">
-              <a:solidFill>
-                <a:srgbClr val="ffffff"/>
-              </a:solidFill>
-              <a:uFill>
-                <a:solidFill>
-                  <a:srgbClr val="ffffff"/>
-                </a:solidFill>
-              </a:uFill>
-              <a:latin typeface="Times New Roman"/>
-            </a:endParaRPr>
-          </a:p>
-        </p:txBody>
-      </p:sp>
-      <p:sp>
-        <p:nvSpPr>
-          <p:cNvPr id="13" name="PlaceHolder 14"/>
-          <p:cNvSpPr>
-            <a:spLocks noGrp="1"/>
-          </p:cNvSpPr>
-          <p:nvPr>
-            <p:ph type="ftr"/>
-          </p:nvPr>
-        </p:nvSpPr>
-        <p:spPr>
-          <a:xfrm>
-            <a:off x="677160" y="6041520"/>
-            <a:ext cx="6297120" cy="364680"/>
-          </a:xfrm>
-          <a:prstGeom prst="rect">
-            <a:avLst/>
-          </a:prstGeom>
-        </p:spPr>
-        <p:txBody>
-          <a:bodyPr anchor="ctr"/>
-          <a:p>
-            <a:endParaRPr b="0" lang="en-US" sz="2400" spc="-1" strike="noStrike">
-              <a:solidFill>
-                <a:srgbClr val="ffffff"/>
-              </a:solidFill>
-              <a:uFill>
-                <a:solidFill>
-                  <a:srgbClr val="ffffff"/>
-                </a:solidFill>
-              </a:uFill>
-              <a:latin typeface="Times New Roman"/>
-            </a:endParaRPr>
-          </a:p>
-        </p:txBody>
-      </p:sp>
-      <p:sp>
-        <p:nvSpPr>
-          <p:cNvPr id="14" name="PlaceHolder 15"/>
-          <p:cNvSpPr>
-            <a:spLocks noGrp="1"/>
-          </p:cNvSpPr>
-          <p:nvPr>
-            <p:ph type="sldNum"/>
-          </p:nvPr>
-        </p:nvSpPr>
-        <p:spPr>
-          <a:xfrm>
-            <a:off x="8590680" y="6041520"/>
-            <a:ext cx="682920" cy="364680"/>
-          </a:xfrm>
-          <a:prstGeom prst="rect">
-            <a:avLst/>
-          </a:prstGeom>
-        </p:spPr>
-        <p:txBody>
-          <a:bodyPr anchor="ctr"/>
-          <a:p>
-            <a:pPr algn="r">
-              <a:lnSpc>
-                <a:spcPct val="100000"/>
-              </a:lnSpc>
+              <a:t>Sixth Outline Level</a:t>
+            </a:r>
+            <a:endParaRPr b="0" lang="en-US" sz="2000" spc="-1" strike="noStrike">
+              <a:solidFill>
+                <a:srgbClr val="ffffff"/>
+              </a:solidFill>
+              <a:uFill>
+                <a:solidFill>
+                  <a:srgbClr val="ffffff"/>
+                </a:solidFill>
+              </a:uFill>
+              <a:latin typeface="Arial"/>
+            </a:endParaRPr>
+          </a:p>
+          <a:p>
+            <a:pPr lvl="6" marL="3024000" indent="-216000">
+              <a:spcBef>
+                <a:spcPts val="283"/>
+              </a:spcBef>
+              <a:buClr>
+                <a:srgbClr val="ffffff"/>
+              </a:buClr>
+              <a:buSzPct val="45000"/>
+              <a:buFont typeface="Wingdings" charset="2"/>
+              <a:buChar char=""/>
             </a:pPr>
-            <a:fld id="{187AD0A5-6D13-4B40-A9BB-E83B29C1D02C}" type="slidenum">
-              <a:rPr b="0" lang="en-US" sz="900" spc="-1" strike="noStrike">
-                <a:solidFill>
-                  <a:srgbClr val="90c226"/>
+            <a:r>
+              <a:rPr b="0" lang="en-US" sz="2000" spc="-1" strike="noStrike">
+                <a:solidFill>
+                  <a:srgbClr val="ffffff"/>
                 </a:solidFill>
                 <a:uFill>
                   <a:solidFill>
                     <a:srgbClr val="ffffff"/>
                   </a:solidFill>
                 </a:uFill>
-                <a:latin typeface="Trebuchet MS"/>
+                <a:latin typeface="Arial"/>
               </a:rPr>
-              <a:t>&lt;number&gt;</a:t>
-            </a:fld>
-            <a:endParaRPr b="0" lang="en-US" sz="1400" spc="-1" strike="noStrike">
-              <a:solidFill>
-                <a:srgbClr val="ffffff"/>
-              </a:solidFill>
-              <a:uFill>
-                <a:solidFill>
-                  <a:srgbClr val="ffffff"/>
-                </a:solidFill>
-              </a:uFill>
-              <a:latin typeface="Times New Roman"/>
+              <a:t>Seventh Outline Level</a:t>
+            </a:r>
+            <a:endParaRPr b="0" lang="en-US" sz="2000" spc="-1" strike="noStrike">
+              <a:solidFill>
+                <a:srgbClr val="ffffff"/>
+              </a:solidFill>
+              <a:uFill>
+                <a:solidFill>
+                  <a:srgbClr val="ffffff"/>
+                </a:solidFill>
+              </a:uFill>
+              <a:latin typeface="Arial"/>
             </a:endParaRPr>
           </a:p>
         </p:txBody>
@@ -5749,7 +5690,7 @@
       </p:grpSpPr>
       <p:sp>
         <p:nvSpPr>
-          <p:cNvPr id="51" name="Line 1"/>
+          <p:cNvPr id="48" name="Line 1"/>
           <p:cNvSpPr/>
           <p:nvPr/>
         </p:nvSpPr>
@@ -5786,7 +5727,7 @@
       </p:sp>
       <p:sp>
         <p:nvSpPr>
-          <p:cNvPr id="52" name="Line 2"/>
+          <p:cNvPr id="49" name="Line 2"/>
           <p:cNvSpPr/>
           <p:nvPr/>
         </p:nvSpPr>
@@ -5823,14 +5764,14 @@
       </p:sp>
       <p:sp>
         <p:nvSpPr>
-          <p:cNvPr id="53" name="CustomShape 3"/>
+          <p:cNvPr id="50" name="CustomShape 3"/>
           <p:cNvSpPr/>
           <p:nvPr/>
         </p:nvSpPr>
         <p:spPr>
           <a:xfrm>
             <a:off x="9181440" y="-8640"/>
-            <a:ext cx="3007080" cy="6866280"/>
+            <a:ext cx="3006720" cy="6865920"/>
           </a:xfrm>
           <a:custGeom>
             <a:avLst/>
@@ -5889,14 +5830,14 @@
       </p:sp>
       <p:sp>
         <p:nvSpPr>
-          <p:cNvPr id="54" name="CustomShape 4"/>
+          <p:cNvPr id="51" name="CustomShape 4"/>
           <p:cNvSpPr/>
           <p:nvPr/>
         </p:nvSpPr>
         <p:spPr>
           <a:xfrm>
             <a:off x="9603360" y="-8640"/>
-            <a:ext cx="2588040" cy="6866280"/>
+            <a:ext cx="2587680" cy="6865920"/>
           </a:xfrm>
           <a:custGeom>
             <a:avLst/>
@@ -5955,14 +5896,14 @@
       </p:sp>
       <p:sp>
         <p:nvSpPr>
-          <p:cNvPr id="55" name="CustomShape 5"/>
+          <p:cNvPr id="52" name="CustomShape 5"/>
           <p:cNvSpPr/>
           <p:nvPr/>
         </p:nvSpPr>
         <p:spPr>
           <a:xfrm>
             <a:off x="8932320" y="3048120"/>
-            <a:ext cx="3259440" cy="3809520"/>
+            <a:ext cx="3259080" cy="3809160"/>
           </a:xfrm>
           <a:prstGeom prst="triangle">
             <a:avLst>
@@ -6000,14 +5941,14 @@
       </p:sp>
       <p:sp>
         <p:nvSpPr>
-          <p:cNvPr id="56" name="CustomShape 6"/>
+          <p:cNvPr id="53" name="CustomShape 6"/>
           <p:cNvSpPr/>
           <p:nvPr/>
         </p:nvSpPr>
         <p:spPr>
           <a:xfrm>
             <a:off x="9334440" y="-8640"/>
-            <a:ext cx="2854080" cy="6866280"/>
+            <a:ext cx="2853720" cy="6865920"/>
           </a:xfrm>
           <a:custGeom>
             <a:avLst/>
@@ -6067,14 +6008,14 @@
       </p:sp>
       <p:sp>
         <p:nvSpPr>
-          <p:cNvPr id="57" name="CustomShape 7"/>
+          <p:cNvPr id="54" name="CustomShape 7"/>
           <p:cNvSpPr/>
           <p:nvPr/>
         </p:nvSpPr>
         <p:spPr>
           <a:xfrm>
             <a:off x="10898640" y="-8640"/>
-            <a:ext cx="1289880" cy="6866280"/>
+            <a:ext cx="1289520" cy="6865920"/>
           </a:xfrm>
           <a:custGeom>
             <a:avLst/>
@@ -6135,14 +6076,14 @@
       </p:sp>
       <p:sp>
         <p:nvSpPr>
-          <p:cNvPr id="58" name="CustomShape 8"/>
+          <p:cNvPr id="55" name="CustomShape 8"/>
           <p:cNvSpPr/>
           <p:nvPr/>
         </p:nvSpPr>
         <p:spPr>
           <a:xfrm>
             <a:off x="10938960" y="-8640"/>
-            <a:ext cx="1249560" cy="6866280"/>
+            <a:ext cx="1249200" cy="6865920"/>
           </a:xfrm>
           <a:custGeom>
             <a:avLst/>
@@ -6201,14 +6142,14 @@
       </p:sp>
       <p:sp>
         <p:nvSpPr>
-          <p:cNvPr id="59" name="CustomShape 9"/>
+          <p:cNvPr id="56" name="CustomShape 9"/>
           <p:cNvSpPr/>
           <p:nvPr/>
         </p:nvSpPr>
         <p:spPr>
           <a:xfrm>
             <a:off x="10371600" y="3589920"/>
-            <a:ext cx="1816920" cy="3267720"/>
+            <a:ext cx="1816560" cy="3267360"/>
           </a:xfrm>
           <a:prstGeom prst="triangle">
             <a:avLst>
@@ -6246,14 +6187,14 @@
       </p:sp>
       <p:sp>
         <p:nvSpPr>
-          <p:cNvPr id="60" name="CustomShape 10"/>
+          <p:cNvPr id="57" name="CustomShape 10"/>
           <p:cNvSpPr/>
           <p:nvPr/>
         </p:nvSpPr>
         <p:spPr>
           <a:xfrm>
             <a:off x="0" y="4013280"/>
-            <a:ext cx="448200" cy="2844360"/>
+            <a:ext cx="447840" cy="2844000"/>
           </a:xfrm>
           <a:prstGeom prst="triangle">
             <a:avLst>
@@ -6291,7 +6232,7 @@
       </p:sp>
       <p:sp>
         <p:nvSpPr>
-          <p:cNvPr id="61" name="Line 11"/>
+          <p:cNvPr id="58" name="Line 11"/>
           <p:cNvSpPr/>
           <p:nvPr/>
         </p:nvSpPr>
@@ -6328,7 +6269,7 @@
       </p:sp>
       <p:sp>
         <p:nvSpPr>
-          <p:cNvPr id="62" name="Line 12"/>
+          <p:cNvPr id="59" name="Line 12"/>
           <p:cNvSpPr/>
           <p:nvPr/>
         </p:nvSpPr>
@@ -6365,14 +6306,14 @@
       </p:sp>
       <p:sp>
         <p:nvSpPr>
-          <p:cNvPr id="63" name="CustomShape 13"/>
+          <p:cNvPr id="60" name="CustomShape 13"/>
           <p:cNvSpPr/>
           <p:nvPr/>
         </p:nvSpPr>
         <p:spPr>
           <a:xfrm>
             <a:off x="9181440" y="-8640"/>
-            <a:ext cx="3007080" cy="6866280"/>
+            <a:ext cx="3006720" cy="6865920"/>
           </a:xfrm>
           <a:custGeom>
             <a:avLst/>
@@ -6431,14 +6372,14 @@
       </p:sp>
       <p:sp>
         <p:nvSpPr>
-          <p:cNvPr id="64" name="CustomShape 14"/>
+          <p:cNvPr id="61" name="CustomShape 14"/>
           <p:cNvSpPr/>
           <p:nvPr/>
         </p:nvSpPr>
         <p:spPr>
           <a:xfrm>
             <a:off x="9603360" y="-8640"/>
-            <a:ext cx="2588040" cy="6866280"/>
+            <a:ext cx="2587680" cy="6865920"/>
           </a:xfrm>
           <a:custGeom>
             <a:avLst/>
@@ -6497,14 +6438,14 @@
       </p:sp>
       <p:sp>
         <p:nvSpPr>
-          <p:cNvPr id="65" name="CustomShape 15"/>
+          <p:cNvPr id="62" name="CustomShape 15"/>
           <p:cNvSpPr/>
           <p:nvPr/>
         </p:nvSpPr>
         <p:spPr>
           <a:xfrm>
             <a:off x="8932320" y="3048120"/>
-            <a:ext cx="3259440" cy="3809520"/>
+            <a:ext cx="3259080" cy="3809160"/>
           </a:xfrm>
           <a:prstGeom prst="triangle">
             <a:avLst>
@@ -6542,14 +6483,14 @@
       </p:sp>
       <p:sp>
         <p:nvSpPr>
-          <p:cNvPr id="66" name="CustomShape 16"/>
+          <p:cNvPr id="63" name="CustomShape 16"/>
           <p:cNvSpPr/>
           <p:nvPr/>
         </p:nvSpPr>
         <p:spPr>
           <a:xfrm>
             <a:off x="9334440" y="-8640"/>
-            <a:ext cx="2854080" cy="6866280"/>
+            <a:ext cx="2853720" cy="6865920"/>
           </a:xfrm>
           <a:custGeom>
             <a:avLst/>
@@ -6609,14 +6550,14 @@
       </p:sp>
       <p:sp>
         <p:nvSpPr>
-          <p:cNvPr id="67" name="CustomShape 17"/>
+          <p:cNvPr id="64" name="CustomShape 17"/>
           <p:cNvSpPr/>
           <p:nvPr/>
         </p:nvSpPr>
         <p:spPr>
           <a:xfrm>
             <a:off x="10898640" y="-8640"/>
-            <a:ext cx="1289880" cy="6866280"/>
+            <a:ext cx="1289520" cy="6865920"/>
           </a:xfrm>
           <a:custGeom>
             <a:avLst/>
@@ -6677,14 +6618,14 @@
       </p:sp>
       <p:sp>
         <p:nvSpPr>
-          <p:cNvPr id="68" name="CustomShape 18"/>
+          <p:cNvPr id="65" name="CustomShape 18"/>
           <p:cNvSpPr/>
           <p:nvPr/>
         </p:nvSpPr>
         <p:spPr>
           <a:xfrm>
             <a:off x="10938960" y="-8640"/>
-            <a:ext cx="1249560" cy="6866280"/>
+            <a:ext cx="1249200" cy="6865920"/>
           </a:xfrm>
           <a:custGeom>
             <a:avLst/>
@@ -6743,14 +6684,14 @@
       </p:sp>
       <p:sp>
         <p:nvSpPr>
-          <p:cNvPr id="69" name="CustomShape 19"/>
+          <p:cNvPr id="66" name="CustomShape 19"/>
           <p:cNvSpPr/>
           <p:nvPr/>
         </p:nvSpPr>
         <p:spPr>
           <a:xfrm>
             <a:off x="10371600" y="3589920"/>
-            <a:ext cx="1816920" cy="3267720"/>
+            <a:ext cx="1816560" cy="3267360"/>
           </a:xfrm>
           <a:prstGeom prst="triangle">
             <a:avLst>
@@ -6788,14 +6729,14 @@
       </p:sp>
       <p:sp>
         <p:nvSpPr>
-          <p:cNvPr id="70" name="CustomShape 20"/>
+          <p:cNvPr id="67" name="CustomShape 20"/>
           <p:cNvSpPr/>
           <p:nvPr/>
         </p:nvSpPr>
         <p:spPr>
           <a:xfrm rot="10800000">
-            <a:off x="842760" y="5666040"/>
-            <a:ext cx="842400" cy="5665680"/>
+            <a:off x="1685160" y="11331720"/>
+            <a:ext cx="842040" cy="5665320"/>
           </a:xfrm>
           <a:prstGeom prst="triangle">
             <a:avLst>
@@ -6833,7 +6774,7 @@
       </p:sp>
       <p:sp>
         <p:nvSpPr>
-          <p:cNvPr id="71" name="PlaceHolder 21"/>
+          <p:cNvPr id="68" name="PlaceHolder 21"/>
           <p:cNvSpPr>
             <a:spLocks noGrp="1"/>
           </p:cNvSpPr>
@@ -6843,198 +6784,47 @@
         </p:nvSpPr>
         <p:spPr>
           <a:xfrm>
-            <a:off x="1506960" y="2404440"/>
-            <a:ext cx="7766640" cy="1645920"/>
-          </a:xfrm>
-          <a:prstGeom prst="rect">
-            <a:avLst/>
-          </a:prstGeom>
-        </p:spPr>
-        <p:txBody>
-          <a:bodyPr anchor="b"/>
-          <a:p>
-            <a:pPr algn="r">
-              <a:lnSpc>
-                <a:spcPct val="100000"/>
-              </a:lnSpc>
-            </a:pPr>
+            <a:off x="677160" y="609480"/>
+            <a:ext cx="8596080" cy="1320120"/>
+          </a:xfrm>
+          <a:prstGeom prst="rect">
+            <a:avLst/>
+          </a:prstGeom>
+        </p:spPr>
+        <p:txBody>
+          <a:bodyPr lIns="0" rIns="0" tIns="0" bIns="0" anchor="ctr"/>
+          <a:p>
             <a:r>
-              <a:rPr b="0" lang="en-US" sz="5400" spc="-1" strike="noStrike">
-                <a:solidFill>
-                  <a:srgbClr val="90c226"/>
+              <a:rPr b="0" lang="en-US" sz="1800" spc="-1" strike="noStrike">
+                <a:solidFill>
+                  <a:srgbClr val="ffffff"/>
                 </a:solidFill>
                 <a:uFill>
                   <a:solidFill>
                     <a:srgbClr val="ffffff"/>
                   </a:solidFill>
                 </a:uFill>
-                <a:latin typeface="Trebuchet MS"/>
+                <a:latin typeface="Arial"/>
               </a:rPr>
-              <a:t>Click to edit Master title style</a:t>
+              <a:t>Click to edit the title text format</a:t>
             </a:r>
-            <a:endParaRPr b="0" lang="en-US" sz="5400" spc="-1" strike="noStrike">
-              <a:solidFill>
-                <a:srgbClr val="ffffff"/>
-              </a:solidFill>
-              <a:uFill>
-                <a:solidFill>
-                  <a:srgbClr val="ffffff"/>
-                </a:solidFill>
-              </a:uFill>
-              <a:latin typeface="Trebuchet MS"/>
-            </a:endParaRPr>
-          </a:p>
-        </p:txBody>
-      </p:sp>
-      <p:sp>
-        <p:nvSpPr>
-          <p:cNvPr id="72" name="PlaceHolder 22"/>
-          <p:cNvSpPr>
-            <a:spLocks noGrp="1"/>
-          </p:cNvSpPr>
-          <p:nvPr>
-            <p:ph type="dt"/>
-          </p:nvPr>
-        </p:nvSpPr>
-        <p:spPr>
-          <a:xfrm>
-            <a:off x="7205040" y="6041520"/>
-            <a:ext cx="911520" cy="364680"/>
-          </a:xfrm>
-          <a:prstGeom prst="rect">
-            <a:avLst/>
-          </a:prstGeom>
-        </p:spPr>
-        <p:txBody>
-          <a:bodyPr anchor="ctr"/>
-          <a:p>
-            <a:pPr algn="r">
-              <a:lnSpc>
-                <a:spcPct val="100000"/>
-              </a:lnSpc>
-            </a:pPr>
-            <a:fld id="{DC1C70FC-D430-4F81-A066-BE4C5E0A2E89}" type="datetime">
-              <a:rPr b="0" lang="en-US" sz="900" spc="-1" strike="noStrike">
-                <a:solidFill>
-                  <a:srgbClr val="ffffff"/>
-                </a:solidFill>
-                <a:uFill>
-                  <a:solidFill>
-                    <a:srgbClr val="ffffff"/>
-                  </a:solidFill>
-                </a:uFill>
-                <a:latin typeface="Trebuchet MS"/>
-              </a:rPr>
-              <a:t>12/7/17</a:t>
-            </a:fld>
-            <a:endParaRPr b="0" lang="en-US" sz="1400" spc="-1" strike="noStrike">
-              <a:solidFill>
-                <a:srgbClr val="ffffff"/>
-              </a:solidFill>
-              <a:uFill>
-                <a:solidFill>
-                  <a:srgbClr val="ffffff"/>
-                </a:solidFill>
-              </a:uFill>
-              <a:latin typeface="Times New Roman"/>
-            </a:endParaRPr>
-          </a:p>
-        </p:txBody>
-      </p:sp>
-      <p:sp>
-        <p:nvSpPr>
-          <p:cNvPr id="73" name="PlaceHolder 23"/>
-          <p:cNvSpPr>
-            <a:spLocks noGrp="1"/>
-          </p:cNvSpPr>
-          <p:nvPr>
-            <p:ph type="ftr"/>
-          </p:nvPr>
-        </p:nvSpPr>
-        <p:spPr>
-          <a:xfrm>
-            <a:off x="677160" y="6041520"/>
-            <a:ext cx="6297120" cy="364680"/>
-          </a:xfrm>
-          <a:prstGeom prst="rect">
-            <a:avLst/>
-          </a:prstGeom>
-        </p:spPr>
-        <p:txBody>
-          <a:bodyPr anchor="ctr"/>
-          <a:p>
-            <a:endParaRPr b="0" lang="en-US" sz="2400" spc="-1" strike="noStrike">
-              <a:solidFill>
-                <a:srgbClr val="ffffff"/>
-              </a:solidFill>
-              <a:uFill>
-                <a:solidFill>
-                  <a:srgbClr val="ffffff"/>
-                </a:solidFill>
-              </a:uFill>
-              <a:latin typeface="Times New Roman"/>
-            </a:endParaRPr>
-          </a:p>
-        </p:txBody>
-      </p:sp>
-      <p:sp>
-        <p:nvSpPr>
-          <p:cNvPr id="74" name="PlaceHolder 24"/>
-          <p:cNvSpPr>
-            <a:spLocks noGrp="1"/>
-          </p:cNvSpPr>
-          <p:nvPr>
-            <p:ph type="sldNum"/>
-          </p:nvPr>
-        </p:nvSpPr>
-        <p:spPr>
-          <a:xfrm>
-            <a:off x="8590680" y="6041520"/>
-            <a:ext cx="682920" cy="364680"/>
-          </a:xfrm>
-          <a:prstGeom prst="rect">
-            <a:avLst/>
-          </a:prstGeom>
-        </p:spPr>
-        <p:txBody>
-          <a:bodyPr anchor="ctr"/>
-          <a:p>
-            <a:pPr algn="r">
-              <a:lnSpc>
-                <a:spcPct val="100000"/>
-              </a:lnSpc>
-            </a:pPr>
-            <a:fld id="{72A2EEB9-EFEB-44D3-B672-AB279DD2809B}" type="slidenum">
-              <a:rPr b="0" lang="en-US" sz="900" spc="-1" strike="noStrike">
-                <a:solidFill>
-                  <a:srgbClr val="90c226"/>
-                </a:solidFill>
-                <a:uFill>
-                  <a:solidFill>
-                    <a:srgbClr val="ffffff"/>
-                  </a:solidFill>
-                </a:uFill>
-                <a:latin typeface="Trebuchet MS"/>
-              </a:rPr>
-              <a:t>&lt;number&gt;</a:t>
-            </a:fld>
-            <a:endParaRPr b="0" lang="en-US" sz="1400" spc="-1" strike="noStrike">
-              <a:solidFill>
-                <a:srgbClr val="ffffff"/>
-              </a:solidFill>
-              <a:uFill>
-                <a:solidFill>
-                  <a:srgbClr val="ffffff"/>
-                </a:solidFill>
-              </a:uFill>
-              <a:latin typeface="Times New Roman"/>
-            </a:endParaRPr>
-          </a:p>
-        </p:txBody>
-      </p:sp>
-      <p:sp>
-        <p:nvSpPr>
-          <p:cNvPr id="75" name="PlaceHolder 25"/>
+            <a:endParaRPr b="0" lang="en-US" sz="1800" spc="-1" strike="noStrike">
+              <a:solidFill>
+                <a:srgbClr val="ffffff"/>
+              </a:solidFill>
+              <a:uFill>
+                <a:solidFill>
+                  <a:srgbClr val="ffffff"/>
+                </a:solidFill>
+              </a:uFill>
+              <a:latin typeface="Arial"/>
+            </a:endParaRPr>
+          </a:p>
+        </p:txBody>
+      </p:sp>
+      <p:sp>
+        <p:nvSpPr>
+          <p:cNvPr id="69" name="PlaceHolder 22"/>
           <p:cNvSpPr>
             <a:spLocks noGrp="1"/>
           </p:cNvSpPr>
@@ -7066,7 +6856,7 @@
               <a:buChar char=""/>
             </a:pPr>
             <a:r>
-              <a:rPr b="0" lang="en-US" sz="1800" spc="-1" strike="noStrike">
+              <a:rPr b="0" lang="en-US" sz="3200" spc="-1" strike="noStrike">
                 <a:solidFill>
                   <a:srgbClr val="ffffff"/>
                 </a:solidFill>
@@ -7075,20 +6865,20 @@
                     <a:srgbClr val="ffffff"/>
                   </a:solidFill>
                 </a:uFill>
-                <a:latin typeface="Trebuchet MS"/>
+                <a:latin typeface="Arial"/>
               </a:rPr>
               <a:t>Click to edit the outline text format</a:t>
             </a:r>
-            <a:endParaRPr b="0" lang="en-US" sz="1800" spc="-1" strike="noStrike">
-              <a:solidFill>
-                <a:srgbClr val="ffffff"/>
-              </a:solidFill>
-              <a:uFill>
-                <a:solidFill>
-                  <a:srgbClr val="ffffff"/>
-                </a:solidFill>
-              </a:uFill>
-              <a:latin typeface="Trebuchet MS"/>
+            <a:endParaRPr b="0" lang="en-US" sz="3200" spc="-1" strike="noStrike">
+              <a:solidFill>
+                <a:srgbClr val="ffffff"/>
+              </a:solidFill>
+              <a:uFill>
+                <a:solidFill>
+                  <a:srgbClr val="ffffff"/>
+                </a:solidFill>
+              </a:uFill>
+              <a:latin typeface="Arial"/>
             </a:endParaRPr>
           </a:p>
           <a:p>
@@ -7104,7 +6894,7 @@
               <a:buChar char=""/>
             </a:pPr>
             <a:r>
-              <a:rPr b="0" lang="en-US" sz="1400" spc="-1" strike="noStrike">
+              <a:rPr b="0" lang="en-US" sz="2800" spc="-1" strike="noStrike">
                 <a:solidFill>
                   <a:srgbClr val="ffffff"/>
                 </a:solidFill>
@@ -7113,20 +6903,20 @@
                     <a:srgbClr val="ffffff"/>
                   </a:solidFill>
                 </a:uFill>
-                <a:latin typeface="Trebuchet MS"/>
+                <a:latin typeface="Arial"/>
               </a:rPr>
               <a:t>Second Outline Level</a:t>
             </a:r>
-            <a:endParaRPr b="0" lang="en-US" sz="1400" spc="-1" strike="noStrike">
-              <a:solidFill>
-                <a:srgbClr val="ffffff"/>
-              </a:solidFill>
-              <a:uFill>
-                <a:solidFill>
-                  <a:srgbClr val="ffffff"/>
-                </a:solidFill>
-              </a:uFill>
-              <a:latin typeface="Trebuchet MS"/>
+            <a:endParaRPr b="0" lang="en-US" sz="2800" spc="-1" strike="noStrike">
+              <a:solidFill>
+                <a:srgbClr val="ffffff"/>
+              </a:solidFill>
+              <a:uFill>
+                <a:solidFill>
+                  <a:srgbClr val="ffffff"/>
+                </a:solidFill>
+              </a:uFill>
+              <a:latin typeface="Arial"/>
             </a:endParaRPr>
           </a:p>
           <a:p>
@@ -7142,7 +6932,7 @@
               <a:buChar char=""/>
             </a:pPr>
             <a:r>
-              <a:rPr b="0" lang="en-US" sz="1200" spc="-1" strike="noStrike">
+              <a:rPr b="0" lang="en-US" sz="2400" spc="-1" strike="noStrike">
                 <a:solidFill>
                   <a:srgbClr val="ffffff"/>
                 </a:solidFill>
@@ -7151,20 +6941,20 @@
                     <a:srgbClr val="ffffff"/>
                   </a:solidFill>
                 </a:uFill>
-                <a:latin typeface="Trebuchet MS"/>
+                <a:latin typeface="Arial"/>
               </a:rPr>
               <a:t>Third Outline Level</a:t>
             </a:r>
-            <a:endParaRPr b="0" lang="en-US" sz="1200" spc="-1" strike="noStrike">
-              <a:solidFill>
-                <a:srgbClr val="ffffff"/>
-              </a:solidFill>
-              <a:uFill>
-                <a:solidFill>
-                  <a:srgbClr val="ffffff"/>
-                </a:solidFill>
-              </a:uFill>
-              <a:latin typeface="Trebuchet MS"/>
+            <a:endParaRPr b="0" lang="en-US" sz="2400" spc="-1" strike="noStrike">
+              <a:solidFill>
+                <a:srgbClr val="ffffff"/>
+              </a:solidFill>
+              <a:uFill>
+                <a:solidFill>
+                  <a:srgbClr val="ffffff"/>
+                </a:solidFill>
+              </a:uFill>
+              <a:latin typeface="Arial"/>
             </a:endParaRPr>
           </a:p>
           <a:p>
@@ -7180,7 +6970,7 @@
               <a:buChar char=""/>
             </a:pPr>
             <a:r>
-              <a:rPr b="0" lang="en-US" sz="1200" spc="-1" strike="noStrike">
+              <a:rPr b="0" lang="en-US" sz="2000" spc="-1" strike="noStrike">
                 <a:solidFill>
                   <a:srgbClr val="ffffff"/>
                 </a:solidFill>
@@ -7189,20 +6979,20 @@
                     <a:srgbClr val="ffffff"/>
                   </a:solidFill>
                 </a:uFill>
-                <a:latin typeface="Trebuchet MS"/>
+                <a:latin typeface="Arial"/>
               </a:rPr>
               <a:t>Fourth Outline Level</a:t>
             </a:r>
-            <a:endParaRPr b="0" lang="en-US" sz="1200" spc="-1" strike="noStrike">
-              <a:solidFill>
-                <a:srgbClr val="ffffff"/>
-              </a:solidFill>
-              <a:uFill>
-                <a:solidFill>
-                  <a:srgbClr val="ffffff"/>
-                </a:solidFill>
-              </a:uFill>
-              <a:latin typeface="Trebuchet MS"/>
+            <a:endParaRPr b="0" lang="en-US" sz="2000" spc="-1" strike="noStrike">
+              <a:solidFill>
+                <a:srgbClr val="ffffff"/>
+              </a:solidFill>
+              <a:uFill>
+                <a:solidFill>
+                  <a:srgbClr val="ffffff"/>
+                </a:solidFill>
+              </a:uFill>
+              <a:latin typeface="Arial"/>
             </a:endParaRPr>
           </a:p>
           <a:p>
@@ -7227,7 +7017,7 @@
                     <a:srgbClr val="ffffff"/>
                   </a:solidFill>
                 </a:uFill>
-                <a:latin typeface="Trebuchet MS"/>
+                <a:latin typeface="Arial"/>
               </a:rPr>
               <a:t>Fifth Outline Level</a:t>
             </a:r>
@@ -7240,7 +7030,7 @@
                   <a:srgbClr val="ffffff"/>
                 </a:solidFill>
               </a:uFill>
-              <a:latin typeface="Trebuchet MS"/>
+              <a:latin typeface="Arial"/>
             </a:endParaRPr>
           </a:p>
           <a:p>
@@ -7265,7 +7055,7 @@
                     <a:srgbClr val="ffffff"/>
                   </a:solidFill>
                 </a:uFill>
-                <a:latin typeface="Trebuchet MS"/>
+                <a:latin typeface="Arial"/>
               </a:rPr>
               <a:t>Sixth Outline Level</a:t>
             </a:r>
@@ -7278,7 +7068,7 @@
                   <a:srgbClr val="ffffff"/>
                 </a:solidFill>
               </a:uFill>
-              <a:latin typeface="Trebuchet MS"/>
+              <a:latin typeface="Arial"/>
             </a:endParaRPr>
           </a:p>
           <a:p>
@@ -7303,7 +7093,7 @@
                     <a:srgbClr val="ffffff"/>
                   </a:solidFill>
                 </a:uFill>
-                <a:latin typeface="Trebuchet MS"/>
+                <a:latin typeface="Arial"/>
               </a:rPr>
               <a:t>Seventh Outline Level</a:t>
             </a:r>
@@ -7316,7 +7106,7 @@
                   <a:srgbClr val="ffffff"/>
                 </a:solidFill>
               </a:uFill>
-              <a:latin typeface="Trebuchet MS"/>
+              <a:latin typeface="Arial"/>
             </a:endParaRPr>
           </a:p>
         </p:txBody>
@@ -7367,7 +7157,7 @@
       </p:grpSpPr>
       <p:sp>
         <p:nvSpPr>
-          <p:cNvPr id="112" name="Line 1"/>
+          <p:cNvPr id="106" name="Line 1"/>
           <p:cNvSpPr/>
           <p:nvPr/>
         </p:nvSpPr>
@@ -7404,7 +7194,7 @@
       </p:sp>
       <p:sp>
         <p:nvSpPr>
-          <p:cNvPr id="113" name="Line 2"/>
+          <p:cNvPr id="107" name="Line 2"/>
           <p:cNvSpPr/>
           <p:nvPr/>
         </p:nvSpPr>
@@ -7441,14 +7231,14 @@
       </p:sp>
       <p:sp>
         <p:nvSpPr>
-          <p:cNvPr id="114" name="CustomShape 3"/>
+          <p:cNvPr id="108" name="CustomShape 3"/>
           <p:cNvSpPr/>
           <p:nvPr/>
         </p:nvSpPr>
         <p:spPr>
           <a:xfrm>
             <a:off x="9181440" y="-8640"/>
-            <a:ext cx="3007080" cy="6866280"/>
+            <a:ext cx="3006720" cy="6865920"/>
           </a:xfrm>
           <a:custGeom>
             <a:avLst/>
@@ -7507,14 +7297,14 @@
       </p:sp>
       <p:sp>
         <p:nvSpPr>
-          <p:cNvPr id="115" name="CustomShape 4"/>
+          <p:cNvPr id="109" name="CustomShape 4"/>
           <p:cNvSpPr/>
           <p:nvPr/>
         </p:nvSpPr>
         <p:spPr>
           <a:xfrm>
             <a:off x="9603360" y="-8640"/>
-            <a:ext cx="2588040" cy="6866280"/>
+            <a:ext cx="2587680" cy="6865920"/>
           </a:xfrm>
           <a:custGeom>
             <a:avLst/>
@@ -7573,14 +7363,14 @@
       </p:sp>
       <p:sp>
         <p:nvSpPr>
-          <p:cNvPr id="116" name="CustomShape 5"/>
+          <p:cNvPr id="110" name="CustomShape 5"/>
           <p:cNvSpPr/>
           <p:nvPr/>
         </p:nvSpPr>
         <p:spPr>
           <a:xfrm>
             <a:off x="8932320" y="3048120"/>
-            <a:ext cx="3259440" cy="3809520"/>
+            <a:ext cx="3259080" cy="3809160"/>
           </a:xfrm>
           <a:prstGeom prst="triangle">
             <a:avLst>
@@ -7618,14 +7408,14 @@
       </p:sp>
       <p:sp>
         <p:nvSpPr>
-          <p:cNvPr id="117" name="CustomShape 6"/>
+          <p:cNvPr id="111" name="CustomShape 6"/>
           <p:cNvSpPr/>
           <p:nvPr/>
         </p:nvSpPr>
         <p:spPr>
           <a:xfrm>
             <a:off x="9334440" y="-8640"/>
-            <a:ext cx="2854080" cy="6866280"/>
+            <a:ext cx="2853720" cy="6865920"/>
           </a:xfrm>
           <a:custGeom>
             <a:avLst/>
@@ -7685,14 +7475,14 @@
       </p:sp>
       <p:sp>
         <p:nvSpPr>
-          <p:cNvPr id="118" name="CustomShape 7"/>
+          <p:cNvPr id="112" name="CustomShape 7"/>
           <p:cNvSpPr/>
           <p:nvPr/>
         </p:nvSpPr>
         <p:spPr>
           <a:xfrm>
             <a:off x="10898640" y="-8640"/>
-            <a:ext cx="1289880" cy="6866280"/>
+            <a:ext cx="1289520" cy="6865920"/>
           </a:xfrm>
           <a:custGeom>
             <a:avLst/>
@@ -7753,14 +7543,14 @@
       </p:sp>
       <p:sp>
         <p:nvSpPr>
-          <p:cNvPr id="119" name="CustomShape 8"/>
+          <p:cNvPr id="113" name="CustomShape 8"/>
           <p:cNvSpPr/>
           <p:nvPr/>
         </p:nvSpPr>
         <p:spPr>
           <a:xfrm>
             <a:off x="10938960" y="-8640"/>
-            <a:ext cx="1249560" cy="6866280"/>
+            <a:ext cx="1249200" cy="6865920"/>
           </a:xfrm>
           <a:custGeom>
             <a:avLst/>
@@ -7819,14 +7609,14 @@
       </p:sp>
       <p:sp>
         <p:nvSpPr>
-          <p:cNvPr id="120" name="CustomShape 9"/>
+          <p:cNvPr id="114" name="CustomShape 9"/>
           <p:cNvSpPr/>
           <p:nvPr/>
         </p:nvSpPr>
         <p:spPr>
           <a:xfrm>
             <a:off x="10371600" y="3589920"/>
-            <a:ext cx="1816920" cy="3267720"/>
+            <a:ext cx="1816560" cy="3267360"/>
           </a:xfrm>
           <a:prstGeom prst="triangle">
             <a:avLst>
@@ -7864,14 +7654,14 @@
       </p:sp>
       <p:sp>
         <p:nvSpPr>
-          <p:cNvPr id="121" name="CustomShape 10"/>
+          <p:cNvPr id="115" name="CustomShape 10"/>
           <p:cNvSpPr/>
           <p:nvPr/>
         </p:nvSpPr>
         <p:spPr>
           <a:xfrm>
             <a:off x="0" y="4013280"/>
-            <a:ext cx="448200" cy="2844360"/>
+            <a:ext cx="447840" cy="2844000"/>
           </a:xfrm>
           <a:prstGeom prst="triangle">
             <a:avLst>
@@ -7909,7 +7699,7 @@
       </p:sp>
       <p:sp>
         <p:nvSpPr>
-          <p:cNvPr id="122" name="PlaceHolder 11"/>
+          <p:cNvPr id="116" name="PlaceHolder 11"/>
           <p:cNvSpPr>
             <a:spLocks noGrp="1"/>
           </p:cNvSpPr>
@@ -7920,197 +7710,46 @@
         <p:spPr>
           <a:xfrm>
             <a:off x="677160" y="609480"/>
-            <a:ext cx="8596440" cy="1320480"/>
-          </a:xfrm>
-          <a:prstGeom prst="rect">
-            <a:avLst/>
-          </a:prstGeom>
-        </p:spPr>
-        <p:txBody>
-          <a:bodyPr/>
-          <a:p>
-            <a:pPr>
-              <a:lnSpc>
-                <a:spcPct val="100000"/>
-              </a:lnSpc>
-            </a:pPr>
+            <a:ext cx="8596080" cy="1320120"/>
+          </a:xfrm>
+          <a:prstGeom prst="rect">
+            <a:avLst/>
+          </a:prstGeom>
+        </p:spPr>
+        <p:txBody>
+          <a:bodyPr lIns="0" rIns="0" tIns="0" bIns="0" anchor="ctr"/>
+          <a:p>
             <a:r>
-              <a:rPr b="0" lang="en-US" sz="3600" spc="-1" strike="noStrike">
-                <a:solidFill>
-                  <a:srgbClr val="90c226"/>
+              <a:rPr b="0" lang="en-US" sz="1800" spc="-1" strike="noStrike">
+                <a:solidFill>
+                  <a:srgbClr val="ffffff"/>
                 </a:solidFill>
                 <a:uFill>
                   <a:solidFill>
                     <a:srgbClr val="ffffff"/>
                   </a:solidFill>
                 </a:uFill>
-                <a:latin typeface="Trebuchet MS"/>
+                <a:latin typeface="Arial"/>
               </a:rPr>
-              <a:t>Click to edit Master title style</a:t>
+              <a:t>Click to edit the title text format</a:t>
             </a:r>
-            <a:endParaRPr b="0" lang="en-US" sz="3600" spc="-1" strike="noStrike">
-              <a:solidFill>
-                <a:srgbClr val="ffffff"/>
-              </a:solidFill>
-              <a:uFill>
-                <a:solidFill>
-                  <a:srgbClr val="ffffff"/>
-                </a:solidFill>
-              </a:uFill>
-              <a:latin typeface="Trebuchet MS"/>
-            </a:endParaRPr>
-          </a:p>
-        </p:txBody>
-      </p:sp>
-      <p:sp>
-        <p:nvSpPr>
-          <p:cNvPr id="123" name="PlaceHolder 12"/>
-          <p:cNvSpPr>
-            <a:spLocks noGrp="1"/>
-          </p:cNvSpPr>
-          <p:nvPr>
-            <p:ph type="dt"/>
-          </p:nvPr>
-        </p:nvSpPr>
-        <p:spPr>
-          <a:xfrm>
-            <a:off x="7205040" y="6041520"/>
-            <a:ext cx="911520" cy="364680"/>
-          </a:xfrm>
-          <a:prstGeom prst="rect">
-            <a:avLst/>
-          </a:prstGeom>
-        </p:spPr>
-        <p:txBody>
-          <a:bodyPr anchor="ctr"/>
-          <a:p>
-            <a:pPr algn="r">
-              <a:lnSpc>
-                <a:spcPct val="100000"/>
-              </a:lnSpc>
-            </a:pPr>
-            <a:fld id="{29DEA5DA-2D8E-4D76-92B3-E5D2D9BFEF4F}" type="datetime">
-              <a:rPr b="0" lang="en-US" sz="900" spc="-1" strike="noStrike">
-                <a:solidFill>
-                  <a:srgbClr val="ffffff"/>
-                </a:solidFill>
-                <a:uFill>
-                  <a:solidFill>
-                    <a:srgbClr val="ffffff"/>
-                  </a:solidFill>
-                </a:uFill>
-                <a:latin typeface="Trebuchet MS"/>
-              </a:rPr>
-              <a:t>12/7/17</a:t>
-            </a:fld>
-            <a:endParaRPr b="0" lang="en-US" sz="1400" spc="-1" strike="noStrike">
-              <a:solidFill>
-                <a:srgbClr val="ffffff"/>
-              </a:solidFill>
-              <a:uFill>
-                <a:solidFill>
-                  <a:srgbClr val="ffffff"/>
-                </a:solidFill>
-              </a:uFill>
-              <a:latin typeface="Times New Roman"/>
-            </a:endParaRPr>
-          </a:p>
-        </p:txBody>
-      </p:sp>
-      <p:sp>
-        <p:nvSpPr>
-          <p:cNvPr id="124" name="PlaceHolder 13"/>
-          <p:cNvSpPr>
-            <a:spLocks noGrp="1"/>
-          </p:cNvSpPr>
-          <p:nvPr>
-            <p:ph type="ftr"/>
-          </p:nvPr>
-        </p:nvSpPr>
-        <p:spPr>
-          <a:xfrm>
-            <a:off x="677160" y="6041520"/>
-            <a:ext cx="6297120" cy="364680"/>
-          </a:xfrm>
-          <a:prstGeom prst="rect">
-            <a:avLst/>
-          </a:prstGeom>
-        </p:spPr>
-        <p:txBody>
-          <a:bodyPr anchor="ctr"/>
-          <a:p>
-            <a:endParaRPr b="0" lang="en-US" sz="2400" spc="-1" strike="noStrike">
-              <a:solidFill>
-                <a:srgbClr val="ffffff"/>
-              </a:solidFill>
-              <a:uFill>
-                <a:solidFill>
-                  <a:srgbClr val="ffffff"/>
-                </a:solidFill>
-              </a:uFill>
-              <a:latin typeface="Times New Roman"/>
-            </a:endParaRPr>
-          </a:p>
-        </p:txBody>
-      </p:sp>
-      <p:sp>
-        <p:nvSpPr>
-          <p:cNvPr id="125" name="PlaceHolder 14"/>
-          <p:cNvSpPr>
-            <a:spLocks noGrp="1"/>
-          </p:cNvSpPr>
-          <p:nvPr>
-            <p:ph type="sldNum"/>
-          </p:nvPr>
-        </p:nvSpPr>
-        <p:spPr>
-          <a:xfrm>
-            <a:off x="8590680" y="6041520"/>
-            <a:ext cx="682920" cy="364680"/>
-          </a:xfrm>
-          <a:prstGeom prst="rect">
-            <a:avLst/>
-          </a:prstGeom>
-        </p:spPr>
-        <p:txBody>
-          <a:bodyPr anchor="ctr"/>
-          <a:p>
-            <a:pPr algn="r">
-              <a:lnSpc>
-                <a:spcPct val="100000"/>
-              </a:lnSpc>
-            </a:pPr>
-            <a:fld id="{BE887756-02ED-447F-B8DD-3442B66D90FD}" type="slidenum">
-              <a:rPr b="0" lang="en-US" sz="900" spc="-1" strike="noStrike">
-                <a:solidFill>
-                  <a:srgbClr val="90c226"/>
-                </a:solidFill>
-                <a:uFill>
-                  <a:solidFill>
-                    <a:srgbClr val="ffffff"/>
-                  </a:solidFill>
-                </a:uFill>
-                <a:latin typeface="Trebuchet MS"/>
-              </a:rPr>
-              <a:t>&lt;number&gt;</a:t>
-            </a:fld>
-            <a:endParaRPr b="0" lang="en-US" sz="1400" spc="-1" strike="noStrike">
-              <a:solidFill>
-                <a:srgbClr val="ffffff"/>
-              </a:solidFill>
-              <a:uFill>
-                <a:solidFill>
-                  <a:srgbClr val="ffffff"/>
-                </a:solidFill>
-              </a:uFill>
-              <a:latin typeface="Times New Roman"/>
-            </a:endParaRPr>
-          </a:p>
-        </p:txBody>
-      </p:sp>
-      <p:sp>
-        <p:nvSpPr>
-          <p:cNvPr id="126" name="PlaceHolder 15"/>
+            <a:endParaRPr b="0" lang="en-US" sz="1800" spc="-1" strike="noStrike">
+              <a:solidFill>
+                <a:srgbClr val="ffffff"/>
+              </a:solidFill>
+              <a:uFill>
+                <a:solidFill>
+                  <a:srgbClr val="ffffff"/>
+                </a:solidFill>
+              </a:uFill>
+              <a:latin typeface="Arial"/>
+            </a:endParaRPr>
+          </a:p>
+        </p:txBody>
+      </p:sp>
+      <p:sp>
+        <p:nvSpPr>
+          <p:cNvPr id="117" name="PlaceHolder 12"/>
           <p:cNvSpPr>
             <a:spLocks noGrp="1"/>
           </p:cNvSpPr>
@@ -8142,7 +7781,7 @@
               <a:buChar char=""/>
             </a:pPr>
             <a:r>
-              <a:rPr b="0" lang="en-US" sz="1800" spc="-1" strike="noStrike">
+              <a:rPr b="0" lang="en-US" sz="3200" spc="-1" strike="noStrike">
                 <a:solidFill>
                   <a:srgbClr val="ffffff"/>
                 </a:solidFill>
@@ -8151,20 +7790,20 @@
                     <a:srgbClr val="ffffff"/>
                   </a:solidFill>
                 </a:uFill>
-                <a:latin typeface="Trebuchet MS"/>
+                <a:latin typeface="Arial"/>
               </a:rPr>
               <a:t>Click to edit the outline text format</a:t>
             </a:r>
-            <a:endParaRPr b="0" lang="en-US" sz="1800" spc="-1" strike="noStrike">
-              <a:solidFill>
-                <a:srgbClr val="ffffff"/>
-              </a:solidFill>
-              <a:uFill>
-                <a:solidFill>
-                  <a:srgbClr val="ffffff"/>
-                </a:solidFill>
-              </a:uFill>
-              <a:latin typeface="Trebuchet MS"/>
+            <a:endParaRPr b="0" lang="en-US" sz="3200" spc="-1" strike="noStrike">
+              <a:solidFill>
+                <a:srgbClr val="ffffff"/>
+              </a:solidFill>
+              <a:uFill>
+                <a:solidFill>
+                  <a:srgbClr val="ffffff"/>
+                </a:solidFill>
+              </a:uFill>
+              <a:latin typeface="Arial"/>
             </a:endParaRPr>
           </a:p>
           <a:p>
@@ -8180,7 +7819,7 @@
               <a:buChar char=""/>
             </a:pPr>
             <a:r>
-              <a:rPr b="0" lang="en-US" sz="1400" spc="-1" strike="noStrike">
+              <a:rPr b="0" lang="en-US" sz="2800" spc="-1" strike="noStrike">
                 <a:solidFill>
                   <a:srgbClr val="ffffff"/>
                 </a:solidFill>
@@ -8189,20 +7828,20 @@
                     <a:srgbClr val="ffffff"/>
                   </a:solidFill>
                 </a:uFill>
-                <a:latin typeface="Trebuchet MS"/>
+                <a:latin typeface="Arial"/>
               </a:rPr>
               <a:t>Second Outline Level</a:t>
             </a:r>
-            <a:endParaRPr b="0" lang="en-US" sz="1400" spc="-1" strike="noStrike">
-              <a:solidFill>
-                <a:srgbClr val="ffffff"/>
-              </a:solidFill>
-              <a:uFill>
-                <a:solidFill>
-                  <a:srgbClr val="ffffff"/>
-                </a:solidFill>
-              </a:uFill>
-              <a:latin typeface="Trebuchet MS"/>
+            <a:endParaRPr b="0" lang="en-US" sz="2800" spc="-1" strike="noStrike">
+              <a:solidFill>
+                <a:srgbClr val="ffffff"/>
+              </a:solidFill>
+              <a:uFill>
+                <a:solidFill>
+                  <a:srgbClr val="ffffff"/>
+                </a:solidFill>
+              </a:uFill>
+              <a:latin typeface="Arial"/>
             </a:endParaRPr>
           </a:p>
           <a:p>
@@ -8218,7 +7857,7 @@
               <a:buChar char=""/>
             </a:pPr>
             <a:r>
-              <a:rPr b="0" lang="en-US" sz="1200" spc="-1" strike="noStrike">
+              <a:rPr b="0" lang="en-US" sz="2400" spc="-1" strike="noStrike">
                 <a:solidFill>
                   <a:srgbClr val="ffffff"/>
                 </a:solidFill>
@@ -8227,20 +7866,20 @@
                     <a:srgbClr val="ffffff"/>
                   </a:solidFill>
                 </a:uFill>
-                <a:latin typeface="Trebuchet MS"/>
+                <a:latin typeface="Arial"/>
               </a:rPr>
               <a:t>Third Outline Level</a:t>
             </a:r>
-            <a:endParaRPr b="0" lang="en-US" sz="1200" spc="-1" strike="noStrike">
-              <a:solidFill>
-                <a:srgbClr val="ffffff"/>
-              </a:solidFill>
-              <a:uFill>
-                <a:solidFill>
-                  <a:srgbClr val="ffffff"/>
-                </a:solidFill>
-              </a:uFill>
-              <a:latin typeface="Trebuchet MS"/>
+            <a:endParaRPr b="0" lang="en-US" sz="2400" spc="-1" strike="noStrike">
+              <a:solidFill>
+                <a:srgbClr val="ffffff"/>
+              </a:solidFill>
+              <a:uFill>
+                <a:solidFill>
+                  <a:srgbClr val="ffffff"/>
+                </a:solidFill>
+              </a:uFill>
+              <a:latin typeface="Arial"/>
             </a:endParaRPr>
           </a:p>
           <a:p>
@@ -8256,7 +7895,7 @@
               <a:buChar char=""/>
             </a:pPr>
             <a:r>
-              <a:rPr b="0" lang="en-US" sz="1200" spc="-1" strike="noStrike">
+              <a:rPr b="0" lang="en-US" sz="2000" spc="-1" strike="noStrike">
                 <a:solidFill>
                   <a:srgbClr val="ffffff"/>
                 </a:solidFill>
@@ -8265,20 +7904,20 @@
                     <a:srgbClr val="ffffff"/>
                   </a:solidFill>
                 </a:uFill>
-                <a:latin typeface="Trebuchet MS"/>
+                <a:latin typeface="Arial"/>
               </a:rPr>
               <a:t>Fourth Outline Level</a:t>
             </a:r>
-            <a:endParaRPr b="0" lang="en-US" sz="1200" spc="-1" strike="noStrike">
-              <a:solidFill>
-                <a:srgbClr val="ffffff"/>
-              </a:solidFill>
-              <a:uFill>
-                <a:solidFill>
-                  <a:srgbClr val="ffffff"/>
-                </a:solidFill>
-              </a:uFill>
-              <a:latin typeface="Trebuchet MS"/>
+            <a:endParaRPr b="0" lang="en-US" sz="2000" spc="-1" strike="noStrike">
+              <a:solidFill>
+                <a:srgbClr val="ffffff"/>
+              </a:solidFill>
+              <a:uFill>
+                <a:solidFill>
+                  <a:srgbClr val="ffffff"/>
+                </a:solidFill>
+              </a:uFill>
+              <a:latin typeface="Arial"/>
             </a:endParaRPr>
           </a:p>
           <a:p>
@@ -8303,7 +7942,7 @@
                     <a:srgbClr val="ffffff"/>
                   </a:solidFill>
                 </a:uFill>
-                <a:latin typeface="Trebuchet MS"/>
+                <a:latin typeface="Arial"/>
               </a:rPr>
               <a:t>Fifth Outline Level</a:t>
             </a:r>
@@ -8316,7 +7955,7 @@
                   <a:srgbClr val="ffffff"/>
                 </a:solidFill>
               </a:uFill>
-              <a:latin typeface="Trebuchet MS"/>
+              <a:latin typeface="Arial"/>
             </a:endParaRPr>
           </a:p>
           <a:p>
@@ -8341,7 +7980,7 @@
                     <a:srgbClr val="ffffff"/>
                   </a:solidFill>
                 </a:uFill>
-                <a:latin typeface="Trebuchet MS"/>
+                <a:latin typeface="Arial"/>
               </a:rPr>
               <a:t>Sixth Outline Level</a:t>
             </a:r>
@@ -8354,7 +7993,7 @@
                   <a:srgbClr val="ffffff"/>
                 </a:solidFill>
               </a:uFill>
-              <a:latin typeface="Trebuchet MS"/>
+              <a:latin typeface="Arial"/>
             </a:endParaRPr>
           </a:p>
           <a:p>
@@ -8379,7 +8018,7 @@
                     <a:srgbClr val="ffffff"/>
                   </a:solidFill>
                 </a:uFill>
-                <a:latin typeface="Trebuchet MS"/>
+                <a:latin typeface="Arial"/>
               </a:rPr>
               <a:t>Seventh Outline Level</a:t>
             </a:r>
@@ -8392,7 +8031,7 @@
                   <a:srgbClr val="ffffff"/>
                 </a:solidFill>
               </a:uFill>
-              <a:latin typeface="Trebuchet MS"/>
+              <a:latin typeface="Arial"/>
             </a:endParaRPr>
           </a:p>
         </p:txBody>
@@ -8436,14 +8075,14 @@
       </p:grpSpPr>
       <p:sp>
         <p:nvSpPr>
-          <p:cNvPr id="163" name="TextShape 1"/>
-          <p:cNvSpPr txBox="1"/>
+          <p:cNvPr id="154" name="CustomShape 1"/>
+          <p:cNvSpPr/>
           <p:nvPr/>
         </p:nvSpPr>
         <p:spPr>
           <a:xfrm>
             <a:off x="677160" y="609480"/>
-            <a:ext cx="8596440" cy="1320480"/>
+            <a:ext cx="8596080" cy="1320120"/>
           </a:xfrm>
           <a:prstGeom prst="rect">
             <a:avLst/>
@@ -8453,8 +8092,14 @@
             <a:noFill/>
           </a:ln>
         </p:spPr>
-        <p:txBody>
-          <a:bodyPr/>
+        <p:style>
+          <a:lnRef idx="0"/>
+          <a:fillRef idx="0"/>
+          <a:effectRef idx="0"/>
+          <a:fontRef idx="minor"/>
+        </p:style>
+        <p:txBody>
+          <a:bodyPr lIns="90000" rIns="90000" tIns="45000" bIns="45000"/>
           <a:p>
             <a:pPr>
               <a:lnSpc>
@@ -8484,21 +8129,21 @@
                   <a:srgbClr val="ffffff"/>
                 </a:solidFill>
               </a:uFill>
-              <a:latin typeface="Trebuchet MS"/>
-            </a:endParaRPr>
-          </a:p>
-        </p:txBody>
-      </p:sp>
-      <p:sp>
-        <p:nvSpPr>
-          <p:cNvPr id="164" name="TextShape 2"/>
-          <p:cNvSpPr txBox="1"/>
+              <a:latin typeface="Arial"/>
+            </a:endParaRPr>
+          </a:p>
+        </p:txBody>
+      </p:sp>
+      <p:sp>
+        <p:nvSpPr>
+          <p:cNvPr id="155" name="CustomShape 2"/>
+          <p:cNvSpPr/>
           <p:nvPr/>
         </p:nvSpPr>
         <p:spPr>
           <a:xfrm>
             <a:off x="677160" y="1270080"/>
-            <a:ext cx="5461920" cy="824760"/>
+            <a:ext cx="5461560" cy="824400"/>
           </a:xfrm>
           <a:prstGeom prst="rect">
             <a:avLst/>
@@ -8508,8 +8153,14 @@
             <a:noFill/>
           </a:ln>
         </p:spPr>
-        <p:txBody>
-          <a:bodyPr/>
+        <p:style>
+          <a:lnRef idx="0"/>
+          <a:fillRef idx="0"/>
+          <a:effectRef idx="0"/>
+          <a:fontRef idx="minor"/>
+        </p:style>
+        <p:txBody>
+          <a:bodyPr lIns="90000" rIns="90000" tIns="45000" bIns="45000"/>
           <a:p>
             <a:pPr>
               <a:lnSpc>
@@ -8542,14 +8193,14 @@
                   <a:srgbClr val="ffffff"/>
                 </a:solidFill>
               </a:uFill>
-              <a:latin typeface="Trebuchet MS"/>
+              <a:latin typeface="Arial"/>
             </a:endParaRPr>
           </a:p>
         </p:txBody>
       </p:sp>
       <p:pic>
         <p:nvPicPr>
-          <p:cNvPr id="165" name="Picture 6" descr=""/>
+          <p:cNvPr id="156" name="Picture 6" descr=""/>
           <p:cNvPicPr/>
           <p:nvPr/>
         </p:nvPicPr>
@@ -8560,7 +8211,7 @@
         <p:spPr>
           <a:xfrm>
             <a:off x="1306080" y="2202480"/>
-            <a:ext cx="2101680" cy="4188600"/>
+            <a:ext cx="2101320" cy="4188240"/>
           </a:xfrm>
           <a:prstGeom prst="rect">
             <a:avLst/>
@@ -8572,7 +8223,7 @@
       </p:pic>
       <p:pic>
         <p:nvPicPr>
-          <p:cNvPr id="166" name="Picture 7" descr=""/>
+          <p:cNvPr id="157" name="Picture 7" descr=""/>
           <p:cNvPicPr/>
           <p:nvPr/>
         </p:nvPicPr>
@@ -8583,7 +8234,7 @@
         <p:spPr>
           <a:xfrm>
             <a:off x="4094280" y="2181240"/>
-            <a:ext cx="2170440" cy="4231440"/>
+            <a:ext cx="2170080" cy="4231080"/>
           </a:xfrm>
           <a:prstGeom prst="rect">
             <a:avLst/>
@@ -8595,7 +8246,7 @@
       </p:pic>
       <p:pic>
         <p:nvPicPr>
-          <p:cNvPr id="167" name="Picture 8" descr=""/>
+          <p:cNvPr id="158" name="Picture 8" descr=""/>
           <p:cNvPicPr/>
           <p:nvPr/>
         </p:nvPicPr>
@@ -8606,7 +8257,7 @@
         <p:spPr>
           <a:xfrm>
             <a:off x="6950880" y="2202480"/>
-            <a:ext cx="2148480" cy="4208400"/>
+            <a:ext cx="2148120" cy="4208040"/>
           </a:xfrm>
           <a:prstGeom prst="rect">
             <a:avLst/>
@@ -8667,14 +8318,14 @@
       </p:grpSpPr>
       <p:sp>
         <p:nvSpPr>
-          <p:cNvPr id="168" name="TextShape 1"/>
-          <p:cNvSpPr txBox="1"/>
+          <p:cNvPr id="159" name="CustomShape 1"/>
+          <p:cNvSpPr/>
           <p:nvPr/>
         </p:nvSpPr>
         <p:spPr>
           <a:xfrm>
             <a:off x="677160" y="609480"/>
-            <a:ext cx="10042200" cy="798840"/>
+            <a:ext cx="10041840" cy="798480"/>
           </a:xfrm>
           <a:prstGeom prst="rect">
             <a:avLst/>
@@ -8684,8 +8335,14 @@
             <a:noFill/>
           </a:ln>
         </p:spPr>
-        <p:txBody>
-          <a:bodyPr/>
+        <p:style>
+          <a:lnRef idx="0"/>
+          <a:fillRef idx="0"/>
+          <a:effectRef idx="0"/>
+          <a:fontRef idx="minor"/>
+        </p:style>
+        <p:txBody>
+          <a:bodyPr lIns="90000" rIns="90000" tIns="45000" bIns="45000"/>
           <a:p>
             <a:pPr algn="ctr">
               <a:lnSpc>
@@ -8715,21 +8372,21 @@
                   <a:srgbClr val="ffffff"/>
                 </a:solidFill>
               </a:uFill>
-              <a:latin typeface="Trebuchet MS"/>
-            </a:endParaRPr>
-          </a:p>
-        </p:txBody>
-      </p:sp>
-      <p:sp>
-        <p:nvSpPr>
-          <p:cNvPr id="169" name="TextShape 2"/>
-          <p:cNvSpPr txBox="1"/>
+              <a:latin typeface="Arial"/>
+            </a:endParaRPr>
+          </a:p>
+        </p:txBody>
+      </p:sp>
+      <p:sp>
+        <p:nvSpPr>
+          <p:cNvPr id="160" name="CustomShape 2"/>
+          <p:cNvSpPr/>
           <p:nvPr/>
         </p:nvSpPr>
         <p:spPr>
           <a:xfrm>
             <a:off x="1474920" y="1409040"/>
-            <a:ext cx="8596440" cy="4797000"/>
+            <a:ext cx="8596080" cy="4796640"/>
           </a:xfrm>
           <a:prstGeom prst="rect">
             <a:avLst/>
@@ -8739,10 +8396,16 @@
             <a:noFill/>
           </a:ln>
         </p:spPr>
-        <p:txBody>
-          <a:bodyPr/>
-          <a:p>
-            <a:pPr marL="343080" indent="-342720">
+        <p:style>
+          <a:lnRef idx="0"/>
+          <a:fillRef idx="0"/>
+          <a:effectRef idx="0"/>
+          <a:fontRef idx="minor"/>
+        </p:style>
+        <p:txBody>
+          <a:bodyPr lIns="90000" rIns="90000" tIns="45000" bIns="45000"/>
+          <a:p>
+            <a:pPr marL="343080" indent="-342360">
               <a:lnSpc>
                 <a:spcPct val="100000"/>
               </a:lnSpc>
@@ -8779,11 +8442,11 @@
                   <a:srgbClr val="ffffff"/>
                 </a:solidFill>
               </a:uFill>
-              <a:latin typeface="Trebuchet MS"/>
-            </a:endParaRPr>
-          </a:p>
-          <a:p>
-            <a:pPr marL="343080" indent="-342720">
+              <a:latin typeface="Arial"/>
+            </a:endParaRPr>
+          </a:p>
+          <a:p>
+            <a:pPr marL="343080" indent="-342360">
               <a:lnSpc>
                 <a:spcPct val="100000"/>
               </a:lnSpc>
@@ -8820,7 +8483,7 @@
                   <a:srgbClr val="ffffff"/>
                 </a:solidFill>
               </a:uFill>
-              <a:latin typeface="Trebuchet MS"/>
+              <a:latin typeface="Arial"/>
             </a:endParaRPr>
           </a:p>
           <a:p>
@@ -8869,7 +8532,7 @@
                   <a:srgbClr val="ffffff"/>
                 </a:solidFill>
               </a:uFill>
-              <a:latin typeface="Trebuchet MS"/>
+              <a:latin typeface="Arial"/>
             </a:endParaRPr>
           </a:p>
           <a:p>
@@ -8918,7 +8581,7 @@
                   <a:srgbClr val="ffffff"/>
                 </a:solidFill>
               </a:uFill>
-              <a:latin typeface="Trebuchet MS"/>
+              <a:latin typeface="Arial"/>
             </a:endParaRPr>
           </a:p>
           <a:p>
@@ -8967,11 +8630,11 @@
                   <a:srgbClr val="ffffff"/>
                 </a:solidFill>
               </a:uFill>
-              <a:latin typeface="Trebuchet MS"/>
-            </a:endParaRPr>
-          </a:p>
-          <a:p>
-            <a:pPr marL="343080" indent="-342720">
+              <a:latin typeface="Arial"/>
+            </a:endParaRPr>
+          </a:p>
+          <a:p>
+            <a:pPr marL="343080" indent="-342360">
               <a:lnSpc>
                 <a:spcPct val="100000"/>
               </a:lnSpc>
@@ -9008,7 +8671,7 @@
                   <a:srgbClr val="ffffff"/>
                 </a:solidFill>
               </a:uFill>
-              <a:latin typeface="Trebuchet MS"/>
+              <a:latin typeface="Arial"/>
             </a:endParaRPr>
           </a:p>
           <a:p>
@@ -9029,11 +8692,11 @@
                   <a:srgbClr val="ffffff"/>
                 </a:solidFill>
               </a:uFill>
-              <a:latin typeface="Trebuchet MS"/>
-            </a:endParaRPr>
-          </a:p>
-          <a:p>
-            <a:pPr marL="343080" indent="-342720">
+              <a:latin typeface="Arial"/>
+            </a:endParaRPr>
+          </a:p>
+          <a:p>
+            <a:pPr marL="343080" indent="-342360">
               <a:lnSpc>
                 <a:spcPct val="100000"/>
               </a:lnSpc>
@@ -9070,11 +8733,11 @@
                   <a:srgbClr val="ffffff"/>
                 </a:solidFill>
               </a:uFill>
-              <a:latin typeface="Trebuchet MS"/>
-            </a:endParaRPr>
-          </a:p>
-          <a:p>
-            <a:pPr marL="343080" indent="-342720">
+              <a:latin typeface="Arial"/>
+            </a:endParaRPr>
+          </a:p>
+          <a:p>
+            <a:pPr marL="343080" indent="-342360">
               <a:lnSpc>
                 <a:spcPct val="100000"/>
               </a:lnSpc>
@@ -9111,7 +8774,7 @@
                   <a:srgbClr val="ffffff"/>
                 </a:solidFill>
               </a:uFill>
-              <a:latin typeface="Trebuchet MS"/>
+              <a:latin typeface="Arial"/>
             </a:endParaRPr>
           </a:p>
         </p:txBody>
@@ -9167,14 +8830,14 @@
       </p:grpSpPr>
       <p:sp>
         <p:nvSpPr>
-          <p:cNvPr id="170" name="TextShape 1"/>
-          <p:cNvSpPr txBox="1"/>
+          <p:cNvPr id="161" name="CustomShape 1"/>
+          <p:cNvSpPr/>
           <p:nvPr/>
         </p:nvSpPr>
         <p:spPr>
           <a:xfrm>
             <a:off x="677160" y="227160"/>
-            <a:ext cx="8596440" cy="714960"/>
+            <a:ext cx="8596080" cy="714600"/>
           </a:xfrm>
           <a:prstGeom prst="rect">
             <a:avLst/>
@@ -9184,8 +8847,14 @@
             <a:noFill/>
           </a:ln>
         </p:spPr>
-        <p:txBody>
-          <a:bodyPr/>
+        <p:style>
+          <a:lnRef idx="0"/>
+          <a:fillRef idx="0"/>
+          <a:effectRef idx="0"/>
+          <a:fontRef idx="minor"/>
+        </p:style>
+        <p:txBody>
+          <a:bodyPr lIns="90000" rIns="90000" tIns="45000" bIns="45000"/>
           <a:p>
             <a:pPr algn="ctr">
               <a:lnSpc>
@@ -9215,21 +8884,21 @@
                   <a:srgbClr val="ffffff"/>
                 </a:solidFill>
               </a:uFill>
-              <a:latin typeface="Trebuchet MS"/>
-            </a:endParaRPr>
-          </a:p>
-        </p:txBody>
-      </p:sp>
-      <p:sp>
-        <p:nvSpPr>
-          <p:cNvPr id="171" name="TextShape 2"/>
-          <p:cNvSpPr txBox="1"/>
+              <a:latin typeface="Arial"/>
+            </a:endParaRPr>
+          </a:p>
+        </p:txBody>
+      </p:sp>
+      <p:sp>
+        <p:nvSpPr>
+          <p:cNvPr id="162" name="CustomShape 2"/>
+          <p:cNvSpPr/>
           <p:nvPr/>
         </p:nvSpPr>
         <p:spPr>
           <a:xfrm>
             <a:off x="2552760" y="1306440"/>
-            <a:ext cx="9492840" cy="5098680"/>
+            <a:ext cx="9492480" cy="5098320"/>
           </a:xfrm>
           <a:prstGeom prst="rect">
             <a:avLst/>
@@ -9239,10 +8908,16 @@
             <a:noFill/>
           </a:ln>
         </p:spPr>
-        <p:txBody>
-          <a:bodyPr/>
-          <a:p>
-            <a:pPr lvl="1" marL="743040" indent="-285480">
+        <p:style>
+          <a:lnRef idx="0"/>
+          <a:fillRef idx="0"/>
+          <a:effectRef idx="0"/>
+          <a:fontRef idx="minor"/>
+        </p:style>
+        <p:txBody>
+          <a:bodyPr lIns="90000" rIns="90000" tIns="45000" bIns="45000"/>
+          <a:p>
+            <a:pPr lvl="1" marL="743040" indent="-285120">
               <a:lnSpc>
                 <a:spcPct val="100000"/>
               </a:lnSpc>
@@ -9270,20 +8945,20 @@
               </a:rPr>
               <a:t>Functional</a:t>
             </a:r>
-            <a:endParaRPr b="0" lang="en-US" sz="1400" spc="-1" strike="noStrike">
-              <a:solidFill>
-                <a:srgbClr val="ffffff"/>
-              </a:solidFill>
-              <a:uFill>
-                <a:solidFill>
-                  <a:srgbClr val="ffffff"/>
-                </a:solidFill>
-              </a:uFill>
-              <a:latin typeface="Trebuchet MS"/>
-            </a:endParaRPr>
-          </a:p>
-          <a:p>
-            <a:pPr lvl="2" marL="1143000" indent="-228240">
+            <a:endParaRPr b="0" lang="en-US" sz="1800" spc="-1" strike="noStrike">
+              <a:solidFill>
+                <a:srgbClr val="ffffff"/>
+              </a:solidFill>
+              <a:uFill>
+                <a:solidFill>
+                  <a:srgbClr val="ffffff"/>
+                </a:solidFill>
+              </a:uFill>
+              <a:latin typeface="Arial"/>
+            </a:endParaRPr>
+          </a:p>
+          <a:p>
+            <a:pPr lvl="2" marL="1143000" indent="-227880">
               <a:lnSpc>
                 <a:spcPct val="100000"/>
               </a:lnSpc>
@@ -9311,20 +8986,20 @@
               </a:rPr>
               <a:t>Home Page</a:t>
             </a:r>
-            <a:endParaRPr b="0" lang="en-US" sz="1200" spc="-1" strike="noStrike">
-              <a:solidFill>
-                <a:srgbClr val="ffffff"/>
-              </a:solidFill>
-              <a:uFill>
-                <a:solidFill>
-                  <a:srgbClr val="ffffff"/>
-                </a:solidFill>
-              </a:uFill>
-              <a:latin typeface="Trebuchet MS"/>
-            </a:endParaRPr>
-          </a:p>
-          <a:p>
-            <a:pPr lvl="3" marL="1600200" indent="-228240">
+            <a:endParaRPr b="0" lang="en-US" sz="1800" spc="-1" strike="noStrike">
+              <a:solidFill>
+                <a:srgbClr val="ffffff"/>
+              </a:solidFill>
+              <a:uFill>
+                <a:solidFill>
+                  <a:srgbClr val="ffffff"/>
+                </a:solidFill>
+              </a:uFill>
+              <a:latin typeface="Arial"/>
+            </a:endParaRPr>
+          </a:p>
+          <a:p>
+            <a:pPr lvl="3" marL="1600200" indent="-227880">
               <a:lnSpc>
                 <a:spcPct val="100000"/>
               </a:lnSpc>
@@ -9352,20 +9027,20 @@
               </a:rPr>
               <a:t>NavBar</a:t>
             </a:r>
-            <a:endParaRPr b="0" lang="en-US" sz="1200" spc="-1" strike="noStrike">
-              <a:solidFill>
-                <a:srgbClr val="ffffff"/>
-              </a:solidFill>
-              <a:uFill>
-                <a:solidFill>
-                  <a:srgbClr val="ffffff"/>
-                </a:solidFill>
-              </a:uFill>
-              <a:latin typeface="Trebuchet MS"/>
-            </a:endParaRPr>
-          </a:p>
-          <a:p>
-            <a:pPr lvl="4" marL="2057400" indent="-228240">
+            <a:endParaRPr b="0" lang="en-US" sz="1800" spc="-1" strike="noStrike">
+              <a:solidFill>
+                <a:srgbClr val="ffffff"/>
+              </a:solidFill>
+              <a:uFill>
+                <a:solidFill>
+                  <a:srgbClr val="ffffff"/>
+                </a:solidFill>
+              </a:uFill>
+              <a:latin typeface="Arial"/>
+            </a:endParaRPr>
+          </a:p>
+          <a:p>
+            <a:pPr lvl="4" marL="2057400" indent="-227880">
               <a:lnSpc>
                 <a:spcPct val="100000"/>
               </a:lnSpc>
@@ -9393,20 +9068,20 @@
               </a:rPr>
               <a:t>Home Page</a:t>
             </a:r>
-            <a:endParaRPr b="0" lang="en-US" sz="2000" spc="-1" strike="noStrike">
-              <a:solidFill>
-                <a:srgbClr val="ffffff"/>
-              </a:solidFill>
-              <a:uFill>
-                <a:solidFill>
-                  <a:srgbClr val="ffffff"/>
-                </a:solidFill>
-              </a:uFill>
-              <a:latin typeface="Trebuchet MS"/>
-            </a:endParaRPr>
-          </a:p>
-          <a:p>
-            <a:pPr lvl="4" marL="2057400" indent="-228240">
+            <a:endParaRPr b="0" lang="en-US" sz="1800" spc="-1" strike="noStrike">
+              <a:solidFill>
+                <a:srgbClr val="ffffff"/>
+              </a:solidFill>
+              <a:uFill>
+                <a:solidFill>
+                  <a:srgbClr val="ffffff"/>
+                </a:solidFill>
+              </a:uFill>
+              <a:latin typeface="Arial"/>
+            </a:endParaRPr>
+          </a:p>
+          <a:p>
+            <a:pPr lvl="4" marL="2057400" indent="-227880">
               <a:lnSpc>
                 <a:spcPct val="100000"/>
               </a:lnSpc>
@@ -9434,20 +9109,20 @@
               </a:rPr>
               <a:t>Menu Items</a:t>
             </a:r>
-            <a:endParaRPr b="0" lang="en-US" sz="2000" spc="-1" strike="noStrike">
-              <a:solidFill>
-                <a:srgbClr val="ffffff"/>
-              </a:solidFill>
-              <a:uFill>
-                <a:solidFill>
-                  <a:srgbClr val="ffffff"/>
-                </a:solidFill>
-              </a:uFill>
-              <a:latin typeface="Trebuchet MS"/>
-            </a:endParaRPr>
-          </a:p>
-          <a:p>
-            <a:pPr lvl="5" marL="2514600" indent="-228240">
+            <a:endParaRPr b="0" lang="en-US" sz="1800" spc="-1" strike="noStrike">
+              <a:solidFill>
+                <a:srgbClr val="ffffff"/>
+              </a:solidFill>
+              <a:uFill>
+                <a:solidFill>
+                  <a:srgbClr val="ffffff"/>
+                </a:solidFill>
+              </a:uFill>
+              <a:latin typeface="Arial"/>
+            </a:endParaRPr>
+          </a:p>
+          <a:p>
+            <a:pPr lvl="5" marL="2514600" indent="-227880">
               <a:lnSpc>
                 <a:spcPct val="100000"/>
               </a:lnSpc>
@@ -9475,20 +9150,20 @@
               </a:rPr>
               <a:t>Ordering System</a:t>
             </a:r>
-            <a:endParaRPr b="0" lang="en-US" sz="2000" spc="-1" strike="noStrike">
-              <a:solidFill>
-                <a:srgbClr val="ffffff"/>
-              </a:solidFill>
-              <a:uFill>
-                <a:solidFill>
-                  <a:srgbClr val="ffffff"/>
-                </a:solidFill>
-              </a:uFill>
-              <a:latin typeface="Trebuchet MS"/>
-            </a:endParaRPr>
-          </a:p>
-          <a:p>
-            <a:pPr lvl="4" marL="2057400" indent="-228240">
+            <a:endParaRPr b="0" lang="en-US" sz="1800" spc="-1" strike="noStrike">
+              <a:solidFill>
+                <a:srgbClr val="ffffff"/>
+              </a:solidFill>
+              <a:uFill>
+                <a:solidFill>
+                  <a:srgbClr val="ffffff"/>
+                </a:solidFill>
+              </a:uFill>
+              <a:latin typeface="Arial"/>
+            </a:endParaRPr>
+          </a:p>
+          <a:p>
+            <a:pPr lvl="4" marL="2057400" indent="-227880">
               <a:lnSpc>
                 <a:spcPct val="100000"/>
               </a:lnSpc>
@@ -9516,20 +9191,20 @@
               </a:rPr>
               <a:t>Weekly Ad</a:t>
             </a:r>
-            <a:endParaRPr b="0" lang="en-US" sz="2000" spc="-1" strike="noStrike">
-              <a:solidFill>
-                <a:srgbClr val="ffffff"/>
-              </a:solidFill>
-              <a:uFill>
-                <a:solidFill>
-                  <a:srgbClr val="ffffff"/>
-                </a:solidFill>
-              </a:uFill>
-              <a:latin typeface="Trebuchet MS"/>
-            </a:endParaRPr>
-          </a:p>
-          <a:p>
-            <a:pPr lvl="4" marL="2057400" indent="-228240">
+            <a:endParaRPr b="0" lang="en-US" sz="1800" spc="-1" strike="noStrike">
+              <a:solidFill>
+                <a:srgbClr val="ffffff"/>
+              </a:solidFill>
+              <a:uFill>
+                <a:solidFill>
+                  <a:srgbClr val="ffffff"/>
+                </a:solidFill>
+              </a:uFill>
+              <a:latin typeface="Arial"/>
+            </a:endParaRPr>
+          </a:p>
+          <a:p>
+            <a:pPr lvl="4" marL="2057400" indent="-227880">
               <a:lnSpc>
                 <a:spcPct val="100000"/>
               </a:lnSpc>
@@ -9557,20 +9232,20 @@
               </a:rPr>
               <a:t>Announcements</a:t>
             </a:r>
-            <a:endParaRPr b="0" lang="en-US" sz="2000" spc="-1" strike="noStrike">
-              <a:solidFill>
-                <a:srgbClr val="ffffff"/>
-              </a:solidFill>
-              <a:uFill>
-                <a:solidFill>
-                  <a:srgbClr val="ffffff"/>
-                </a:solidFill>
-              </a:uFill>
-              <a:latin typeface="Trebuchet MS"/>
-            </a:endParaRPr>
-          </a:p>
-          <a:p>
-            <a:pPr lvl="4" marL="2057400" indent="-228240">
+            <a:endParaRPr b="0" lang="en-US" sz="1800" spc="-1" strike="noStrike">
+              <a:solidFill>
+                <a:srgbClr val="ffffff"/>
+              </a:solidFill>
+              <a:uFill>
+                <a:solidFill>
+                  <a:srgbClr val="ffffff"/>
+                </a:solidFill>
+              </a:uFill>
+              <a:latin typeface="Arial"/>
+            </a:endParaRPr>
+          </a:p>
+          <a:p>
+            <a:pPr lvl="4" marL="2057400" indent="-227880">
               <a:lnSpc>
                 <a:spcPct val="100000"/>
               </a:lnSpc>
@@ -9598,20 +9273,20 @@
               </a:rPr>
               <a:t>Contact</a:t>
             </a:r>
-            <a:endParaRPr b="0" lang="en-US" sz="2000" spc="-1" strike="noStrike">
-              <a:solidFill>
-                <a:srgbClr val="ffffff"/>
-              </a:solidFill>
-              <a:uFill>
-                <a:solidFill>
-                  <a:srgbClr val="ffffff"/>
-                </a:solidFill>
-              </a:uFill>
-              <a:latin typeface="Trebuchet MS"/>
-            </a:endParaRPr>
-          </a:p>
-          <a:p>
-            <a:pPr lvl="1" marL="743040" indent="-285480">
+            <a:endParaRPr b="0" lang="en-US" sz="1800" spc="-1" strike="noStrike">
+              <a:solidFill>
+                <a:srgbClr val="ffffff"/>
+              </a:solidFill>
+              <a:uFill>
+                <a:solidFill>
+                  <a:srgbClr val="ffffff"/>
+                </a:solidFill>
+              </a:uFill>
+              <a:latin typeface="Arial"/>
+            </a:endParaRPr>
+          </a:p>
+          <a:p>
+            <a:pPr lvl="1" marL="743040" indent="-285120">
               <a:lnSpc>
                 <a:spcPct val="100000"/>
               </a:lnSpc>
@@ -9639,20 +9314,20 @@
               </a:rPr>
               <a:t>Non-Functional</a:t>
             </a:r>
-            <a:endParaRPr b="0" lang="en-US" sz="1400" spc="-1" strike="noStrike">
-              <a:solidFill>
-                <a:srgbClr val="ffffff"/>
-              </a:solidFill>
-              <a:uFill>
-                <a:solidFill>
-                  <a:srgbClr val="ffffff"/>
-                </a:solidFill>
-              </a:uFill>
-              <a:latin typeface="Trebuchet MS"/>
-            </a:endParaRPr>
-          </a:p>
-          <a:p>
-            <a:pPr lvl="2" marL="1143000" indent="-228240">
+            <a:endParaRPr b="0" lang="en-US" sz="1800" spc="-1" strike="noStrike">
+              <a:solidFill>
+                <a:srgbClr val="ffffff"/>
+              </a:solidFill>
+              <a:uFill>
+                <a:solidFill>
+                  <a:srgbClr val="ffffff"/>
+                </a:solidFill>
+              </a:uFill>
+              <a:latin typeface="Arial"/>
+            </a:endParaRPr>
+          </a:p>
+          <a:p>
+            <a:pPr lvl="2" marL="1143000" indent="-227880">
               <a:lnSpc>
                 <a:spcPct val="100000"/>
               </a:lnSpc>
@@ -9680,16 +9355,16 @@
               </a:rPr>
               <a:t>Easy to use</a:t>
             </a:r>
-            <a:endParaRPr b="0" lang="en-US" sz="1200" spc="-1" strike="noStrike">
-              <a:solidFill>
-                <a:srgbClr val="ffffff"/>
-              </a:solidFill>
-              <a:uFill>
-                <a:solidFill>
-                  <a:srgbClr val="ffffff"/>
-                </a:solidFill>
-              </a:uFill>
-              <a:latin typeface="Trebuchet MS"/>
+            <a:endParaRPr b="0" lang="en-US" sz="1800" spc="-1" strike="noStrike">
+              <a:solidFill>
+                <a:srgbClr val="ffffff"/>
+              </a:solidFill>
+              <a:uFill>
+                <a:solidFill>
+                  <a:srgbClr val="ffffff"/>
+                </a:solidFill>
+              </a:uFill>
+              <a:latin typeface="Arial"/>
             </a:endParaRPr>
           </a:p>
           <a:p>
@@ -9710,7 +9385,7 @@
                   <a:srgbClr val="ffffff"/>
                 </a:solidFill>
               </a:uFill>
-              <a:latin typeface="Trebuchet MS"/>
+              <a:latin typeface="Arial"/>
             </a:endParaRPr>
           </a:p>
         </p:txBody>
@@ -9766,7 +9441,7 @@
       </p:grpSpPr>
       <p:pic>
         <p:nvPicPr>
-          <p:cNvPr id="172" name="Picture 3" descr=""/>
+          <p:cNvPr id="163" name="Picture 3" descr=""/>
           <p:cNvPicPr/>
           <p:nvPr/>
         </p:nvPicPr>
@@ -9777,7 +9452,7 @@
         <p:spPr>
           <a:xfrm>
             <a:off x="2399040" y="1166400"/>
-            <a:ext cx="7075080" cy="5374080"/>
+            <a:ext cx="7074720" cy="5373720"/>
           </a:xfrm>
           <a:prstGeom prst="rect">
             <a:avLst/>
@@ -9789,14 +9464,14 @@
       </p:pic>
       <p:sp>
         <p:nvSpPr>
-          <p:cNvPr id="173" name="TextShape 1"/>
-          <p:cNvSpPr txBox="1"/>
+          <p:cNvPr id="164" name="CustomShape 1"/>
+          <p:cNvSpPr/>
           <p:nvPr/>
         </p:nvSpPr>
         <p:spPr>
           <a:xfrm>
             <a:off x="1506960" y="474120"/>
-            <a:ext cx="8858880" cy="691560"/>
+            <a:ext cx="8858520" cy="691200"/>
           </a:xfrm>
           <a:prstGeom prst="rect">
             <a:avLst/>
@@ -9806,14 +9481,15 @@
             <a:noFill/>
           </a:ln>
         </p:spPr>
-        <p:txBody>
-          <a:bodyPr anchor="b"/>
-          <a:p>
-            <a:pPr algn="ctr">
-              <a:lnSpc>
-                <a:spcPct val="100000"/>
-              </a:lnSpc>
-            </a:pPr>
+        <p:style>
+          <a:lnRef idx="0"/>
+          <a:fillRef idx="0"/>
+          <a:effectRef idx="0"/>
+          <a:fontRef idx="minor"/>
+        </p:style>
+        <p:txBody>
+          <a:bodyPr lIns="90000" rIns="90000" tIns="45000" bIns="45000" anchor="b"/>
+          <a:p>
             <a:r>
               <a:rPr b="0" lang="en-US" sz="3600" spc="-1" strike="noStrike">
                 <a:solidFill>
@@ -9828,21 +9504,24 @@
               </a:rPr>
               <a:t>Software Design Documents:</a:t>
             </a:r>
-            <a:r>
-              <a:rPr b="0" lang="en-US" sz="3600" spc="-1" strike="noStrike">
-                <a:solidFill>
-                  <a:srgbClr val="90c226"/>
-                </a:solidFill>
-                <a:uFill>
-                  <a:solidFill>
-                    <a:srgbClr val="ffffff"/>
-                  </a:solidFill>
-                </a:uFill>
-                <a:latin typeface="Trebuchet MS"/>
-              </a:rPr>
-              <a:t>
-</a:t>
-            </a:r>
+            <a:endParaRPr b="0" lang="en-US" sz="1800" spc="-1" strike="noStrike">
+              <a:solidFill>
+                <a:srgbClr val="ffffff"/>
+              </a:solidFill>
+              <a:uFill>
+                <a:solidFill>
+                  <a:srgbClr val="ffffff"/>
+                </a:solidFill>
+              </a:uFill>
+              <a:latin typeface="Arial"/>
+            </a:endParaRPr>
+          </a:p>
+          <a:p>
+            <a:pPr algn="ctr">
+              <a:lnSpc>
+                <a:spcPct val="100000"/>
+              </a:lnSpc>
+            </a:pPr>
             <a:r>
               <a:rPr b="0" lang="en-US" sz="3600" spc="-1" strike="noStrike">
                 <a:solidFill>
@@ -9866,7 +9545,7 @@
                   <a:srgbClr val="ffffff"/>
                 </a:solidFill>
               </a:uFill>
-              <a:latin typeface="Trebuchet MS"/>
+              <a:latin typeface="Arial"/>
             </a:endParaRPr>
           </a:p>
         </p:txBody>
@@ -9922,7 +9601,7 @@
       </p:grpSpPr>
       <p:pic>
         <p:nvPicPr>
-          <p:cNvPr id="174" name="Picture 3" descr=""/>
+          <p:cNvPr id="165" name="Picture 3" descr=""/>
           <p:cNvPicPr/>
           <p:nvPr/>
         </p:nvPicPr>
@@ -9933,7 +9612,7 @@
         <p:spPr>
           <a:xfrm>
             <a:off x="2377080" y="961200"/>
-            <a:ext cx="6395040" cy="5766120"/>
+            <a:ext cx="6394680" cy="5765760"/>
           </a:xfrm>
           <a:prstGeom prst="rect">
             <a:avLst/>
@@ -9945,14 +9624,14 @@
       </p:pic>
       <p:sp>
         <p:nvSpPr>
-          <p:cNvPr id="175" name="TextShape 1"/>
-          <p:cNvSpPr txBox="1"/>
+          <p:cNvPr id="166" name="CustomShape 1"/>
+          <p:cNvSpPr/>
           <p:nvPr/>
         </p:nvSpPr>
         <p:spPr>
           <a:xfrm>
             <a:off x="1506960" y="137880"/>
-            <a:ext cx="7766640" cy="822960"/>
+            <a:ext cx="7766280" cy="822600"/>
           </a:xfrm>
           <a:prstGeom prst="rect">
             <a:avLst/>
@@ -9962,8 +9641,14 @@
             <a:noFill/>
           </a:ln>
         </p:spPr>
-        <p:txBody>
-          <a:bodyPr anchor="b"/>
+        <p:style>
+          <a:lnRef idx="0"/>
+          <a:fillRef idx="0"/>
+          <a:effectRef idx="0"/>
+          <a:fontRef idx="minor"/>
+        </p:style>
+        <p:txBody>
+          <a:bodyPr lIns="90000" rIns="90000" tIns="45000" bIns="45000" anchor="b"/>
           <a:p>
             <a:pPr algn="ctr">
               <a:lnSpc>
@@ -9993,7 +9678,7 @@
                   <a:srgbClr val="ffffff"/>
                 </a:solidFill>
               </a:uFill>
-              <a:latin typeface="Trebuchet MS"/>
+              <a:latin typeface="Arial"/>
             </a:endParaRPr>
           </a:p>
         </p:txBody>
@@ -10049,14 +9734,14 @@
       </p:grpSpPr>
       <p:sp>
         <p:nvSpPr>
-          <p:cNvPr id="176" name="TextShape 1"/>
-          <p:cNvSpPr txBox="1"/>
+          <p:cNvPr id="167" name="CustomShape 1"/>
+          <p:cNvSpPr/>
           <p:nvPr/>
         </p:nvSpPr>
         <p:spPr>
           <a:xfrm>
             <a:off x="1728000" y="137160"/>
-            <a:ext cx="8596440" cy="1320480"/>
+            <a:ext cx="8596080" cy="1320120"/>
           </a:xfrm>
           <a:prstGeom prst="rect">
             <a:avLst/>
@@ -10066,8 +9751,14 @@
             <a:noFill/>
           </a:ln>
         </p:spPr>
-        <p:txBody>
-          <a:bodyPr/>
+        <p:style>
+          <a:lnRef idx="0"/>
+          <a:fillRef idx="0"/>
+          <a:effectRef idx="0"/>
+          <a:fontRef idx="minor"/>
+        </p:style>
+        <p:txBody>
+          <a:bodyPr lIns="90000" rIns="90000" tIns="45000" bIns="45000"/>
           <a:p>
             <a:pPr algn="ctr">
               <a:lnSpc>
@@ -10097,14 +9788,14 @@
                   <a:srgbClr val="ffffff"/>
                 </a:solidFill>
               </a:uFill>
-              <a:latin typeface="Trebuchet MS"/>
+              <a:latin typeface="Arial"/>
             </a:endParaRPr>
           </a:p>
         </p:txBody>
       </p:sp>
       <p:pic>
         <p:nvPicPr>
-          <p:cNvPr id="177" name="" descr=""/>
+          <p:cNvPr id="168" name="" descr=""/>
           <p:cNvPicPr/>
           <p:nvPr/>
         </p:nvPicPr>
@@ -10115,7 +9806,7 @@
         <p:spPr>
           <a:xfrm>
             <a:off x="792000" y="731520"/>
-            <a:ext cx="10729440" cy="6035040"/>
+            <a:ext cx="10729080" cy="6034680"/>
           </a:xfrm>
           <a:prstGeom prst="rect">
             <a:avLst/>
@@ -10176,7 +9867,7 @@
       </p:grpSpPr>
       <p:pic>
         <p:nvPicPr>
-          <p:cNvPr id="178" name="Picture 2" descr=""/>
+          <p:cNvPr id="169" name="Picture 2" descr=""/>
           <p:cNvPicPr/>
           <p:nvPr/>
         </p:nvPicPr>
@@ -10187,7 +9878,7 @@
         <p:spPr>
           <a:xfrm>
             <a:off x="849240" y="923760"/>
-            <a:ext cx="10300680" cy="5793840"/>
+            <a:ext cx="10300320" cy="5793480"/>
           </a:xfrm>
           <a:prstGeom prst="rect">
             <a:avLst/>
@@ -10199,14 +9890,14 @@
       </p:pic>
       <p:sp>
         <p:nvSpPr>
-          <p:cNvPr id="179" name="TextShape 1"/>
-          <p:cNvSpPr txBox="1"/>
+          <p:cNvPr id="170" name="CustomShape 1"/>
+          <p:cNvSpPr/>
           <p:nvPr/>
         </p:nvSpPr>
         <p:spPr>
           <a:xfrm>
             <a:off x="1701360" y="160560"/>
-            <a:ext cx="8596440" cy="1320480"/>
+            <a:ext cx="8596080" cy="1320120"/>
           </a:xfrm>
           <a:prstGeom prst="rect">
             <a:avLst/>
@@ -10216,8 +9907,14 @@
             <a:noFill/>
           </a:ln>
         </p:spPr>
-        <p:txBody>
-          <a:bodyPr/>
+        <p:style>
+          <a:lnRef idx="0"/>
+          <a:fillRef idx="0"/>
+          <a:effectRef idx="0"/>
+          <a:fontRef idx="minor"/>
+        </p:style>
+        <p:txBody>
+          <a:bodyPr lIns="90000" rIns="90000" tIns="45000" bIns="45000"/>
           <a:p>
             <a:pPr>
               <a:lnSpc>
@@ -10247,7 +9944,7 @@
                   <a:srgbClr val="ffffff"/>
                 </a:solidFill>
               </a:uFill>
-              <a:latin typeface="Trebuchet MS"/>
+              <a:latin typeface="Arial"/>
             </a:endParaRPr>
           </a:p>
         </p:txBody>
@@ -10303,14 +10000,14 @@
       </p:grpSpPr>
       <p:sp>
         <p:nvSpPr>
-          <p:cNvPr id="180" name="TextShape 1"/>
-          <p:cNvSpPr txBox="1"/>
+          <p:cNvPr id="171" name="CustomShape 1"/>
+          <p:cNvSpPr/>
           <p:nvPr/>
         </p:nvSpPr>
         <p:spPr>
           <a:xfrm>
             <a:off x="1523880" y="385200"/>
-            <a:ext cx="8646120" cy="1014120"/>
+            <a:ext cx="8645760" cy="1013760"/>
           </a:xfrm>
           <a:prstGeom prst="rect">
             <a:avLst/>
@@ -10320,8 +10017,14 @@
             <a:noFill/>
           </a:ln>
         </p:spPr>
-        <p:txBody>
-          <a:bodyPr anchor="b"/>
+        <p:style>
+          <a:lnRef idx="0"/>
+          <a:fillRef idx="0"/>
+          <a:effectRef idx="0"/>
+          <a:fontRef idx="minor"/>
+        </p:style>
+        <p:txBody>
+          <a:bodyPr lIns="90000" rIns="90000" tIns="45000" bIns="45000" anchor="b"/>
           <a:p>
             <a:pPr algn="ctr">
               <a:lnSpc>
@@ -10351,21 +10054,21 @@
                   <a:srgbClr val="ffffff"/>
                 </a:solidFill>
               </a:uFill>
-              <a:latin typeface="Trebuchet MS"/>
-            </a:endParaRPr>
-          </a:p>
-        </p:txBody>
-      </p:sp>
-      <p:sp>
-        <p:nvSpPr>
-          <p:cNvPr id="181" name="TextShape 2"/>
-          <p:cNvSpPr txBox="1"/>
+              <a:latin typeface="Arial"/>
+            </a:endParaRPr>
+          </a:p>
+        </p:txBody>
+      </p:sp>
+      <p:sp>
+        <p:nvSpPr>
+          <p:cNvPr id="172" name="CustomShape 2"/>
+          <p:cNvSpPr/>
           <p:nvPr/>
         </p:nvSpPr>
         <p:spPr>
           <a:xfrm>
             <a:off x="2369880" y="1399680"/>
-            <a:ext cx="7314840" cy="5243400"/>
+            <a:ext cx="7314480" cy="5243040"/>
           </a:xfrm>
           <a:prstGeom prst="rect">
             <a:avLst/>
@@ -10375,10 +10078,16 @@
             <a:noFill/>
           </a:ln>
         </p:spPr>
-        <p:txBody>
-          <a:bodyPr/>
-          <a:p>
-            <a:pPr lvl="1" marL="743040" indent="-285480">
+        <p:style>
+          <a:lnRef idx="0"/>
+          <a:fillRef idx="0"/>
+          <a:effectRef idx="0"/>
+          <a:fontRef idx="minor"/>
+        </p:style>
+        <p:txBody>
+          <a:bodyPr lIns="90000" rIns="90000" tIns="45000" bIns="45000"/>
+          <a:p>
+            <a:pPr lvl="1" marL="743040" indent="-285120">
               <a:lnSpc>
                 <a:spcPct val="100000"/>
               </a:lnSpc>
@@ -10404,20 +10113,20 @@
               </a:rPr>
               <a:t>Home Page</a:t>
             </a:r>
-            <a:endParaRPr b="0" lang="en-US" sz="3200" spc="-1" strike="noStrike">
-              <a:solidFill>
-                <a:srgbClr val="ffffff"/>
-              </a:solidFill>
-              <a:uFill>
-                <a:solidFill>
-                  <a:srgbClr val="ffffff"/>
-                </a:solidFill>
-              </a:uFill>
-              <a:latin typeface="Arial"/>
-            </a:endParaRPr>
-          </a:p>
-          <a:p>
-            <a:pPr lvl="2" marL="1143000" indent="-228240">
+            <a:endParaRPr b="0" lang="en-US" sz="1800" spc="-1" strike="noStrike">
+              <a:solidFill>
+                <a:srgbClr val="ffffff"/>
+              </a:solidFill>
+              <a:uFill>
+                <a:solidFill>
+                  <a:srgbClr val="ffffff"/>
+                </a:solidFill>
+              </a:uFill>
+              <a:latin typeface="Arial"/>
+            </a:endParaRPr>
+          </a:p>
+          <a:p>
+            <a:pPr lvl="2" marL="1143000" indent="-227880">
               <a:lnSpc>
                 <a:spcPct val="100000"/>
               </a:lnSpc>
@@ -10443,20 +10152,20 @@
               </a:rPr>
               <a:t>Press NavBar to maximize</a:t>
             </a:r>
-            <a:endParaRPr b="0" lang="en-US" sz="3200" spc="-1" strike="noStrike">
-              <a:solidFill>
-                <a:srgbClr val="ffffff"/>
-              </a:solidFill>
-              <a:uFill>
-                <a:solidFill>
-                  <a:srgbClr val="ffffff"/>
-                </a:solidFill>
-              </a:uFill>
-              <a:latin typeface="Arial"/>
-            </a:endParaRPr>
-          </a:p>
-          <a:p>
-            <a:pPr lvl="3" marL="1600200" indent="-228240">
+            <a:endParaRPr b="0" lang="en-US" sz="1800" spc="-1" strike="noStrike">
+              <a:solidFill>
+                <a:srgbClr val="ffffff"/>
+              </a:solidFill>
+              <a:uFill>
+                <a:solidFill>
+                  <a:srgbClr val="ffffff"/>
+                </a:solidFill>
+              </a:uFill>
+              <a:latin typeface="Arial"/>
+            </a:endParaRPr>
+          </a:p>
+          <a:p>
+            <a:pPr lvl="3" marL="1600200" indent="-227880">
               <a:lnSpc>
                 <a:spcPct val="100000"/>
               </a:lnSpc>
@@ -10482,20 +10191,20 @@
               </a:rPr>
               <a:t>Select Weekly Ad</a:t>
             </a:r>
-            <a:endParaRPr b="0" lang="en-US" sz="3200" spc="-1" strike="noStrike">
-              <a:solidFill>
-                <a:srgbClr val="ffffff"/>
-              </a:solidFill>
-              <a:uFill>
-                <a:solidFill>
-                  <a:srgbClr val="ffffff"/>
-                </a:solidFill>
-              </a:uFill>
-              <a:latin typeface="Arial"/>
-            </a:endParaRPr>
-          </a:p>
-          <a:p>
-            <a:pPr lvl="3" marL="1600200" indent="-228240">
+            <a:endParaRPr b="0" lang="en-US" sz="1800" spc="-1" strike="noStrike">
+              <a:solidFill>
+                <a:srgbClr val="ffffff"/>
+              </a:solidFill>
+              <a:uFill>
+                <a:solidFill>
+                  <a:srgbClr val="ffffff"/>
+                </a:solidFill>
+              </a:uFill>
+              <a:latin typeface="Arial"/>
+            </a:endParaRPr>
+          </a:p>
+          <a:p>
+            <a:pPr lvl="3" marL="1600200" indent="-227880">
               <a:lnSpc>
                 <a:spcPct val="100000"/>
               </a:lnSpc>
@@ -10521,20 +10230,20 @@
               </a:rPr>
               <a:t>Select Announcements</a:t>
             </a:r>
-            <a:endParaRPr b="0" lang="en-US" sz="3200" spc="-1" strike="noStrike">
-              <a:solidFill>
-                <a:srgbClr val="ffffff"/>
-              </a:solidFill>
-              <a:uFill>
-                <a:solidFill>
-                  <a:srgbClr val="ffffff"/>
-                </a:solidFill>
-              </a:uFill>
-              <a:latin typeface="Arial"/>
-            </a:endParaRPr>
-          </a:p>
-          <a:p>
-            <a:pPr lvl="3" marL="1600200" indent="-228240">
+            <a:endParaRPr b="0" lang="en-US" sz="1800" spc="-1" strike="noStrike">
+              <a:solidFill>
+                <a:srgbClr val="ffffff"/>
+              </a:solidFill>
+              <a:uFill>
+                <a:solidFill>
+                  <a:srgbClr val="ffffff"/>
+                </a:solidFill>
+              </a:uFill>
+              <a:latin typeface="Arial"/>
+            </a:endParaRPr>
+          </a:p>
+          <a:p>
+            <a:pPr lvl="3" marL="1600200" indent="-227880">
               <a:lnSpc>
                 <a:spcPct val="100000"/>
               </a:lnSpc>
@@ -10560,20 +10269,20 @@
               </a:rPr>
               <a:t>Select Menu</a:t>
             </a:r>
-            <a:endParaRPr b="0" lang="en-US" sz="3200" spc="-1" strike="noStrike">
-              <a:solidFill>
-                <a:srgbClr val="ffffff"/>
-              </a:solidFill>
-              <a:uFill>
-                <a:solidFill>
-                  <a:srgbClr val="ffffff"/>
-                </a:solidFill>
-              </a:uFill>
-              <a:latin typeface="Arial"/>
-            </a:endParaRPr>
-          </a:p>
-          <a:p>
-            <a:pPr lvl="3" marL="1600200" indent="-228240">
+            <a:endParaRPr b="0" lang="en-US" sz="1800" spc="-1" strike="noStrike">
+              <a:solidFill>
+                <a:srgbClr val="ffffff"/>
+              </a:solidFill>
+              <a:uFill>
+                <a:solidFill>
+                  <a:srgbClr val="ffffff"/>
+                </a:solidFill>
+              </a:uFill>
+              <a:latin typeface="Arial"/>
+            </a:endParaRPr>
+          </a:p>
+          <a:p>
+            <a:pPr lvl="3" marL="1600200" indent="-227880">
               <a:lnSpc>
                 <a:spcPct val="100000"/>
               </a:lnSpc>
@@ -10599,20 +10308,20 @@
               </a:rPr>
               <a:t>Select Contact</a:t>
             </a:r>
-            <a:endParaRPr b="0" lang="en-US" sz="3200" spc="-1" strike="noStrike">
-              <a:solidFill>
-                <a:srgbClr val="ffffff"/>
-              </a:solidFill>
-              <a:uFill>
-                <a:solidFill>
-                  <a:srgbClr val="ffffff"/>
-                </a:solidFill>
-              </a:uFill>
-              <a:latin typeface="Arial"/>
-            </a:endParaRPr>
-          </a:p>
-          <a:p>
-            <a:pPr lvl="2" marL="1143000" indent="-228240">
+            <a:endParaRPr b="0" lang="en-US" sz="1800" spc="-1" strike="noStrike">
+              <a:solidFill>
+                <a:srgbClr val="ffffff"/>
+              </a:solidFill>
+              <a:uFill>
+                <a:solidFill>
+                  <a:srgbClr val="ffffff"/>
+                </a:solidFill>
+              </a:uFill>
+              <a:latin typeface="Arial"/>
+            </a:endParaRPr>
+          </a:p>
+          <a:p>
+            <a:pPr lvl="2" marL="1143000" indent="-227880">
               <a:lnSpc>
                 <a:spcPct val="100000"/>
               </a:lnSpc>
@@ -10638,20 +10347,20 @@
               </a:rPr>
               <a:t>Press NavBar to minimize</a:t>
             </a:r>
-            <a:endParaRPr b="0" lang="en-US" sz="3200" spc="-1" strike="noStrike">
-              <a:solidFill>
-                <a:srgbClr val="ffffff"/>
-              </a:solidFill>
-              <a:uFill>
-                <a:solidFill>
-                  <a:srgbClr val="ffffff"/>
-                </a:solidFill>
-              </a:uFill>
-              <a:latin typeface="Arial"/>
-            </a:endParaRPr>
-          </a:p>
-          <a:p>
-            <a:pPr lvl="2" marL="1143000" indent="-228240">
+            <a:endParaRPr b="0" lang="en-US" sz="1800" spc="-1" strike="noStrike">
+              <a:solidFill>
+                <a:srgbClr val="ffffff"/>
+              </a:solidFill>
+              <a:uFill>
+                <a:solidFill>
+                  <a:srgbClr val="ffffff"/>
+                </a:solidFill>
+              </a:uFill>
+              <a:latin typeface="Arial"/>
+            </a:endParaRPr>
+          </a:p>
+          <a:p>
+            <a:pPr lvl="2" marL="1143000" indent="-227880">
               <a:lnSpc>
                 <a:spcPct val="100000"/>
               </a:lnSpc>
@@ -10677,20 +10386,20 @@
               </a:rPr>
               <a:t>Scroll Up</a:t>
             </a:r>
-            <a:endParaRPr b="0" lang="en-US" sz="3200" spc="-1" strike="noStrike">
-              <a:solidFill>
-                <a:srgbClr val="ffffff"/>
-              </a:solidFill>
-              <a:uFill>
-                <a:solidFill>
-                  <a:srgbClr val="ffffff"/>
-                </a:solidFill>
-              </a:uFill>
-              <a:latin typeface="Arial"/>
-            </a:endParaRPr>
-          </a:p>
-          <a:p>
-            <a:pPr lvl="2" marL="1143000" indent="-228240">
+            <a:endParaRPr b="0" lang="en-US" sz="1800" spc="-1" strike="noStrike">
+              <a:solidFill>
+                <a:srgbClr val="ffffff"/>
+              </a:solidFill>
+              <a:uFill>
+                <a:solidFill>
+                  <a:srgbClr val="ffffff"/>
+                </a:solidFill>
+              </a:uFill>
+              <a:latin typeface="Arial"/>
+            </a:endParaRPr>
+          </a:p>
+          <a:p>
+            <a:pPr lvl="2" marL="1143000" indent="-227880">
               <a:lnSpc>
                 <a:spcPct val="100000"/>
               </a:lnSpc>
@@ -10716,20 +10425,20 @@
               </a:rPr>
               <a:t>Scroll Down</a:t>
             </a:r>
-            <a:endParaRPr b="0" lang="en-US" sz="3200" spc="-1" strike="noStrike">
-              <a:solidFill>
-                <a:srgbClr val="ffffff"/>
-              </a:solidFill>
-              <a:uFill>
-                <a:solidFill>
-                  <a:srgbClr val="ffffff"/>
-                </a:solidFill>
-              </a:uFill>
-              <a:latin typeface="Arial"/>
-            </a:endParaRPr>
-          </a:p>
-          <a:p>
-            <a:pPr lvl="2" marL="1143000" indent="-228240">
+            <a:endParaRPr b="0" lang="en-US" sz="1800" spc="-1" strike="noStrike">
+              <a:solidFill>
+                <a:srgbClr val="ffffff"/>
+              </a:solidFill>
+              <a:uFill>
+                <a:solidFill>
+                  <a:srgbClr val="ffffff"/>
+                </a:solidFill>
+              </a:uFill>
+              <a:latin typeface="Arial"/>
+            </a:endParaRPr>
+          </a:p>
+          <a:p>
+            <a:pPr lvl="2" marL="1143000" indent="-227880">
               <a:lnSpc>
                 <a:spcPct val="100000"/>
               </a:lnSpc>
@@ -10755,20 +10464,59 @@
               </a:rPr>
               <a:t>Zoom In/Out</a:t>
             </a:r>
-            <a:endParaRPr b="0" lang="en-US" sz="3200" spc="-1" strike="noStrike">
-              <a:solidFill>
-                <a:srgbClr val="ffffff"/>
-              </a:solidFill>
-              <a:uFill>
-                <a:solidFill>
-                  <a:srgbClr val="ffffff"/>
-                </a:solidFill>
-              </a:uFill>
-              <a:latin typeface="Arial"/>
-            </a:endParaRPr>
-          </a:p>
-          <a:p>
-            <a:pPr lvl="3" marL="1600200" indent="-228240">
+            <a:endParaRPr b="0" lang="en-US" sz="1800" spc="-1" strike="noStrike">
+              <a:solidFill>
+                <a:srgbClr val="ffffff"/>
+              </a:solidFill>
+              <a:uFill>
+                <a:solidFill>
+                  <a:srgbClr val="ffffff"/>
+                </a:solidFill>
+              </a:uFill>
+              <a:latin typeface="Arial"/>
+            </a:endParaRPr>
+          </a:p>
+          <a:p>
+            <a:pPr lvl="2" marL="1143000" indent="-227880">
+              <a:lnSpc>
+                <a:spcPct val="100000"/>
+              </a:lnSpc>
+              <a:buClr>
+                <a:srgbClr val="90c226"/>
+              </a:buClr>
+              <a:buSzPct val="80000"/>
+              <a:buFont typeface="Trebuchet MS"/>
+              <a:buAutoNum type="romanLcPeriod"/>
+            </a:pPr>
+            <a:r>
+              <a:rPr b="0" lang="en-US" sz="2000" spc="-1" strike="noStrike">
+                <a:solidFill>
+                  <a:srgbClr val="ffffff"/>
+                </a:solidFill>
+                <a:uFill>
+                  <a:solidFill>
+                    <a:srgbClr val="ffffff"/>
+                  </a:solidFill>
+                </a:uFill>
+                <a:latin typeface="Cambria"/>
+                <a:ea typeface="MS Mincho"/>
+              </a:rPr>
+              <a:t>Back button</a:t>
+            </a:r>
+            <a:endParaRPr b="0" lang="en-US" sz="1800" spc="-1" strike="noStrike">
+              <a:solidFill>
+                <a:srgbClr val="ffffff"/>
+              </a:solidFill>
+              <a:uFill>
+                <a:solidFill>
+                  <a:srgbClr val="ffffff"/>
+                </a:solidFill>
+              </a:uFill>
+              <a:latin typeface="Arial"/>
+            </a:endParaRPr>
+          </a:p>
+          <a:p>
+            <a:pPr lvl="3" marL="1600200" indent="-227880">
               <a:lnSpc>
                 <a:spcPct val="100000"/>
               </a:lnSpc>
@@ -10794,20 +10542,20 @@
               </a:rPr>
               <a:t>Double tap functionality</a:t>
             </a:r>
-            <a:endParaRPr b="0" lang="en-US" sz="3200" spc="-1" strike="noStrike">
-              <a:solidFill>
-                <a:srgbClr val="ffffff"/>
-              </a:solidFill>
-              <a:uFill>
-                <a:solidFill>
-                  <a:srgbClr val="ffffff"/>
-                </a:solidFill>
-              </a:uFill>
-              <a:latin typeface="Arial"/>
-            </a:endParaRPr>
-          </a:p>
-          <a:p>
-            <a:pPr lvl="1" marL="743040" indent="-285480">
+            <a:endParaRPr b="0" lang="en-US" sz="1800" spc="-1" strike="noStrike">
+              <a:solidFill>
+                <a:srgbClr val="ffffff"/>
+              </a:solidFill>
+              <a:uFill>
+                <a:solidFill>
+                  <a:srgbClr val="ffffff"/>
+                </a:solidFill>
+              </a:uFill>
+              <a:latin typeface="Arial"/>
+            </a:endParaRPr>
+          </a:p>
+          <a:p>
+            <a:pPr lvl="1" marL="743040" indent="-285120">
               <a:lnSpc>
                 <a:spcPct val="100000"/>
               </a:lnSpc>
@@ -10833,20 +10581,20 @@
               </a:rPr>
               <a:t>Weekly Ad</a:t>
             </a:r>
-            <a:endParaRPr b="0" lang="en-US" sz="3200" spc="-1" strike="noStrike">
-              <a:solidFill>
-                <a:srgbClr val="ffffff"/>
-              </a:solidFill>
-              <a:uFill>
-                <a:solidFill>
-                  <a:srgbClr val="ffffff"/>
-                </a:solidFill>
-              </a:uFill>
-              <a:latin typeface="Arial"/>
-            </a:endParaRPr>
-          </a:p>
-          <a:p>
-            <a:pPr lvl="2" marL="1143000" indent="-228240">
+            <a:endParaRPr b="0" lang="en-US" sz="1800" spc="-1" strike="noStrike">
+              <a:solidFill>
+                <a:srgbClr val="ffffff"/>
+              </a:solidFill>
+              <a:uFill>
+                <a:solidFill>
+                  <a:srgbClr val="ffffff"/>
+                </a:solidFill>
+              </a:uFill>
+              <a:latin typeface="Arial"/>
+            </a:endParaRPr>
+          </a:p>
+          <a:p>
+            <a:pPr lvl="2" marL="1143000" indent="-227880">
               <a:lnSpc>
                 <a:spcPct val="100000"/>
               </a:lnSpc>
@@ -10872,20 +10620,20 @@
               </a:rPr>
               <a:t>Scroll Up/Down</a:t>
             </a:r>
-            <a:endParaRPr b="0" lang="en-US" sz="3200" spc="-1" strike="noStrike">
-              <a:solidFill>
-                <a:srgbClr val="ffffff"/>
-              </a:solidFill>
-              <a:uFill>
-                <a:solidFill>
-                  <a:srgbClr val="ffffff"/>
-                </a:solidFill>
-              </a:uFill>
-              <a:latin typeface="Arial"/>
-            </a:endParaRPr>
-          </a:p>
-          <a:p>
-            <a:pPr lvl="2" marL="1143000" indent="-228240">
+            <a:endParaRPr b="0" lang="en-US" sz="1800" spc="-1" strike="noStrike">
+              <a:solidFill>
+                <a:srgbClr val="ffffff"/>
+              </a:solidFill>
+              <a:uFill>
+                <a:solidFill>
+                  <a:srgbClr val="ffffff"/>
+                </a:solidFill>
+              </a:uFill>
+              <a:latin typeface="Arial"/>
+            </a:endParaRPr>
+          </a:p>
+          <a:p>
+            <a:pPr lvl="2" marL="1143000" indent="-227880">
               <a:lnSpc>
                 <a:spcPct val="100000"/>
               </a:lnSpc>
@@ -10911,20 +10659,20 @@
               </a:rPr>
               <a:t>Zoom In/Out</a:t>
             </a:r>
-            <a:endParaRPr b="0" lang="en-US" sz="3200" spc="-1" strike="noStrike">
-              <a:solidFill>
-                <a:srgbClr val="ffffff"/>
-              </a:solidFill>
-              <a:uFill>
-                <a:solidFill>
-                  <a:srgbClr val="ffffff"/>
-                </a:solidFill>
-              </a:uFill>
-              <a:latin typeface="Arial"/>
-            </a:endParaRPr>
-          </a:p>
-          <a:p>
-            <a:pPr lvl="2" marL="1143000" indent="-228240">
+            <a:endParaRPr b="0" lang="en-US" sz="1800" spc="-1" strike="noStrike">
+              <a:solidFill>
+                <a:srgbClr val="ffffff"/>
+              </a:solidFill>
+              <a:uFill>
+                <a:solidFill>
+                  <a:srgbClr val="ffffff"/>
+                </a:solidFill>
+              </a:uFill>
+              <a:latin typeface="Arial"/>
+            </a:endParaRPr>
+          </a:p>
+          <a:p>
+            <a:pPr lvl="2" marL="1143000" indent="-227880">
               <a:lnSpc>
                 <a:spcPct val="100000"/>
               </a:lnSpc>
@@ -10950,20 +10698,20 @@
               </a:rPr>
               <a:t>Double tap functionality</a:t>
             </a:r>
-            <a:endParaRPr b="0" lang="en-US" sz="3200" spc="-1" strike="noStrike">
-              <a:solidFill>
-                <a:srgbClr val="ffffff"/>
-              </a:solidFill>
-              <a:uFill>
-                <a:solidFill>
-                  <a:srgbClr val="ffffff"/>
-                </a:solidFill>
-              </a:uFill>
-              <a:latin typeface="Arial"/>
-            </a:endParaRPr>
-          </a:p>
-          <a:p>
-            <a:pPr lvl="1" marL="743040" indent="-285480">
+            <a:endParaRPr b="0" lang="en-US" sz="1800" spc="-1" strike="noStrike">
+              <a:solidFill>
+                <a:srgbClr val="ffffff"/>
+              </a:solidFill>
+              <a:uFill>
+                <a:solidFill>
+                  <a:srgbClr val="ffffff"/>
+                </a:solidFill>
+              </a:uFill>
+              <a:latin typeface="Arial"/>
+            </a:endParaRPr>
+          </a:p>
+          <a:p>
+            <a:pPr lvl="1" marL="743040" indent="-285120">
               <a:lnSpc>
                 <a:spcPct val="100000"/>
               </a:lnSpc>
@@ -10989,7 +10737,7 @@
               </a:rPr>
               <a:t>Announcements, Menu,  Checkout, Contact</a:t>
             </a:r>
-            <a:endParaRPr b="0" lang="en-US" sz="3200" spc="-1" strike="noStrike">
+            <a:endParaRPr b="0" lang="en-US" sz="1800" spc="-1" strike="noStrike">
               <a:solidFill>
                 <a:srgbClr val="ffffff"/>
               </a:solidFill>
@@ -11007,7 +10755,7 @@
                 <a:spcPct val="100000"/>
               </a:lnSpc>
             </a:pPr>
-            <a:endParaRPr b="0" lang="en-US" sz="3200" spc="-1" strike="noStrike">
+            <a:endParaRPr b="0" lang="en-US" sz="1800" spc="-1" strike="noStrike">
               <a:solidFill>
                 <a:srgbClr val="ffffff"/>
               </a:solidFill>
@@ -11028,7 +10776,7 @@
                 <a:spcPts val="1001"/>
               </a:spcBef>
             </a:pPr>
-            <a:endParaRPr b="0" lang="en-US" sz="3200" spc="-1" strike="noStrike">
+            <a:endParaRPr b="0" lang="en-US" sz="1800" spc="-1" strike="noStrike">
               <a:solidFill>
                 <a:srgbClr val="ffffff"/>
               </a:solidFill>
@@ -11093,14 +10841,14 @@
       </p:grpSpPr>
       <p:sp>
         <p:nvSpPr>
-          <p:cNvPr id="182" name="TextShape 1"/>
-          <p:cNvSpPr txBox="1"/>
+          <p:cNvPr id="173" name="CustomShape 1"/>
+          <p:cNvSpPr/>
           <p:nvPr/>
         </p:nvSpPr>
         <p:spPr>
           <a:xfrm>
             <a:off x="677160" y="609480"/>
-            <a:ext cx="8596440" cy="2002680"/>
+            <a:ext cx="8596080" cy="2002320"/>
           </a:xfrm>
           <a:prstGeom prst="rect">
             <a:avLst/>
@@ -11110,14 +10858,15 @@
             <a:noFill/>
           </a:ln>
         </p:spPr>
-        <p:txBody>
-          <a:bodyPr/>
-          <a:p>
-            <a:pPr>
-              <a:lnSpc>
-                <a:spcPct val="100000"/>
-              </a:lnSpc>
-            </a:pPr>
+        <p:style>
+          <a:lnRef idx="0"/>
+          <a:fillRef idx="0"/>
+          <a:effectRef idx="0"/>
+          <a:fontRef idx="minor"/>
+        </p:style>
+        <p:txBody>
+          <a:bodyPr lIns="90000" rIns="90000" tIns="45000" bIns="45000"/>
+          <a:p>
             <a:r>
               <a:rPr b="0" lang="en-US" sz="3600" spc="-1" strike="noStrike">
                 <a:solidFill>
@@ -11132,36 +10881,37 @@
               </a:rPr>
               <a:t>Grocery Store App Demo</a:t>
             </a:r>
-            <a:r>
-              <a:rPr b="0" lang="en-US" sz="3600" spc="-1" strike="noStrike">
-                <a:solidFill>
-                  <a:srgbClr val="90c226"/>
-                </a:solidFill>
-                <a:uFill>
-                  <a:solidFill>
-                    <a:srgbClr val="ffffff"/>
-                  </a:solidFill>
-                </a:uFill>
-                <a:latin typeface="Trebuchet MS"/>
-              </a:rPr>
-              <a:t>
-</a:t>
-            </a:r>
-            <a:r>
-              <a:rPr b="0" lang="en-US" sz="3600" spc="-1" strike="noStrike">
-                <a:solidFill>
-                  <a:srgbClr val="90c226"/>
-                </a:solidFill>
-                <a:uFill>
-                  <a:solidFill>
-                    <a:srgbClr val="ffffff"/>
-                  </a:solidFill>
-                </a:uFill>
-                <a:latin typeface="Trebuchet MS"/>
-              </a:rPr>
-              <a:t>
-</a:t>
-            </a:r>
+            <a:endParaRPr b="0" lang="en-US" sz="1800" spc="-1" strike="noStrike">
+              <a:solidFill>
+                <a:srgbClr val="ffffff"/>
+              </a:solidFill>
+              <a:uFill>
+                <a:solidFill>
+                  <a:srgbClr val="ffffff"/>
+                </a:solidFill>
+              </a:uFill>
+              <a:latin typeface="Arial"/>
+            </a:endParaRPr>
+          </a:p>
+          <a:p>
+            <a:endParaRPr b="0" lang="en-US" sz="1800" spc="-1" strike="noStrike">
+              <a:solidFill>
+                <a:srgbClr val="ffffff"/>
+              </a:solidFill>
+              <a:uFill>
+                <a:solidFill>
+                  <a:srgbClr val="ffffff"/>
+                </a:solidFill>
+              </a:uFill>
+              <a:latin typeface="Arial"/>
+            </a:endParaRPr>
+          </a:p>
+          <a:p>
+            <a:pPr>
+              <a:lnSpc>
+                <a:spcPct val="100000"/>
+              </a:lnSpc>
+            </a:pPr>
             <a:r>
               <a:rPr b="0" lang="en-US" sz="3600" spc="-1" strike="noStrike">
                 <a:solidFill>
@@ -11185,7 +10935,7 @@
                   <a:srgbClr val="ffffff"/>
                 </a:solidFill>
               </a:uFill>
-              <a:latin typeface="Trebuchet MS"/>
+              <a:latin typeface="Arial"/>
             </a:endParaRPr>
           </a:p>
         </p:txBody>
